--- a/_IMT2020_GROUP_02_PW01.pptx
+++ b/_IMT2020_GROUP_02_PW01.pptx
@@ -1,20 +1,20 @@
 
 <file path=ppt/presentation.xml><?xml version="1.0" encoding="utf-8"?>
-<p:presentation xmlns:a="http://schemas.openxmlformats.org/drawingml/2006/main" xmlns:r="http://schemas.openxmlformats.org/officeDocument/2006/relationships" xmlns:p="http://schemas.openxmlformats.org/presentationml/2006/main" xmlns:m="http://schemas.openxmlformats.org/officeDocument/2006/math" xmlns:a14="http://schemas.microsoft.com/office/drawing/2010/main">
+<p:presentation xmlns:a="http://schemas.openxmlformats.org/drawingml/2006/main" xmlns:r="http://schemas.openxmlformats.org/officeDocument/2006/relationships" xmlns:p="http://schemas.openxmlformats.org/presentationml/2006/main">
   <p:sldMasterIdLst>
-    <p:sldMasterId id="2147483648" r:id="rId5"/>
+    <p:sldMasterId id="2147483648" r:id="rId1"/>
   </p:sldMasterIdLst>
   <p:notesMasterIdLst>
-    <p:notesMasterId r:id="rId7"/>
+    <p:notesMasterId r:id="rId9"/>
   </p:notesMasterIdLst>
   <p:sldIdLst>
-    <p:sldId id="256" r:id="rId8"/>
-    <p:sldId id="257" r:id="rId9"/>
-    <p:sldId id="258" r:id="rId10"/>
-    <p:sldId id="259" r:id="rId11"/>
-    <p:sldId id="260" r:id="rId12"/>
-    <p:sldId id="261" r:id="rId13"/>
-    <p:sldId id="262" r:id="rId14"/>
+    <p:sldId id="256" r:id="rId2"/>
+    <p:sldId id="257" r:id="rId3"/>
+    <p:sldId id="258" r:id="rId4"/>
+    <p:sldId id="259" r:id="rId5"/>
+    <p:sldId id="260" r:id="rId6"/>
+    <p:sldId id="261" r:id="rId7"/>
+    <p:sldId id="262" r:id="rId8"/>
   </p:sldIdLst>
   <p:sldSz cx="24384000" cy="13716000"/>
   <p:notesSz cx="6858000" cy="9144000"/>
@@ -34,7 +34,7 @@
       <a:buFontTx/>
       <a:buNone/>
       <a:tabLst/>
-      <a:defRPr b="0" baseline="0" cap="none" i="0" spc="0" strike="noStrike" sz="1800" u="none" kumimoji="0" normalizeH="0">
+      <a:defRPr kumimoji="0" sz="1800" b="0" i="0" u="none" strike="noStrike" cap="none" spc="0" normalizeH="0" baseline="0">
         <a:ln>
           <a:noFill/>
         </a:ln>
@@ -62,7 +62,7 @@
       <a:tabLst>
         <a:tab pos="812800" algn="l"/>
       </a:tabLst>
-      <a:defRPr b="0" baseline="0" cap="none" i="0" spc="-26" strike="noStrike" sz="2600" u="none" kumimoji="0" normalizeH="0">
+      <a:defRPr kumimoji="0" sz="2600" b="0" i="0" u="none" strike="noStrike" cap="none" spc="-26" normalizeH="0" baseline="0">
         <a:ln>
           <a:noFill/>
         </a:ln>
@@ -94,7 +94,7 @@
       <a:tabLst>
         <a:tab pos="812800" algn="l"/>
       </a:tabLst>
-      <a:defRPr b="0" baseline="0" cap="none" i="0" spc="-26" strike="noStrike" sz="2600" u="none" kumimoji="0" normalizeH="0">
+      <a:defRPr kumimoji="0" sz="2600" b="0" i="0" u="none" strike="noStrike" cap="none" spc="-26" normalizeH="0" baseline="0">
         <a:ln>
           <a:noFill/>
         </a:ln>
@@ -126,7 +126,7 @@
       <a:tabLst>
         <a:tab pos="812800" algn="l"/>
       </a:tabLst>
-      <a:defRPr b="0" baseline="0" cap="none" i="0" spc="-26" strike="noStrike" sz="2600" u="none" kumimoji="0" normalizeH="0">
+      <a:defRPr kumimoji="0" sz="2600" b="0" i="0" u="none" strike="noStrike" cap="none" spc="-26" normalizeH="0" baseline="0">
         <a:ln>
           <a:noFill/>
         </a:ln>
@@ -158,7 +158,7 @@
       <a:tabLst>
         <a:tab pos="812800" algn="l"/>
       </a:tabLst>
-      <a:defRPr b="0" baseline="0" cap="none" i="0" spc="-26" strike="noStrike" sz="2600" u="none" kumimoji="0" normalizeH="0">
+      <a:defRPr kumimoji="0" sz="2600" b="0" i="0" u="none" strike="noStrike" cap="none" spc="-26" normalizeH="0" baseline="0">
         <a:ln>
           <a:noFill/>
         </a:ln>
@@ -190,7 +190,7 @@
       <a:tabLst>
         <a:tab pos="812800" algn="l"/>
       </a:tabLst>
-      <a:defRPr b="0" baseline="0" cap="none" i="0" spc="-26" strike="noStrike" sz="2600" u="none" kumimoji="0" normalizeH="0">
+      <a:defRPr kumimoji="0" sz="2600" b="0" i="0" u="none" strike="noStrike" cap="none" spc="-26" normalizeH="0" baseline="0">
         <a:ln>
           <a:noFill/>
         </a:ln>
@@ -222,7 +222,7 @@
       <a:tabLst>
         <a:tab pos="812800" algn="l"/>
       </a:tabLst>
-      <a:defRPr b="0" baseline="0" cap="none" i="0" spc="-26" strike="noStrike" sz="2600" u="none" kumimoji="0" normalizeH="0">
+      <a:defRPr kumimoji="0" sz="2600" b="0" i="0" u="none" strike="noStrike" cap="none" spc="-26" normalizeH="0" baseline="0">
         <a:ln>
           <a:noFill/>
         </a:ln>
@@ -254,7 +254,7 @@
       <a:tabLst>
         <a:tab pos="812800" algn="l"/>
       </a:tabLst>
-      <a:defRPr b="0" baseline="0" cap="none" i="0" spc="-26" strike="noStrike" sz="2600" u="none" kumimoji="0" normalizeH="0">
+      <a:defRPr kumimoji="0" sz="2600" b="0" i="0" u="none" strike="noStrike" cap="none" spc="-26" normalizeH="0" baseline="0">
         <a:ln>
           <a:noFill/>
         </a:ln>
@@ -286,7 +286,7 @@
       <a:tabLst>
         <a:tab pos="812800" algn="l"/>
       </a:tabLst>
-      <a:defRPr b="0" baseline="0" cap="none" i="0" spc="-26" strike="noStrike" sz="2600" u="none" kumimoji="0" normalizeH="0">
+      <a:defRPr kumimoji="0" sz="2600" b="0" i="0" u="none" strike="noStrike" cap="none" spc="-26" normalizeH="0" baseline="0">
         <a:ln>
           <a:noFill/>
         </a:ln>
@@ -318,7 +318,7 @@
       <a:tabLst>
         <a:tab pos="812800" algn="l"/>
       </a:tabLst>
-      <a:defRPr b="0" baseline="0" cap="none" i="0" spc="-26" strike="noStrike" sz="2600" u="none" kumimoji="0" normalizeH="0">
+      <a:defRPr kumimoji="0" sz="2600" b="0" i="0" u="none" strike="noStrike" cap="none" spc="-26" normalizeH="0" baseline="0">
         <a:ln>
           <a:noFill/>
         </a:ln>
@@ -337,13 +337,14 @@
 </p:presentation>
 </file>
 
-<file path=ppt/commentAuthors.xml><?xml version="1.0" encoding="utf-8"?>
-<p:cmAuthorLst xmlns:a="http://schemas.openxmlformats.org/drawingml/2006/main" xmlns:r="http://schemas.openxmlformats.org/officeDocument/2006/relationships" xmlns:p="http://schemas.openxmlformats.org/presentationml/2006/main" xmlns:m="http://schemas.openxmlformats.org/officeDocument/2006/math" xmlns:a14="http://schemas.microsoft.com/office/drawing/2010/main"/>
-</file>
-
 <file path=ppt/notesMasters/notesMaster1.xml><?xml version="1.0" encoding="utf-8"?>
-<p:notesMaster xmlns:a="http://schemas.openxmlformats.org/drawingml/2006/main" xmlns:r="http://schemas.openxmlformats.org/officeDocument/2006/relationships" xmlns:p="http://schemas.openxmlformats.org/presentationml/2006/main" xmlns:m="http://schemas.openxmlformats.org/officeDocument/2006/math" xmlns:a14="http://schemas.microsoft.com/office/drawing/2010/main">
+<p:notesMaster xmlns:a="http://schemas.openxmlformats.org/drawingml/2006/main" xmlns:r="http://schemas.openxmlformats.org/officeDocument/2006/relationships" xmlns:p="http://schemas.openxmlformats.org/presentationml/2006/main">
   <p:cSld>
+    <p:bg>
+      <p:bgRef idx="1001">
+        <a:schemeClr val="bg1"/>
+      </p:bgRef>
+    </p:bg>
     <p:spTree>
       <p:nvGrpSpPr>
         <p:cNvPr id="1" name=""/>
@@ -361,7 +362,9 @@
       <p:sp>
         <p:nvSpPr>
           <p:cNvPr id="163" name="Shape 163"/>
-          <p:cNvSpPr/>
+          <p:cNvSpPr>
+            <a:spLocks noGrp="1" noRot="1" noChangeAspect="1"/>
+          </p:cNvSpPr>
           <p:nvPr>
             <p:ph type="sldImg"/>
           </p:nvPr>
@@ -379,14 +382,16 @@
           <a:bodyPr/>
           <a:lstStyle/>
           <a:p>
-            <a:pPr/>
+            <a:endParaRPr/>
           </a:p>
         </p:txBody>
       </p:sp>
       <p:sp>
         <p:nvSpPr>
           <p:cNvPr id="164" name="Shape 164"/>
-          <p:cNvSpPr/>
+          <p:cNvSpPr>
+            <a:spLocks noGrp="1"/>
+          </p:cNvSpPr>
           <p:nvPr>
             <p:ph type="body" sz="quarter" idx="1"/>
           </p:nvPr>
@@ -404,7 +409,7 @@
           <a:bodyPr/>
           <a:lstStyle/>
           <a:p>
-            <a:pPr/>
+            <a:endParaRPr/>
           </a:p>
         </p:txBody>
       </p:sp>
@@ -516,7 +521,7 @@
 </file>
 
 <file path=ppt/slideLayouts/slideLayout1.xml><?xml version="1.0" encoding="utf-8"?>
-<p:sldLayout xmlns:a="http://schemas.openxmlformats.org/drawingml/2006/main" xmlns:r="http://schemas.openxmlformats.org/officeDocument/2006/relationships" xmlns:p="http://schemas.openxmlformats.org/presentationml/2006/main" xmlns:m="http://schemas.openxmlformats.org/officeDocument/2006/math" xmlns:a14="http://schemas.microsoft.com/office/drawing/2010/main" type="title" showMasterSp="1" showMasterPhAnim="1">
+<p:sldLayout xmlns:a="http://schemas.openxmlformats.org/drawingml/2006/main" xmlns:r="http://schemas.openxmlformats.org/officeDocument/2006/relationships" xmlns:p="http://schemas.openxmlformats.org/presentationml/2006/main" type="title">
   <p:cSld name="Title">
     <p:spTree>
       <p:nvGrpSpPr>
@@ -535,7 +540,9 @@
       <p:sp>
         <p:nvSpPr>
           <p:cNvPr id="11" name="Presentation Title"/>
-          <p:cNvSpPr txBox="1"/>
+          <p:cNvSpPr txBox="1">
+            <a:spLocks noGrp="1"/>
+          </p:cNvSpPr>
           <p:nvPr>
             <p:ph type="title" hasCustomPrompt="1"/>
           </p:nvPr>
@@ -549,7 +556,6 @@
           <a:bodyPr/>
           <a:lstStyle/>
           <a:p>
-            <a:pPr/>
             <a:r>
               <a:t>Presentation Title</a:t>
             </a:r>
@@ -559,7 +565,9 @@
       <p:sp>
         <p:nvSpPr>
           <p:cNvPr id="12" name="Body Level One…"/>
-          <p:cNvSpPr txBox="1"/>
+          <p:cNvSpPr txBox="1">
+            <a:spLocks noGrp="1"/>
+          </p:cNvSpPr>
           <p:nvPr>
             <p:ph type="body" sz="quarter" idx="1" hasCustomPrompt="1"/>
           </p:nvPr>
@@ -573,41 +581,34 @@
           <a:bodyPr/>
           <a:lstStyle/>
           <a:p>
-            <a:pPr/>
             <a:r>
               <a:t>Presentation Subtitle </a:t>
             </a:r>
           </a:p>
           <a:p>
             <a:pPr lvl="1"/>
-            <a:r>
-              <a:t/>
-            </a:r>
+            <a:endParaRPr/>
           </a:p>
           <a:p>
             <a:pPr lvl="2"/>
-            <a:r>
-              <a:t/>
-            </a:r>
+            <a:endParaRPr/>
           </a:p>
           <a:p>
             <a:pPr lvl="3"/>
-            <a:r>
-              <a:t/>
-            </a:r>
+            <a:endParaRPr/>
           </a:p>
           <a:p>
             <a:pPr lvl="4"/>
-            <a:r>
-              <a:t/>
-            </a:r>
+            <a:endParaRPr/>
           </a:p>
         </p:txBody>
       </p:sp>
       <p:sp>
         <p:nvSpPr>
           <p:cNvPr id="13" name="Slide Number"/>
-          <p:cNvSpPr txBox="1"/>
+          <p:cNvSpPr txBox="1">
+            <a:spLocks noGrp="1"/>
+          </p:cNvSpPr>
           <p:nvPr>
             <p:ph type="sldNum" sz="quarter" idx="2"/>
           </p:nvPr>
@@ -621,8 +622,10 @@
           <a:bodyPr/>
           <a:lstStyle/>
           <a:p>
-            <a:pPr/>
-            <a:fld id="{86CB4B4D-7CA3-9044-876B-883B54F8677D}" type="slidenum"/>
+            <a:fld id="{86CB4B4D-7CA3-9044-876B-883B54F8677D}" type="slidenum">
+              <a:t>‹#›</a:t>
+            </a:fld>
+            <a:endParaRPr/>
           </a:p>
         </p:txBody>
       </p:sp>
@@ -631,18 +634,19 @@
   <p:clrMapOvr>
     <a:masterClrMapping/>
   </p:clrMapOvr>
-  <p:transition xmlns:p14="http://schemas.microsoft.com/office/powerpoint/2010/main" spd="med" advClick="1"/>
+  <p:transition spd="med"/>
 </p:sldLayout>
 </file>
 
 <file path=ppt/slideLayouts/slideLayout10.xml><?xml version="1.0" encoding="utf-8"?>
-<p:sldLayout xmlns:a="http://schemas.openxmlformats.org/drawingml/2006/main" xmlns:r="http://schemas.openxmlformats.org/officeDocument/2006/relationships" xmlns:p="http://schemas.openxmlformats.org/presentationml/2006/main" xmlns:m="http://schemas.openxmlformats.org/officeDocument/2006/math" xmlns:a14="http://schemas.microsoft.com/office/drawing/2010/main" type="tx" showMasterSp="1" showMasterPhAnim="1">
+<p:sldLayout xmlns:a="http://schemas.openxmlformats.org/drawingml/2006/main" xmlns:r="http://schemas.openxmlformats.org/officeDocument/2006/relationships" xmlns:p="http://schemas.openxmlformats.org/presentationml/2006/main" type="tx">
   <p:cSld name="Statement">
     <p:bg>
       <p:bgPr>
         <a:solidFill>
           <a:srgbClr val="FFFFFF"/>
         </a:solidFill>
+        <a:effectLst/>
       </p:bgPr>
     </p:bg>
     <p:spTree>
@@ -662,7 +666,9 @@
       <p:sp>
         <p:nvSpPr>
           <p:cNvPr id="109" name="Body Level One…"/>
-          <p:cNvSpPr txBox="1"/>
+          <p:cNvSpPr txBox="1">
+            <a:spLocks noGrp="1"/>
+          </p:cNvSpPr>
           <p:nvPr>
             <p:ph type="body" sz="half" idx="1" hasCustomPrompt="1"/>
           </p:nvPr>
@@ -680,7 +686,7 @@
           <a:bodyPr anchor="ctr"/>
           <a:lstStyle>
             <a:lvl1pPr algn="ctr" defTabSz="1160859">
-              <a:defRPr b="1" spc="-408" sz="10200">
+              <a:defRPr sz="10200" b="1" spc="-408">
                 <a:latin typeface="+mn-lt"/>
                 <a:ea typeface="+mn-ea"/>
                 <a:cs typeface="+mn-cs"/>
@@ -688,7 +694,7 @@
               </a:defRPr>
             </a:lvl1pPr>
             <a:lvl2pPr algn="ctr" defTabSz="1160859">
-              <a:defRPr b="1" spc="-408" sz="10200">
+              <a:defRPr sz="10200" b="1" spc="-408">
                 <a:latin typeface="+mn-lt"/>
                 <a:ea typeface="+mn-ea"/>
                 <a:cs typeface="+mn-cs"/>
@@ -696,7 +702,7 @@
               </a:defRPr>
             </a:lvl2pPr>
             <a:lvl3pPr algn="ctr" defTabSz="1160859">
-              <a:defRPr b="1" spc="-408" sz="10200">
+              <a:defRPr sz="10200" b="1" spc="-408">
                 <a:latin typeface="+mn-lt"/>
                 <a:ea typeface="+mn-ea"/>
                 <a:cs typeface="+mn-cs"/>
@@ -704,7 +710,7 @@
               </a:defRPr>
             </a:lvl3pPr>
             <a:lvl4pPr algn="ctr" defTabSz="1160859">
-              <a:defRPr b="1" spc="-408" sz="10200">
+              <a:defRPr sz="10200" b="1" spc="-408">
                 <a:latin typeface="+mn-lt"/>
                 <a:ea typeface="+mn-ea"/>
                 <a:cs typeface="+mn-cs"/>
@@ -712,7 +718,7 @@
               </a:defRPr>
             </a:lvl4pPr>
             <a:lvl5pPr algn="ctr" defTabSz="1160859">
-              <a:defRPr b="1" spc="-408" sz="10200">
+              <a:defRPr sz="10200" b="1" spc="-408">
                 <a:latin typeface="+mn-lt"/>
                 <a:ea typeface="+mn-ea"/>
                 <a:cs typeface="+mn-cs"/>
@@ -721,41 +727,34 @@
             </a:lvl5pPr>
           </a:lstStyle>
           <a:p>
-            <a:pPr/>
             <a:r>
               <a:t>Statement</a:t>
             </a:r>
           </a:p>
           <a:p>
             <a:pPr lvl="1"/>
-            <a:r>
-              <a:t/>
-            </a:r>
+            <a:endParaRPr/>
           </a:p>
           <a:p>
             <a:pPr lvl="2"/>
-            <a:r>
-              <a:t/>
-            </a:r>
+            <a:endParaRPr/>
           </a:p>
           <a:p>
             <a:pPr lvl="3"/>
-            <a:r>
-              <a:t/>
-            </a:r>
+            <a:endParaRPr/>
           </a:p>
           <a:p>
             <a:pPr lvl="4"/>
-            <a:r>
-              <a:t/>
-            </a:r>
+            <a:endParaRPr/>
           </a:p>
         </p:txBody>
       </p:sp>
       <p:sp>
         <p:nvSpPr>
           <p:cNvPr id="110" name="Slide Number"/>
-          <p:cNvSpPr txBox="1"/>
+          <p:cNvSpPr txBox="1">
+            <a:spLocks noGrp="1"/>
+          </p:cNvSpPr>
           <p:nvPr>
             <p:ph type="sldNum" sz="quarter" idx="2"/>
           </p:nvPr>
@@ -769,8 +768,10 @@
           <a:bodyPr/>
           <a:lstStyle/>
           <a:p>
-            <a:pPr/>
-            <a:fld id="{86CB4B4D-7CA3-9044-876B-883B54F8677D}" type="slidenum"/>
+            <a:fld id="{86CB4B4D-7CA3-9044-876B-883B54F8677D}" type="slidenum">
+              <a:t>‹#›</a:t>
+            </a:fld>
+            <a:endParaRPr/>
           </a:p>
         </p:txBody>
       </p:sp>
@@ -779,18 +780,19 @@
   <p:clrMapOvr>
     <a:masterClrMapping/>
   </p:clrMapOvr>
-  <p:transition xmlns:p14="http://schemas.microsoft.com/office/powerpoint/2010/main" spd="med" advClick="1"/>
+  <p:transition spd="med"/>
 </p:sldLayout>
 </file>
 
 <file path=ppt/slideLayouts/slideLayout11.xml><?xml version="1.0" encoding="utf-8"?>
-<p:sldLayout xmlns:a="http://schemas.openxmlformats.org/drawingml/2006/main" xmlns:r="http://schemas.openxmlformats.org/officeDocument/2006/relationships" xmlns:p="http://schemas.openxmlformats.org/presentationml/2006/main" xmlns:m="http://schemas.openxmlformats.org/officeDocument/2006/math" xmlns:a14="http://schemas.microsoft.com/office/drawing/2010/main" type="tx" showMasterSp="1" showMasterPhAnim="1">
+<p:sldLayout xmlns:a="http://schemas.openxmlformats.org/drawingml/2006/main" xmlns:r="http://schemas.openxmlformats.org/officeDocument/2006/relationships" xmlns:p="http://schemas.openxmlformats.org/presentationml/2006/main" type="tx">
   <p:cSld name="Big Fact">
     <p:bg>
       <p:bgPr>
         <a:solidFill>
           <a:srgbClr val="FFFFFF"/>
         </a:solidFill>
+        <a:effectLst/>
       </p:bgPr>
     </p:bg>
     <p:spTree>
@@ -810,7 +812,9 @@
       <p:sp>
         <p:nvSpPr>
           <p:cNvPr id="117" name="Fact information"/>
-          <p:cNvSpPr txBox="1"/>
+          <p:cNvSpPr txBox="1">
+            <a:spLocks noGrp="1"/>
+          </p:cNvSpPr>
           <p:nvPr>
             <p:ph type="body" sz="quarter" idx="21" hasCustomPrompt="1"/>
           </p:nvPr>
@@ -831,11 +835,10 @@
               <a:spcBef>
                 <a:spcPts val="2600"/>
               </a:spcBef>
-              <a:defRPr spc="-88" sz="2940"/>
+              <a:defRPr sz="2940" spc="-88"/>
             </a:lvl1pPr>
           </a:lstStyle>
           <a:p>
-            <a:pPr/>
             <a:r>
               <a:t>Fact information</a:t>
             </a:r>
@@ -845,7 +848,9 @@
       <p:sp>
         <p:nvSpPr>
           <p:cNvPr id="118" name="Body Level One…"/>
-          <p:cNvSpPr txBox="1"/>
+          <p:cNvSpPr txBox="1">
+            <a:spLocks noGrp="1"/>
+          </p:cNvSpPr>
           <p:nvPr>
             <p:ph type="body" sz="half" idx="1" hasCustomPrompt="1"/>
           </p:nvPr>
@@ -866,7 +871,7 @@
               <a:lnSpc>
                 <a:spcPct val="70000"/>
               </a:lnSpc>
-              <a:defRPr b="1" spc="-448" sz="22400">
+              <a:defRPr sz="22400" b="1" spc="-448">
                 <a:latin typeface="+mn-lt"/>
                 <a:ea typeface="+mn-ea"/>
                 <a:cs typeface="+mn-cs"/>
@@ -877,7 +882,7 @@
               <a:lnSpc>
                 <a:spcPct val="70000"/>
               </a:lnSpc>
-              <a:defRPr b="1" spc="-448" sz="22400">
+              <a:defRPr sz="22400" b="1" spc="-448">
                 <a:latin typeface="+mn-lt"/>
                 <a:ea typeface="+mn-ea"/>
                 <a:cs typeface="+mn-cs"/>
@@ -888,7 +893,7 @@
               <a:lnSpc>
                 <a:spcPct val="70000"/>
               </a:lnSpc>
-              <a:defRPr b="1" spc="-448" sz="22400">
+              <a:defRPr sz="22400" b="1" spc="-448">
                 <a:latin typeface="+mn-lt"/>
                 <a:ea typeface="+mn-ea"/>
                 <a:cs typeface="+mn-cs"/>
@@ -899,7 +904,7 @@
               <a:lnSpc>
                 <a:spcPct val="70000"/>
               </a:lnSpc>
-              <a:defRPr b="1" spc="-448" sz="22400">
+              <a:defRPr sz="22400" b="1" spc="-448">
                 <a:latin typeface="+mn-lt"/>
                 <a:ea typeface="+mn-ea"/>
                 <a:cs typeface="+mn-cs"/>
@@ -910,7 +915,7 @@
               <a:lnSpc>
                 <a:spcPct val="70000"/>
               </a:lnSpc>
-              <a:defRPr b="1" spc="-448" sz="22400">
+              <a:defRPr sz="22400" b="1" spc="-448">
                 <a:latin typeface="+mn-lt"/>
                 <a:ea typeface="+mn-ea"/>
                 <a:cs typeface="+mn-cs"/>
@@ -919,34 +924,25 @@
             </a:lvl5pPr>
           </a:lstStyle>
           <a:p>
-            <a:pPr/>
             <a:r>
               <a:t>100%</a:t>
             </a:r>
           </a:p>
           <a:p>
             <a:pPr lvl="1"/>
-            <a:r>
-              <a:t/>
-            </a:r>
+            <a:endParaRPr/>
           </a:p>
           <a:p>
             <a:pPr lvl="2"/>
-            <a:r>
-              <a:t/>
-            </a:r>
+            <a:endParaRPr/>
           </a:p>
           <a:p>
             <a:pPr lvl="3"/>
-            <a:r>
-              <a:t/>
-            </a:r>
+            <a:endParaRPr/>
           </a:p>
           <a:p>
             <a:pPr lvl="4"/>
-            <a:r>
-              <a:t/>
-            </a:r>
+            <a:endParaRPr/>
           </a:p>
         </p:txBody>
       </p:sp>
@@ -983,13 +979,14 @@
                 <a:spcPts val="3300"/>
               </a:spcBef>
               <a:tabLst/>
-              <a:defRPr spc="-44" sz="2200">
+              <a:defRPr sz="2200" spc="-44">
                 <a:latin typeface="Graphik Semibold"/>
                 <a:ea typeface="Graphik Semibold"/>
                 <a:cs typeface="Graphik Semibold"/>
                 <a:sym typeface="Graphik Semibold"/>
               </a:defRPr>
             </a:pPr>
+            <a:endParaRPr/>
           </a:p>
         </p:txBody>
       </p:sp>
@@ -1026,20 +1023,23 @@
                 <a:spcPts val="3300"/>
               </a:spcBef>
               <a:tabLst/>
-              <a:defRPr spc="-44" sz="2200">
+              <a:defRPr sz="2200" spc="-44">
                 <a:latin typeface="Graphik Semibold"/>
                 <a:ea typeface="Graphik Semibold"/>
                 <a:cs typeface="Graphik Semibold"/>
                 <a:sym typeface="Graphik Semibold"/>
               </a:defRPr>
             </a:pPr>
+            <a:endParaRPr/>
           </a:p>
         </p:txBody>
       </p:sp>
       <p:sp>
         <p:nvSpPr>
           <p:cNvPr id="121" name="Slide Number"/>
-          <p:cNvSpPr txBox="1"/>
+          <p:cNvSpPr txBox="1">
+            <a:spLocks noGrp="1"/>
+          </p:cNvSpPr>
           <p:nvPr>
             <p:ph type="sldNum" sz="quarter" idx="2"/>
           </p:nvPr>
@@ -1053,8 +1053,10 @@
           <a:bodyPr/>
           <a:lstStyle/>
           <a:p>
-            <a:pPr/>
-            <a:fld id="{86CB4B4D-7CA3-9044-876B-883B54F8677D}" type="slidenum"/>
+            <a:fld id="{86CB4B4D-7CA3-9044-876B-883B54F8677D}" type="slidenum">
+              <a:t>‹#›</a:t>
+            </a:fld>
+            <a:endParaRPr/>
           </a:p>
         </p:txBody>
       </p:sp>
@@ -1063,18 +1065,19 @@
   <p:clrMapOvr>
     <a:masterClrMapping/>
   </p:clrMapOvr>
-  <p:transition xmlns:p14="http://schemas.microsoft.com/office/powerpoint/2010/main" spd="med" advClick="1"/>
+  <p:transition spd="med"/>
 </p:sldLayout>
 </file>
 
 <file path=ppt/slideLayouts/slideLayout12.xml><?xml version="1.0" encoding="utf-8"?>
-<p:sldLayout xmlns:a="http://schemas.openxmlformats.org/drawingml/2006/main" xmlns:r="http://schemas.openxmlformats.org/officeDocument/2006/relationships" xmlns:p="http://schemas.openxmlformats.org/presentationml/2006/main" xmlns:m="http://schemas.openxmlformats.org/officeDocument/2006/math" xmlns:a14="http://schemas.microsoft.com/office/drawing/2010/main" type="tx" showMasterSp="1" showMasterPhAnim="1">
+<p:sldLayout xmlns:a="http://schemas.openxmlformats.org/drawingml/2006/main" xmlns:r="http://schemas.openxmlformats.org/officeDocument/2006/relationships" xmlns:p="http://schemas.openxmlformats.org/presentationml/2006/main" type="tx">
   <p:cSld name="Quote">
     <p:bg>
       <p:bgPr>
         <a:solidFill>
           <a:srgbClr val="FFFFFF"/>
         </a:solidFill>
+        <a:effectLst/>
       </p:bgPr>
     </p:bg>
     <p:spTree>
@@ -1094,7 +1097,9 @@
       <p:sp>
         <p:nvSpPr>
           <p:cNvPr id="128" name="Attribution"/>
-          <p:cNvSpPr txBox="1"/>
+          <p:cNvSpPr txBox="1">
+            <a:spLocks noGrp="1"/>
+          </p:cNvSpPr>
           <p:nvPr>
             <p:ph type="body" sz="quarter" idx="21" hasCustomPrompt="1"/>
           </p:nvPr>
@@ -1112,11 +1117,10 @@
           <a:bodyPr/>
           <a:lstStyle>
             <a:lvl1pPr defTabSz="584200">
-              <a:defRPr spc="-84" sz="2800"/>
+              <a:defRPr sz="2800" spc="-84"/>
             </a:lvl1pPr>
           </a:lstStyle>
           <a:p>
-            <a:pPr/>
             <a:r>
               <a:t>Attribution </a:t>
             </a:r>
@@ -1156,13 +1160,14 @@
                 <a:spcPts val="3300"/>
               </a:spcBef>
               <a:tabLst/>
-              <a:defRPr spc="-44" sz="2200">
+              <a:defRPr sz="2200" spc="-44">
                 <a:latin typeface="Graphik Semibold"/>
                 <a:ea typeface="Graphik Semibold"/>
                 <a:cs typeface="Graphik Semibold"/>
                 <a:sym typeface="Graphik Semibold"/>
               </a:defRPr>
             </a:pPr>
+            <a:endParaRPr/>
           </a:p>
         </p:txBody>
       </p:sp>
@@ -1199,20 +1204,23 @@
                 <a:spcPts val="3300"/>
               </a:spcBef>
               <a:tabLst/>
-              <a:defRPr spc="-44" sz="2200">
+              <a:defRPr sz="2200" spc="-44">
                 <a:latin typeface="Graphik Semibold"/>
                 <a:ea typeface="Graphik Semibold"/>
                 <a:cs typeface="Graphik Semibold"/>
                 <a:sym typeface="Graphik Semibold"/>
               </a:defRPr>
             </a:pPr>
+            <a:endParaRPr/>
           </a:p>
         </p:txBody>
       </p:sp>
       <p:sp>
         <p:nvSpPr>
           <p:cNvPr id="131" name="Body Level One…"/>
-          <p:cNvSpPr txBox="1"/>
+          <p:cNvSpPr txBox="1">
+            <a:spLocks noGrp="1"/>
+          </p:cNvSpPr>
           <p:nvPr>
             <p:ph type="body" sz="half" idx="1" hasCustomPrompt="1"/>
           </p:nvPr>
@@ -1233,7 +1241,7 @@
               <a:lnSpc>
                 <a:spcPct val="70000"/>
               </a:lnSpc>
-              <a:defRPr b="1" i="1" spc="-532" sz="13300">
+              <a:defRPr sz="13300" b="1" i="1" spc="-532">
                 <a:latin typeface="+mn-lt"/>
                 <a:ea typeface="+mn-ea"/>
                 <a:cs typeface="+mn-cs"/>
@@ -1244,7 +1252,7 @@
               <a:lnSpc>
                 <a:spcPct val="70000"/>
               </a:lnSpc>
-              <a:defRPr b="1" i="1" spc="-532" sz="13300">
+              <a:defRPr sz="13300" b="1" i="1" spc="-532">
                 <a:latin typeface="+mn-lt"/>
                 <a:ea typeface="+mn-ea"/>
                 <a:cs typeface="+mn-cs"/>
@@ -1255,7 +1263,7 @@
               <a:lnSpc>
                 <a:spcPct val="70000"/>
               </a:lnSpc>
-              <a:defRPr b="1" i="1" spc="-532" sz="13300">
+              <a:defRPr sz="13300" b="1" i="1" spc="-532">
                 <a:latin typeface="+mn-lt"/>
                 <a:ea typeface="+mn-ea"/>
                 <a:cs typeface="+mn-cs"/>
@@ -1266,7 +1274,7 @@
               <a:lnSpc>
                 <a:spcPct val="70000"/>
               </a:lnSpc>
-              <a:defRPr b="1" i="1" spc="-532" sz="13300">
+              <a:defRPr sz="13300" b="1" i="1" spc="-532">
                 <a:latin typeface="+mn-lt"/>
                 <a:ea typeface="+mn-ea"/>
                 <a:cs typeface="+mn-cs"/>
@@ -1277,7 +1285,7 @@
               <a:lnSpc>
                 <a:spcPct val="70000"/>
               </a:lnSpc>
-              <a:defRPr b="1" i="1" spc="-532" sz="13300">
+              <a:defRPr sz="13300" b="1" i="1" spc="-532">
                 <a:latin typeface="+mn-lt"/>
                 <a:ea typeface="+mn-ea"/>
                 <a:cs typeface="+mn-cs"/>
@@ -1286,41 +1294,34 @@
             </a:lvl5pPr>
           </a:lstStyle>
           <a:p>
-            <a:pPr/>
             <a:r>
               <a:t>“Notable Quote”</a:t>
             </a:r>
           </a:p>
           <a:p>
             <a:pPr lvl="1"/>
-            <a:r>
-              <a:t/>
-            </a:r>
+            <a:endParaRPr/>
           </a:p>
           <a:p>
             <a:pPr lvl="2"/>
-            <a:r>
-              <a:t/>
-            </a:r>
+            <a:endParaRPr/>
           </a:p>
           <a:p>
             <a:pPr lvl="3"/>
-            <a:r>
-              <a:t/>
-            </a:r>
+            <a:endParaRPr/>
           </a:p>
           <a:p>
             <a:pPr lvl="4"/>
-            <a:r>
-              <a:t/>
-            </a:r>
+            <a:endParaRPr/>
           </a:p>
         </p:txBody>
       </p:sp>
       <p:sp>
         <p:nvSpPr>
           <p:cNvPr id="132" name="Slide Number"/>
-          <p:cNvSpPr txBox="1"/>
+          <p:cNvSpPr txBox="1">
+            <a:spLocks noGrp="1"/>
+          </p:cNvSpPr>
           <p:nvPr>
             <p:ph type="sldNum" sz="quarter" idx="2"/>
           </p:nvPr>
@@ -1334,8 +1335,10 @@
           <a:bodyPr/>
           <a:lstStyle/>
           <a:p>
-            <a:pPr/>
-            <a:fld id="{86CB4B4D-7CA3-9044-876B-883B54F8677D}" type="slidenum"/>
+            <a:fld id="{86CB4B4D-7CA3-9044-876B-883B54F8677D}" type="slidenum">
+              <a:t>‹#›</a:t>
+            </a:fld>
+            <a:endParaRPr/>
           </a:p>
         </p:txBody>
       </p:sp>
@@ -1344,18 +1347,19 @@
   <p:clrMapOvr>
     <a:masterClrMapping/>
   </p:clrMapOvr>
-  <p:transition xmlns:p14="http://schemas.microsoft.com/office/powerpoint/2010/main" spd="med" advClick="1"/>
+  <p:transition spd="med"/>
 </p:sldLayout>
 </file>
 
 <file path=ppt/slideLayouts/slideLayout13.xml><?xml version="1.0" encoding="utf-8"?>
-<p:sldLayout xmlns:a="http://schemas.openxmlformats.org/drawingml/2006/main" xmlns:r="http://schemas.openxmlformats.org/officeDocument/2006/relationships" xmlns:p="http://schemas.openxmlformats.org/presentationml/2006/main" xmlns:m="http://schemas.openxmlformats.org/officeDocument/2006/math" xmlns:a14="http://schemas.microsoft.com/office/drawing/2010/main" type="tx" showMasterSp="1" showMasterPhAnim="1">
+<p:sldLayout xmlns:a="http://schemas.openxmlformats.org/drawingml/2006/main" xmlns:r="http://schemas.openxmlformats.org/officeDocument/2006/relationships" xmlns:p="http://schemas.openxmlformats.org/presentationml/2006/main" type="tx">
   <p:cSld name="Photo - 3 Up">
     <p:bg>
       <p:bgPr>
         <a:solidFill>
           <a:srgbClr val="FFFFFF"/>
         </a:solidFill>
+        <a:effectLst/>
       </p:bgPr>
     </p:bg>
     <p:spTree>
@@ -1375,7 +1379,9 @@
       <p:sp>
         <p:nvSpPr>
           <p:cNvPr id="139" name="518839134_3132x2088.jpg"/>
-          <p:cNvSpPr/>
+          <p:cNvSpPr>
+            <a:spLocks noGrp="1"/>
+          </p:cNvSpPr>
           <p:nvPr>
             <p:ph type="pic" idx="21"/>
           </p:nvPr>
@@ -1395,14 +1401,16 @@
           </a:bodyPr>
           <a:lstStyle/>
           <a:p>
-            <a:pPr/>
+            <a:endParaRPr/>
           </a:p>
         </p:txBody>
       </p:sp>
       <p:sp>
         <p:nvSpPr>
           <p:cNvPr id="140" name="766363123_1851x1194.jpg"/>
-          <p:cNvSpPr/>
+          <p:cNvSpPr>
+            <a:spLocks noGrp="1"/>
+          </p:cNvSpPr>
           <p:nvPr>
             <p:ph type="pic" sz="half" idx="22"/>
           </p:nvPr>
@@ -1422,14 +1430,16 @@
           </a:bodyPr>
           <a:lstStyle/>
           <a:p>
-            <a:pPr/>
+            <a:endParaRPr/>
           </a:p>
         </p:txBody>
       </p:sp>
       <p:sp>
         <p:nvSpPr>
           <p:cNvPr id="141" name="981594838_2460x1641.jpg"/>
-          <p:cNvSpPr/>
+          <p:cNvSpPr>
+            <a:spLocks noGrp="1"/>
+          </p:cNvSpPr>
           <p:nvPr>
             <p:ph type="pic" sz="half" idx="23"/>
           </p:nvPr>
@@ -1449,14 +1459,16 @@
           </a:bodyPr>
           <a:lstStyle/>
           <a:p>
-            <a:pPr/>
+            <a:endParaRPr/>
           </a:p>
         </p:txBody>
       </p:sp>
       <p:sp>
         <p:nvSpPr>
           <p:cNvPr id="142" name="Slide Number"/>
-          <p:cNvSpPr txBox="1"/>
+          <p:cNvSpPr txBox="1">
+            <a:spLocks noGrp="1"/>
+          </p:cNvSpPr>
           <p:nvPr>
             <p:ph type="sldNum" sz="quarter" idx="2"/>
           </p:nvPr>
@@ -1470,8 +1482,10 @@
           <a:bodyPr/>
           <a:lstStyle/>
           <a:p>
-            <a:pPr/>
-            <a:fld id="{86CB4B4D-7CA3-9044-876B-883B54F8677D}" type="slidenum"/>
+            <a:fld id="{86CB4B4D-7CA3-9044-876B-883B54F8677D}" type="slidenum">
+              <a:t>‹#›</a:t>
+            </a:fld>
+            <a:endParaRPr/>
           </a:p>
         </p:txBody>
       </p:sp>
@@ -1480,18 +1494,19 @@
   <p:clrMapOvr>
     <a:masterClrMapping/>
   </p:clrMapOvr>
-  <p:transition xmlns:p14="http://schemas.microsoft.com/office/powerpoint/2010/main" spd="med" advClick="1"/>
+  <p:transition spd="med"/>
 </p:sldLayout>
 </file>
 
 <file path=ppt/slideLayouts/slideLayout14.xml><?xml version="1.0" encoding="utf-8"?>
-<p:sldLayout xmlns:a="http://schemas.openxmlformats.org/drawingml/2006/main" xmlns:r="http://schemas.openxmlformats.org/officeDocument/2006/relationships" xmlns:p="http://schemas.openxmlformats.org/presentationml/2006/main" xmlns:m="http://schemas.openxmlformats.org/officeDocument/2006/math" xmlns:a14="http://schemas.microsoft.com/office/drawing/2010/main" type="tx" showMasterSp="1" showMasterPhAnim="1">
+<p:sldLayout xmlns:a="http://schemas.openxmlformats.org/drawingml/2006/main" xmlns:r="http://schemas.openxmlformats.org/officeDocument/2006/relationships" xmlns:p="http://schemas.openxmlformats.org/presentationml/2006/main" type="tx">
   <p:cSld name="Photo">
     <p:bg>
       <p:bgPr>
         <a:solidFill>
           <a:srgbClr val="FFFFFF"/>
         </a:solidFill>
+        <a:effectLst/>
       </p:bgPr>
     </p:bg>
     <p:spTree>
@@ -1511,7 +1526,9 @@
       <p:sp>
         <p:nvSpPr>
           <p:cNvPr id="149" name="463013163_3048x2031.jpg"/>
-          <p:cNvSpPr/>
+          <p:cNvSpPr>
+            <a:spLocks noGrp="1"/>
+          </p:cNvSpPr>
           <p:nvPr>
             <p:ph type="pic" idx="21"/>
           </p:nvPr>
@@ -1531,14 +1548,16 @@
           </a:bodyPr>
           <a:lstStyle/>
           <a:p>
-            <a:pPr/>
+            <a:endParaRPr/>
           </a:p>
         </p:txBody>
       </p:sp>
       <p:sp>
         <p:nvSpPr>
           <p:cNvPr id="150" name="Slide Number"/>
-          <p:cNvSpPr txBox="1"/>
+          <p:cNvSpPr txBox="1">
+            <a:spLocks noGrp="1"/>
+          </p:cNvSpPr>
           <p:nvPr>
             <p:ph type="sldNum" sz="quarter" idx="2"/>
           </p:nvPr>
@@ -1552,8 +1571,10 @@
           <a:bodyPr/>
           <a:lstStyle/>
           <a:p>
-            <a:pPr/>
-            <a:fld id="{86CB4B4D-7CA3-9044-876B-883B54F8677D}" type="slidenum"/>
+            <a:fld id="{86CB4B4D-7CA3-9044-876B-883B54F8677D}" type="slidenum">
+              <a:t>‹#›</a:t>
+            </a:fld>
+            <a:endParaRPr/>
           </a:p>
         </p:txBody>
       </p:sp>
@@ -1562,18 +1583,19 @@
   <p:clrMapOvr>
     <a:masterClrMapping/>
   </p:clrMapOvr>
-  <p:transition xmlns:p14="http://schemas.microsoft.com/office/powerpoint/2010/main" spd="med" advClick="1"/>
+  <p:transition spd="med"/>
 </p:sldLayout>
 </file>
 
 <file path=ppt/slideLayouts/slideLayout15.xml><?xml version="1.0" encoding="utf-8"?>
-<p:sldLayout xmlns:a="http://schemas.openxmlformats.org/drawingml/2006/main" xmlns:r="http://schemas.openxmlformats.org/officeDocument/2006/relationships" xmlns:p="http://schemas.openxmlformats.org/presentationml/2006/main" xmlns:m="http://schemas.openxmlformats.org/officeDocument/2006/math" xmlns:a14="http://schemas.microsoft.com/office/drawing/2010/main" type="tx" showMasterSp="1" showMasterPhAnim="1">
+<p:sldLayout xmlns:a="http://schemas.openxmlformats.org/drawingml/2006/main" xmlns:r="http://schemas.openxmlformats.org/officeDocument/2006/relationships" xmlns:p="http://schemas.openxmlformats.org/presentationml/2006/main" type="tx">
   <p:cSld name="Blank">
     <p:bg>
       <p:bgPr>
         <a:solidFill>
           <a:srgbClr val="FFFFFF"/>
         </a:solidFill>
+        <a:effectLst/>
       </p:bgPr>
     </p:bg>
     <p:spTree>
@@ -1593,7 +1615,9 @@
       <p:sp>
         <p:nvSpPr>
           <p:cNvPr id="157" name="Slide Number"/>
-          <p:cNvSpPr txBox="1"/>
+          <p:cNvSpPr txBox="1">
+            <a:spLocks noGrp="1"/>
+          </p:cNvSpPr>
           <p:nvPr>
             <p:ph type="sldNum" sz="quarter" idx="2"/>
           </p:nvPr>
@@ -1607,8 +1631,10 @@
           <a:bodyPr/>
           <a:lstStyle/>
           <a:p>
-            <a:pPr/>
-            <a:fld id="{86CB4B4D-7CA3-9044-876B-883B54F8677D}" type="slidenum"/>
+            <a:fld id="{86CB4B4D-7CA3-9044-876B-883B54F8677D}" type="slidenum">
+              <a:t>‹#›</a:t>
+            </a:fld>
+            <a:endParaRPr/>
           </a:p>
         </p:txBody>
       </p:sp>
@@ -1617,18 +1643,19 @@
   <p:clrMapOvr>
     <a:masterClrMapping/>
   </p:clrMapOvr>
-  <p:transition xmlns:p14="http://schemas.microsoft.com/office/powerpoint/2010/main" spd="med" advClick="1"/>
+  <p:transition spd="med"/>
 </p:sldLayout>
 </file>
 
 <file path=ppt/slideLayouts/slideLayout2.xml><?xml version="1.0" encoding="utf-8"?>
-<p:sldLayout xmlns:a="http://schemas.openxmlformats.org/drawingml/2006/main" xmlns:r="http://schemas.openxmlformats.org/officeDocument/2006/relationships" xmlns:p="http://schemas.openxmlformats.org/presentationml/2006/main" xmlns:m="http://schemas.openxmlformats.org/officeDocument/2006/math" xmlns:a14="http://schemas.microsoft.com/office/drawing/2010/main" type="tx" showMasterSp="1" showMasterPhAnim="1">
+<p:sldLayout xmlns:a="http://schemas.openxmlformats.org/drawingml/2006/main" xmlns:r="http://schemas.openxmlformats.org/officeDocument/2006/relationships" xmlns:p="http://schemas.openxmlformats.org/presentationml/2006/main" type="tx">
   <p:cSld name="Title &amp; Photo">
     <p:bg>
       <p:bgPr>
         <a:solidFill>
           <a:srgbClr val="FFFFFF"/>
         </a:solidFill>
+        <a:effectLst/>
       </p:bgPr>
     </p:bg>
     <p:spTree>
@@ -1648,7 +1675,9 @@
       <p:sp>
         <p:nvSpPr>
           <p:cNvPr id="20" name="1014407370_Retouch_4050x2379.jpg"/>
-          <p:cNvSpPr/>
+          <p:cNvSpPr>
+            <a:spLocks noGrp="1"/>
+          </p:cNvSpPr>
           <p:nvPr>
             <p:ph type="pic" idx="21"/>
           </p:nvPr>
@@ -1668,14 +1697,16 @@
           </a:bodyPr>
           <a:lstStyle/>
           <a:p>
-            <a:pPr/>
+            <a:endParaRPr/>
           </a:p>
         </p:txBody>
       </p:sp>
       <p:sp>
         <p:nvSpPr>
           <p:cNvPr id="21" name="Presentation Title"/>
-          <p:cNvSpPr txBox="1"/>
+          <p:cNvSpPr txBox="1">
+            <a:spLocks noGrp="1"/>
+          </p:cNvSpPr>
           <p:nvPr>
             <p:ph type="title" hasCustomPrompt="1"/>
           </p:nvPr>
@@ -1693,7 +1724,6 @@
           <a:bodyPr/>
           <a:lstStyle/>
           <a:p>
-            <a:pPr/>
             <a:r>
               <a:t>Presentation Title</a:t>
             </a:r>
@@ -1703,7 +1733,9 @@
       <p:sp>
         <p:nvSpPr>
           <p:cNvPr id="22" name="Body Level One…"/>
-          <p:cNvSpPr txBox="1"/>
+          <p:cNvSpPr txBox="1">
+            <a:spLocks noGrp="1"/>
+          </p:cNvSpPr>
           <p:nvPr>
             <p:ph type="body" sz="quarter" idx="1" hasCustomPrompt="1"/>
           </p:nvPr>
@@ -1721,41 +1753,34 @@
           <a:bodyPr/>
           <a:lstStyle/>
           <a:p>
-            <a:pPr/>
             <a:r>
               <a:t>Presentation Subtitle</a:t>
             </a:r>
           </a:p>
           <a:p>
             <a:pPr lvl="1"/>
-            <a:r>
-              <a:t/>
-            </a:r>
+            <a:endParaRPr/>
           </a:p>
           <a:p>
             <a:pPr lvl="2"/>
-            <a:r>
-              <a:t/>
-            </a:r>
+            <a:endParaRPr/>
           </a:p>
           <a:p>
             <a:pPr lvl="3"/>
-            <a:r>
-              <a:t/>
-            </a:r>
+            <a:endParaRPr/>
           </a:p>
           <a:p>
             <a:pPr lvl="4"/>
-            <a:r>
-              <a:t/>
-            </a:r>
+            <a:endParaRPr/>
           </a:p>
         </p:txBody>
       </p:sp>
       <p:sp>
         <p:nvSpPr>
           <p:cNvPr id="23" name="Slide Number"/>
-          <p:cNvSpPr txBox="1"/>
+          <p:cNvSpPr txBox="1">
+            <a:spLocks noGrp="1"/>
+          </p:cNvSpPr>
           <p:nvPr>
             <p:ph type="sldNum" sz="quarter" idx="2"/>
           </p:nvPr>
@@ -1769,8 +1794,10 @@
           <a:bodyPr/>
           <a:lstStyle/>
           <a:p>
-            <a:pPr/>
-            <a:fld id="{86CB4B4D-7CA3-9044-876B-883B54F8677D}" type="slidenum"/>
+            <a:fld id="{86CB4B4D-7CA3-9044-876B-883B54F8677D}" type="slidenum">
+              <a:t>‹#›</a:t>
+            </a:fld>
+            <a:endParaRPr/>
           </a:p>
         </p:txBody>
       </p:sp>
@@ -1779,18 +1806,19 @@
   <p:clrMapOvr>
     <a:masterClrMapping/>
   </p:clrMapOvr>
-  <p:transition xmlns:p14="http://schemas.microsoft.com/office/powerpoint/2010/main" spd="med" advClick="1"/>
+  <p:transition spd="med"/>
 </p:sldLayout>
 </file>
 
 <file path=ppt/slideLayouts/slideLayout3.xml><?xml version="1.0" encoding="utf-8"?>
-<p:sldLayout xmlns:a="http://schemas.openxmlformats.org/drawingml/2006/main" xmlns:r="http://schemas.openxmlformats.org/officeDocument/2006/relationships" xmlns:p="http://schemas.openxmlformats.org/presentationml/2006/main" xmlns:m="http://schemas.openxmlformats.org/officeDocument/2006/math" xmlns:a14="http://schemas.microsoft.com/office/drawing/2010/main" type="tx" showMasterSp="1" showMasterPhAnim="1">
+<p:sldLayout xmlns:a="http://schemas.openxmlformats.org/drawingml/2006/main" xmlns:r="http://schemas.openxmlformats.org/officeDocument/2006/relationships" xmlns:p="http://schemas.openxmlformats.org/presentationml/2006/main" type="tx">
   <p:cSld name="Title &amp; Photo Alt">
     <p:bg>
       <p:bgPr>
         <a:solidFill>
           <a:srgbClr val="FFFFFF"/>
         </a:solidFill>
+        <a:effectLst/>
       </p:bgPr>
     </p:bg>
     <p:spTree>
@@ -1810,7 +1838,9 @@
       <p:sp>
         <p:nvSpPr>
           <p:cNvPr id="30" name="518839134_3132x2088.jpg"/>
-          <p:cNvSpPr/>
+          <p:cNvSpPr>
+            <a:spLocks noGrp="1"/>
+          </p:cNvSpPr>
           <p:nvPr>
             <p:ph type="pic" idx="21"/>
           </p:nvPr>
@@ -1830,14 +1860,16 @@
           </a:bodyPr>
           <a:lstStyle/>
           <a:p>
-            <a:pPr/>
+            <a:endParaRPr/>
           </a:p>
         </p:txBody>
       </p:sp>
       <p:sp>
         <p:nvSpPr>
           <p:cNvPr id="31" name="Slide Title"/>
-          <p:cNvSpPr txBox="1"/>
+          <p:cNvSpPr txBox="1">
+            <a:spLocks noGrp="1"/>
+          </p:cNvSpPr>
           <p:nvPr>
             <p:ph type="title" hasCustomPrompt="1"/>
           </p:nvPr>
@@ -1855,7 +1887,6 @@
           <a:bodyPr/>
           <a:lstStyle/>
           <a:p>
-            <a:pPr/>
             <a:r>
               <a:t>Slide Title</a:t>
             </a:r>
@@ -1865,7 +1896,9 @@
       <p:sp>
         <p:nvSpPr>
           <p:cNvPr id="32" name="Body Level One…"/>
-          <p:cNvSpPr txBox="1"/>
+          <p:cNvSpPr txBox="1">
+            <a:spLocks noGrp="1"/>
+          </p:cNvSpPr>
           <p:nvPr>
             <p:ph type="body" sz="quarter" idx="1" hasCustomPrompt="1"/>
           </p:nvPr>
@@ -1883,41 +1916,34 @@
           <a:bodyPr/>
           <a:lstStyle/>
           <a:p>
-            <a:pPr/>
             <a:r>
               <a:t>Slide Subtitle</a:t>
             </a:r>
           </a:p>
           <a:p>
             <a:pPr lvl="1"/>
-            <a:r>
-              <a:t/>
-            </a:r>
+            <a:endParaRPr/>
           </a:p>
           <a:p>
             <a:pPr lvl="2"/>
-            <a:r>
-              <a:t/>
-            </a:r>
+            <a:endParaRPr/>
           </a:p>
           <a:p>
             <a:pPr lvl="3"/>
-            <a:r>
-              <a:t/>
-            </a:r>
+            <a:endParaRPr/>
           </a:p>
           <a:p>
             <a:pPr lvl="4"/>
-            <a:r>
-              <a:t/>
-            </a:r>
+            <a:endParaRPr/>
           </a:p>
         </p:txBody>
       </p:sp>
       <p:sp>
         <p:nvSpPr>
           <p:cNvPr id="33" name="Slide Number"/>
-          <p:cNvSpPr txBox="1"/>
+          <p:cNvSpPr txBox="1">
+            <a:spLocks noGrp="1"/>
+          </p:cNvSpPr>
           <p:nvPr>
             <p:ph type="sldNum" sz="quarter" idx="2"/>
           </p:nvPr>
@@ -1931,8 +1957,10 @@
           <a:bodyPr/>
           <a:lstStyle/>
           <a:p>
-            <a:pPr/>
-            <a:fld id="{86CB4B4D-7CA3-9044-876B-883B54F8677D}" type="slidenum"/>
+            <a:fld id="{86CB4B4D-7CA3-9044-876B-883B54F8677D}" type="slidenum">
+              <a:t>‹#›</a:t>
+            </a:fld>
+            <a:endParaRPr/>
           </a:p>
         </p:txBody>
       </p:sp>
@@ -1941,18 +1969,19 @@
   <p:clrMapOvr>
     <a:masterClrMapping/>
   </p:clrMapOvr>
-  <p:transition xmlns:p14="http://schemas.microsoft.com/office/powerpoint/2010/main" spd="med" advClick="1"/>
+  <p:transition spd="med"/>
 </p:sldLayout>
 </file>
 
 <file path=ppt/slideLayouts/slideLayout4.xml><?xml version="1.0" encoding="utf-8"?>
-<p:sldLayout xmlns:a="http://schemas.openxmlformats.org/drawingml/2006/main" xmlns:r="http://schemas.openxmlformats.org/officeDocument/2006/relationships" xmlns:p="http://schemas.openxmlformats.org/presentationml/2006/main" xmlns:m="http://schemas.openxmlformats.org/officeDocument/2006/math" xmlns:a14="http://schemas.microsoft.com/office/drawing/2010/main" type="tx" showMasterSp="1" showMasterPhAnim="1">
+<p:sldLayout xmlns:a="http://schemas.openxmlformats.org/drawingml/2006/main" xmlns:r="http://schemas.openxmlformats.org/officeDocument/2006/relationships" xmlns:p="http://schemas.openxmlformats.org/presentationml/2006/main" type="tx">
   <p:cSld name="Title &amp; Bullets">
     <p:bg>
       <p:bgPr>
         <a:solidFill>
           <a:srgbClr val="FFFFFF"/>
         </a:solidFill>
+        <a:effectLst/>
       </p:bgPr>
     </p:bg>
     <p:spTree>
@@ -1972,7 +2001,9 @@
       <p:sp>
         <p:nvSpPr>
           <p:cNvPr id="40" name="Author and Date"/>
-          <p:cNvSpPr txBox="1"/>
+          <p:cNvSpPr txBox="1">
+            <a:spLocks noGrp="1"/>
+          </p:cNvSpPr>
           <p:nvPr>
             <p:ph type="body" sz="quarter" idx="21" hasCustomPrompt="1"/>
           </p:nvPr>
@@ -1993,7 +2024,7 @@
               <a:spcBef>
                 <a:spcPts val="3200"/>
               </a:spcBef>
-              <a:defRPr spc="-59" sz="2000">
+              <a:defRPr sz="2000" spc="-59">
                 <a:latin typeface="Graphik Medium"/>
                 <a:ea typeface="Graphik Medium"/>
                 <a:cs typeface="Graphik Medium"/>
@@ -2002,7 +2033,6 @@
             </a:lvl1pPr>
           </a:lstStyle>
           <a:p>
-            <a:pPr/>
             <a:r>
               <a:t>Author and Date</a:t>
             </a:r>
@@ -2012,7 +2042,9 @@
       <p:sp>
         <p:nvSpPr>
           <p:cNvPr id="41" name="Slide Subtitle"/>
-          <p:cNvSpPr txBox="1"/>
+          <p:cNvSpPr txBox="1">
+            <a:spLocks noGrp="1"/>
+          </p:cNvSpPr>
           <p:nvPr>
             <p:ph type="body" sz="quarter" idx="22" hasCustomPrompt="1"/>
           </p:nvPr>
@@ -2030,7 +2062,6 @@
           <a:bodyPr/>
           <a:lstStyle/>
           <a:p>
-            <a:pPr/>
             <a:r>
               <a:t>Slide Subtitle</a:t>
             </a:r>
@@ -2070,13 +2101,14 @@
                 <a:spcPts val="3300"/>
               </a:spcBef>
               <a:tabLst/>
-              <a:defRPr spc="-44" sz="2200">
+              <a:defRPr sz="2200" spc="-44">
                 <a:latin typeface="Graphik Semibold"/>
                 <a:ea typeface="Graphik Semibold"/>
                 <a:cs typeface="Graphik Semibold"/>
                 <a:sym typeface="Graphik Semibold"/>
               </a:defRPr>
             </a:pPr>
+            <a:endParaRPr/>
           </a:p>
         </p:txBody>
       </p:sp>
@@ -2113,20 +2145,23 @@
                 <a:spcPts val="3300"/>
               </a:spcBef>
               <a:tabLst/>
-              <a:defRPr spc="-44" sz="2200">
+              <a:defRPr sz="2200" spc="-44">
                 <a:latin typeface="Graphik Semibold"/>
                 <a:ea typeface="Graphik Semibold"/>
                 <a:cs typeface="Graphik Semibold"/>
                 <a:sym typeface="Graphik Semibold"/>
               </a:defRPr>
             </a:pPr>
+            <a:endParaRPr/>
           </a:p>
         </p:txBody>
       </p:sp>
       <p:sp>
         <p:nvSpPr>
           <p:cNvPr id="44" name="Slide Title"/>
-          <p:cNvSpPr txBox="1"/>
+          <p:cNvSpPr txBox="1">
+            <a:spLocks noGrp="1"/>
+          </p:cNvSpPr>
           <p:nvPr>
             <p:ph type="title" hasCustomPrompt="1"/>
           </p:nvPr>
@@ -2144,11 +2179,10 @@
           <a:bodyPr anchor="t"/>
           <a:lstStyle>
             <a:lvl1pPr defTabSz="584200">
-              <a:defRPr spc="-400" sz="10000"/>
+              <a:defRPr sz="10000" spc="-400"/>
             </a:lvl1pPr>
           </a:lstStyle>
           <a:p>
-            <a:pPr/>
             <a:r>
               <a:t>Slide Title</a:t>
             </a:r>
@@ -2158,7 +2192,9 @@
       <p:sp>
         <p:nvSpPr>
           <p:cNvPr id="45" name="Body Level One…"/>
-          <p:cNvSpPr txBox="1"/>
+          <p:cNvSpPr txBox="1">
+            <a:spLocks noGrp="1"/>
+          </p:cNvSpPr>
           <p:nvPr>
             <p:ph type="body" idx="1" hasCustomPrompt="1"/>
           </p:nvPr>
@@ -2179,69 +2215,62 @@
               <a:spcBef>
                 <a:spcPts val="3300"/>
               </a:spcBef>
-              <a:defRPr cap="none" spc="0" sz="4000"/>
+              <a:defRPr sz="4000" cap="none" spc="0"/>
             </a:lvl1pPr>
             <a:lvl2pPr defTabSz="584200">
               <a:spcBef>
                 <a:spcPts val="3300"/>
               </a:spcBef>
-              <a:defRPr cap="none" spc="0" sz="4000"/>
+              <a:defRPr sz="4000" cap="none" spc="0"/>
             </a:lvl2pPr>
             <a:lvl3pPr defTabSz="584200">
               <a:spcBef>
                 <a:spcPts val="3300"/>
               </a:spcBef>
-              <a:defRPr cap="none" spc="0" sz="4000"/>
+              <a:defRPr sz="4000" cap="none" spc="0"/>
             </a:lvl3pPr>
             <a:lvl4pPr defTabSz="584200">
               <a:spcBef>
                 <a:spcPts val="3300"/>
               </a:spcBef>
-              <a:defRPr cap="none" spc="0" sz="4000"/>
+              <a:defRPr sz="4000" cap="none" spc="0"/>
             </a:lvl4pPr>
             <a:lvl5pPr defTabSz="584200">
               <a:spcBef>
                 <a:spcPts val="3300"/>
               </a:spcBef>
-              <a:defRPr cap="none" spc="0" sz="4000"/>
+              <a:defRPr sz="4000" cap="none" spc="0"/>
             </a:lvl5pPr>
           </a:lstStyle>
           <a:p>
-            <a:pPr/>
             <a:r>
               <a:t>Slide bullet text</a:t>
             </a:r>
           </a:p>
           <a:p>
             <a:pPr lvl="1"/>
-            <a:r>
-              <a:t/>
-            </a:r>
+            <a:endParaRPr/>
           </a:p>
           <a:p>
             <a:pPr lvl="2"/>
-            <a:r>
-              <a:t/>
-            </a:r>
+            <a:endParaRPr/>
           </a:p>
           <a:p>
             <a:pPr lvl="3"/>
-            <a:r>
-              <a:t/>
-            </a:r>
+            <a:endParaRPr/>
           </a:p>
           <a:p>
             <a:pPr lvl="4"/>
-            <a:r>
-              <a:t/>
-            </a:r>
+            <a:endParaRPr/>
           </a:p>
         </p:txBody>
       </p:sp>
       <p:sp>
         <p:nvSpPr>
           <p:cNvPr id="46" name="Slide Number"/>
-          <p:cNvSpPr txBox="1"/>
+          <p:cNvSpPr txBox="1">
+            <a:spLocks noGrp="1"/>
+          </p:cNvSpPr>
           <p:nvPr>
             <p:ph type="sldNum" sz="quarter" idx="2"/>
           </p:nvPr>
@@ -2259,8 +2288,10 @@
           <a:bodyPr/>
           <a:lstStyle/>
           <a:p>
-            <a:pPr/>
-            <a:fld id="{86CB4B4D-7CA3-9044-876B-883B54F8677D}" type="slidenum"/>
+            <a:fld id="{86CB4B4D-7CA3-9044-876B-883B54F8677D}" type="slidenum">
+              <a:t>‹#›</a:t>
+            </a:fld>
+            <a:endParaRPr/>
           </a:p>
         </p:txBody>
       </p:sp>
@@ -2269,18 +2300,19 @@
   <p:clrMapOvr>
     <a:masterClrMapping/>
   </p:clrMapOvr>
-  <p:transition xmlns:p14="http://schemas.microsoft.com/office/powerpoint/2010/main" spd="med" advClick="1"/>
+  <p:transition spd="med"/>
 </p:sldLayout>
 </file>
 
 <file path=ppt/slideLayouts/slideLayout5.xml><?xml version="1.0" encoding="utf-8"?>
-<p:sldLayout xmlns:a="http://schemas.openxmlformats.org/drawingml/2006/main" xmlns:r="http://schemas.openxmlformats.org/officeDocument/2006/relationships" xmlns:p="http://schemas.openxmlformats.org/presentationml/2006/main" xmlns:m="http://schemas.openxmlformats.org/officeDocument/2006/math" xmlns:a14="http://schemas.microsoft.com/office/drawing/2010/main" type="tx" showMasterSp="1" showMasterPhAnim="1">
+<p:sldLayout xmlns:a="http://schemas.openxmlformats.org/drawingml/2006/main" xmlns:r="http://schemas.openxmlformats.org/officeDocument/2006/relationships" xmlns:p="http://schemas.openxmlformats.org/presentationml/2006/main" type="tx">
   <p:cSld name="Bullets">
     <p:bg>
       <p:bgPr>
         <a:solidFill>
           <a:srgbClr val="FFFFFF"/>
         </a:solidFill>
+        <a:effectLst/>
       </p:bgPr>
     </p:bg>
     <p:spTree>
@@ -2300,7 +2332,9 @@
       <p:sp>
         <p:nvSpPr>
           <p:cNvPr id="53" name="Author and Date"/>
-          <p:cNvSpPr txBox="1"/>
+          <p:cNvSpPr txBox="1">
+            <a:spLocks noGrp="1"/>
+          </p:cNvSpPr>
           <p:nvPr>
             <p:ph type="body" sz="quarter" idx="21" hasCustomPrompt="1"/>
           </p:nvPr>
@@ -2321,7 +2355,7 @@
               <a:spcBef>
                 <a:spcPts val="3200"/>
               </a:spcBef>
-              <a:defRPr spc="-59" sz="2000">
+              <a:defRPr sz="2000" spc="-59">
                 <a:latin typeface="Graphik Medium"/>
                 <a:ea typeface="Graphik Medium"/>
                 <a:cs typeface="Graphik Medium"/>
@@ -2330,7 +2364,6 @@
             </a:lvl1pPr>
           </a:lstStyle>
           <a:p>
-            <a:pPr/>
             <a:r>
               <a:t>Author and Date</a:t>
             </a:r>
@@ -2340,7 +2373,9 @@
       <p:sp>
         <p:nvSpPr>
           <p:cNvPr id="54" name="Body Level One…"/>
-          <p:cNvSpPr txBox="1"/>
+          <p:cNvSpPr txBox="1">
+            <a:spLocks noGrp="1"/>
+          </p:cNvSpPr>
           <p:nvPr>
             <p:ph type="body" idx="1" hasCustomPrompt="1"/>
           </p:nvPr>
@@ -2361,62 +2396,53 @@
               <a:spcBef>
                 <a:spcPts val="3300"/>
               </a:spcBef>
-              <a:defRPr cap="none" spc="0" sz="4000"/>
+              <a:defRPr sz="4000" cap="none" spc="0"/>
             </a:lvl1pPr>
             <a:lvl2pPr defTabSz="584200">
               <a:spcBef>
                 <a:spcPts val="3300"/>
               </a:spcBef>
-              <a:defRPr cap="none" spc="0" sz="4000"/>
+              <a:defRPr sz="4000" cap="none" spc="0"/>
             </a:lvl2pPr>
             <a:lvl3pPr defTabSz="584200">
               <a:spcBef>
                 <a:spcPts val="3300"/>
               </a:spcBef>
-              <a:defRPr cap="none" spc="0" sz="4000"/>
+              <a:defRPr sz="4000" cap="none" spc="0"/>
             </a:lvl3pPr>
             <a:lvl4pPr defTabSz="584200">
               <a:spcBef>
                 <a:spcPts val="3300"/>
               </a:spcBef>
-              <a:defRPr cap="none" spc="0" sz="4000"/>
+              <a:defRPr sz="4000" cap="none" spc="0"/>
             </a:lvl4pPr>
             <a:lvl5pPr defTabSz="584200">
               <a:spcBef>
                 <a:spcPts val="3300"/>
               </a:spcBef>
-              <a:defRPr cap="none" spc="0" sz="4000"/>
+              <a:defRPr sz="4000" cap="none" spc="0"/>
             </a:lvl5pPr>
           </a:lstStyle>
           <a:p>
-            <a:pPr/>
             <a:r>
               <a:t>Slide bullet text</a:t>
             </a:r>
           </a:p>
           <a:p>
             <a:pPr lvl="1"/>
-            <a:r>
-              <a:t/>
-            </a:r>
+            <a:endParaRPr/>
           </a:p>
           <a:p>
             <a:pPr lvl="2"/>
-            <a:r>
-              <a:t/>
-            </a:r>
+            <a:endParaRPr/>
           </a:p>
           <a:p>
             <a:pPr lvl="3"/>
-            <a:r>
-              <a:t/>
-            </a:r>
+            <a:endParaRPr/>
           </a:p>
           <a:p>
             <a:pPr lvl="4"/>
-            <a:r>
-              <a:t/>
-            </a:r>
+            <a:endParaRPr/>
           </a:p>
         </p:txBody>
       </p:sp>
@@ -2453,13 +2479,14 @@
                 <a:spcPts val="3300"/>
               </a:spcBef>
               <a:tabLst/>
-              <a:defRPr spc="-44" sz="2200">
+              <a:defRPr sz="2200" spc="-44">
                 <a:latin typeface="Graphik Semibold"/>
                 <a:ea typeface="Graphik Semibold"/>
                 <a:cs typeface="Graphik Semibold"/>
                 <a:sym typeface="Graphik Semibold"/>
               </a:defRPr>
             </a:pPr>
+            <a:endParaRPr/>
           </a:p>
         </p:txBody>
       </p:sp>
@@ -2496,20 +2523,23 @@
                 <a:spcPts val="3300"/>
               </a:spcBef>
               <a:tabLst/>
-              <a:defRPr spc="-44" sz="2200">
+              <a:defRPr sz="2200" spc="-44">
                 <a:latin typeface="Graphik Semibold"/>
                 <a:ea typeface="Graphik Semibold"/>
                 <a:cs typeface="Graphik Semibold"/>
                 <a:sym typeface="Graphik Semibold"/>
               </a:defRPr>
             </a:pPr>
+            <a:endParaRPr/>
           </a:p>
         </p:txBody>
       </p:sp>
       <p:sp>
         <p:nvSpPr>
           <p:cNvPr id="57" name="Slide Number"/>
-          <p:cNvSpPr txBox="1"/>
+          <p:cNvSpPr txBox="1">
+            <a:spLocks noGrp="1"/>
+          </p:cNvSpPr>
           <p:nvPr>
             <p:ph type="sldNum" sz="quarter" idx="2"/>
           </p:nvPr>
@@ -2523,8 +2553,10 @@
           <a:bodyPr/>
           <a:lstStyle/>
           <a:p>
-            <a:pPr/>
-            <a:fld id="{86CB4B4D-7CA3-9044-876B-883B54F8677D}" type="slidenum"/>
+            <a:fld id="{86CB4B4D-7CA3-9044-876B-883B54F8677D}" type="slidenum">
+              <a:t>‹#›</a:t>
+            </a:fld>
+            <a:endParaRPr/>
           </a:p>
         </p:txBody>
       </p:sp>
@@ -2533,18 +2565,19 @@
   <p:clrMapOvr>
     <a:masterClrMapping/>
   </p:clrMapOvr>
-  <p:transition xmlns:p14="http://schemas.microsoft.com/office/powerpoint/2010/main" spd="med" advClick="1"/>
+  <p:transition spd="med"/>
 </p:sldLayout>
 </file>
 
 <file path=ppt/slideLayouts/slideLayout6.xml><?xml version="1.0" encoding="utf-8"?>
-<p:sldLayout xmlns:a="http://schemas.openxmlformats.org/drawingml/2006/main" xmlns:r="http://schemas.openxmlformats.org/officeDocument/2006/relationships" xmlns:p="http://schemas.openxmlformats.org/presentationml/2006/main" xmlns:m="http://schemas.openxmlformats.org/officeDocument/2006/math" xmlns:a14="http://schemas.microsoft.com/office/drawing/2010/main" type="tx" showMasterSp="1" showMasterPhAnim="1">
+<p:sldLayout xmlns:a="http://schemas.openxmlformats.org/drawingml/2006/main" xmlns:r="http://schemas.openxmlformats.org/officeDocument/2006/relationships" xmlns:p="http://schemas.openxmlformats.org/presentationml/2006/main" type="tx">
   <p:cSld name="Title, Bullets &amp; Photo">
     <p:bg>
       <p:bgPr>
         <a:solidFill>
           <a:srgbClr val="FFFFFF"/>
         </a:solidFill>
+        <a:effectLst/>
       </p:bgPr>
     </p:bg>
     <p:spTree>
@@ -2564,7 +2597,9 @@
       <p:sp>
         <p:nvSpPr>
           <p:cNvPr id="64" name="981594838_2460x1641.jpg"/>
-          <p:cNvSpPr/>
+          <p:cNvSpPr>
+            <a:spLocks noGrp="1"/>
+          </p:cNvSpPr>
           <p:nvPr>
             <p:ph type="pic" idx="21"/>
           </p:nvPr>
@@ -2584,14 +2619,16 @@
           </a:bodyPr>
           <a:lstStyle/>
           <a:p>
-            <a:pPr/>
+            <a:endParaRPr/>
           </a:p>
         </p:txBody>
       </p:sp>
       <p:sp>
         <p:nvSpPr>
           <p:cNvPr id="65" name="Body Level One…"/>
-          <p:cNvSpPr txBox="1"/>
+          <p:cNvSpPr txBox="1">
+            <a:spLocks noGrp="1"/>
+          </p:cNvSpPr>
           <p:nvPr>
             <p:ph type="body" sz="half" idx="1" hasCustomPrompt="1"/>
           </p:nvPr>
@@ -2612,69 +2649,62 @@
               <a:spcBef>
                 <a:spcPts val="3300"/>
               </a:spcBef>
-              <a:defRPr cap="none" spc="0" sz="4000"/>
+              <a:defRPr sz="4000" cap="none" spc="0"/>
             </a:lvl1pPr>
             <a:lvl2pPr defTabSz="584200">
               <a:spcBef>
                 <a:spcPts val="3300"/>
               </a:spcBef>
-              <a:defRPr cap="none" spc="0" sz="4000"/>
+              <a:defRPr sz="4000" cap="none" spc="0"/>
             </a:lvl2pPr>
             <a:lvl3pPr defTabSz="584200">
               <a:spcBef>
                 <a:spcPts val="3300"/>
               </a:spcBef>
-              <a:defRPr cap="none" spc="0" sz="4000"/>
+              <a:defRPr sz="4000" cap="none" spc="0"/>
             </a:lvl3pPr>
             <a:lvl4pPr defTabSz="584200">
               <a:spcBef>
                 <a:spcPts val="3300"/>
               </a:spcBef>
-              <a:defRPr cap="none" spc="0" sz="4000"/>
+              <a:defRPr sz="4000" cap="none" spc="0"/>
             </a:lvl4pPr>
             <a:lvl5pPr defTabSz="584200">
               <a:spcBef>
                 <a:spcPts val="3300"/>
               </a:spcBef>
-              <a:defRPr cap="none" spc="0" sz="4000"/>
+              <a:defRPr sz="4000" cap="none" spc="0"/>
             </a:lvl5pPr>
           </a:lstStyle>
           <a:p>
-            <a:pPr/>
             <a:r>
               <a:t>Slide bullet text</a:t>
             </a:r>
           </a:p>
           <a:p>
             <a:pPr lvl="1"/>
-            <a:r>
-              <a:t/>
-            </a:r>
+            <a:endParaRPr/>
           </a:p>
           <a:p>
             <a:pPr lvl="2"/>
-            <a:r>
-              <a:t/>
-            </a:r>
+            <a:endParaRPr/>
           </a:p>
           <a:p>
             <a:pPr lvl="3"/>
-            <a:r>
-              <a:t/>
-            </a:r>
+            <a:endParaRPr/>
           </a:p>
           <a:p>
             <a:pPr lvl="4"/>
-            <a:r>
-              <a:t/>
-            </a:r>
+            <a:endParaRPr/>
           </a:p>
         </p:txBody>
       </p:sp>
       <p:sp>
         <p:nvSpPr>
           <p:cNvPr id="66" name="Author and Date"/>
-          <p:cNvSpPr txBox="1"/>
+          <p:cNvSpPr txBox="1">
+            <a:spLocks noGrp="1"/>
+          </p:cNvSpPr>
           <p:nvPr>
             <p:ph type="body" sz="quarter" idx="22" hasCustomPrompt="1"/>
           </p:nvPr>
@@ -2695,7 +2725,7 @@
               <a:spcBef>
                 <a:spcPts val="3200"/>
               </a:spcBef>
-              <a:defRPr spc="-59" sz="2000">
+              <a:defRPr sz="2000" spc="-59">
                 <a:latin typeface="Graphik Medium"/>
                 <a:ea typeface="Graphik Medium"/>
                 <a:cs typeface="Graphik Medium"/>
@@ -2704,7 +2734,6 @@
             </a:lvl1pPr>
           </a:lstStyle>
           <a:p>
-            <a:pPr/>
             <a:r>
               <a:t>Author and Date</a:t>
             </a:r>
@@ -2714,7 +2743,9 @@
       <p:sp>
         <p:nvSpPr>
           <p:cNvPr id="67" name="Slide Title"/>
-          <p:cNvSpPr txBox="1"/>
+          <p:cNvSpPr txBox="1">
+            <a:spLocks noGrp="1"/>
+          </p:cNvSpPr>
           <p:nvPr>
             <p:ph type="title" hasCustomPrompt="1"/>
           </p:nvPr>
@@ -2732,11 +2763,10 @@
           <a:bodyPr anchor="t"/>
           <a:lstStyle>
             <a:lvl1pPr defTabSz="584200">
-              <a:defRPr spc="-400" sz="10000"/>
+              <a:defRPr sz="10000" spc="-400"/>
             </a:lvl1pPr>
           </a:lstStyle>
           <a:p>
-            <a:pPr/>
             <a:r>
               <a:t>Slide Title</a:t>
             </a:r>
@@ -2746,7 +2776,9 @@
       <p:sp>
         <p:nvSpPr>
           <p:cNvPr id="68" name="Slide Subtitle"/>
-          <p:cNvSpPr txBox="1"/>
+          <p:cNvSpPr txBox="1">
+            <a:spLocks noGrp="1"/>
+          </p:cNvSpPr>
           <p:nvPr>
             <p:ph type="body" sz="quarter" idx="23" hasCustomPrompt="1"/>
           </p:nvPr>
@@ -2764,11 +2796,10 @@
           <a:bodyPr/>
           <a:lstStyle>
             <a:lvl1pPr defTabSz="566674">
-              <a:defRPr spc="-101" sz="3395"/>
+              <a:defRPr sz="3395" spc="-101"/>
             </a:lvl1pPr>
           </a:lstStyle>
           <a:p>
-            <a:pPr/>
             <a:r>
               <a:t>Slide Subtitle</a:t>
             </a:r>
@@ -2778,7 +2809,9 @@
       <p:sp>
         <p:nvSpPr>
           <p:cNvPr id="69" name="Slide Number"/>
-          <p:cNvSpPr txBox="1"/>
+          <p:cNvSpPr txBox="1">
+            <a:spLocks noGrp="1"/>
+          </p:cNvSpPr>
           <p:nvPr>
             <p:ph type="sldNum" sz="quarter" idx="2"/>
           </p:nvPr>
@@ -2792,8 +2825,10 @@
           <a:bodyPr/>
           <a:lstStyle/>
           <a:p>
-            <a:pPr/>
-            <a:fld id="{86CB4B4D-7CA3-9044-876B-883B54F8677D}" type="slidenum"/>
+            <a:fld id="{86CB4B4D-7CA3-9044-876B-883B54F8677D}" type="slidenum">
+              <a:t>‹#›</a:t>
+            </a:fld>
+            <a:endParaRPr/>
           </a:p>
         </p:txBody>
       </p:sp>
@@ -2802,22 +2837,23 @@
   <p:clrMapOvr>
     <a:masterClrMapping/>
   </p:clrMapOvr>
-  <p:transition xmlns:p14="http://schemas.microsoft.com/office/powerpoint/2010/main" spd="med" advClick="1"/>
+  <p:transition spd="med"/>
 </p:sldLayout>
 </file>
 
 <file path=ppt/slideLayouts/slideLayout7.xml><?xml version="1.0" encoding="utf-8"?>
-<p:sldLayout xmlns:a="http://schemas.openxmlformats.org/drawingml/2006/main" xmlns:r="http://schemas.openxmlformats.org/officeDocument/2006/relationships" xmlns:p="http://schemas.openxmlformats.org/presentationml/2006/main" xmlns:m="http://schemas.openxmlformats.org/officeDocument/2006/math" xmlns:a14="http://schemas.microsoft.com/office/drawing/2010/main" type="tx" showMasterSp="1" showMasterPhAnim="1">
+<p:sldLayout xmlns:a="http://schemas.openxmlformats.org/drawingml/2006/main" xmlns:r="http://schemas.openxmlformats.org/officeDocument/2006/relationships" xmlns:p="http://schemas.openxmlformats.org/presentationml/2006/main" type="tx">
   <p:cSld name="Section">
     <p:bg>
       <p:bgPr>
         <a:blipFill rotWithShape="1">
           <a:blip r:embed="rId2"/>
-          <a:srcRect l="0" t="0" r="0" b="0"/>
+          <a:srcRect/>
           <a:stretch>
             <a:fillRect/>
           </a:stretch>
         </a:blipFill>
+        <a:effectLst/>
       </p:bgPr>
     </p:bg>
     <p:spTree>
@@ -2837,7 +2873,9 @@
       <p:sp>
         <p:nvSpPr>
           <p:cNvPr id="76" name="Section Title"/>
-          <p:cNvSpPr txBox="1"/>
+          <p:cNvSpPr txBox="1">
+            <a:spLocks noGrp="1"/>
+          </p:cNvSpPr>
           <p:nvPr>
             <p:ph type="title" hasCustomPrompt="1"/>
           </p:nvPr>
@@ -2855,11 +2893,10 @@
           <a:bodyPr anchor="ctr"/>
           <a:lstStyle>
             <a:lvl1pPr defTabSz="825500">
-              <a:defRPr spc="-408" sz="10200"/>
+              <a:defRPr sz="10200" spc="-408"/>
             </a:lvl1pPr>
           </a:lstStyle>
           <a:p>
-            <a:pPr/>
             <a:r>
               <a:t>Section Title</a:t>
             </a:r>
@@ -2869,7 +2906,9 @@
       <p:sp>
         <p:nvSpPr>
           <p:cNvPr id="77" name="Slide Number"/>
-          <p:cNvSpPr txBox="1"/>
+          <p:cNvSpPr txBox="1">
+            <a:spLocks noGrp="1"/>
+          </p:cNvSpPr>
           <p:nvPr>
             <p:ph type="sldNum" sz="quarter" idx="2"/>
           </p:nvPr>
@@ -2883,8 +2922,10 @@
           <a:bodyPr/>
           <a:lstStyle/>
           <a:p>
-            <a:pPr/>
-            <a:fld id="{86CB4B4D-7CA3-9044-876B-883B54F8677D}" type="slidenum"/>
+            <a:fld id="{86CB4B4D-7CA3-9044-876B-883B54F8677D}" type="slidenum">
+              <a:t>‹#›</a:t>
+            </a:fld>
+            <a:endParaRPr/>
           </a:p>
         </p:txBody>
       </p:sp>
@@ -2893,18 +2934,19 @@
   <p:clrMapOvr>
     <a:masterClrMapping/>
   </p:clrMapOvr>
-  <p:transition xmlns:p14="http://schemas.microsoft.com/office/powerpoint/2010/main" spd="med" advClick="1"/>
+  <p:transition spd="med"/>
 </p:sldLayout>
 </file>
 
 <file path=ppt/slideLayouts/slideLayout8.xml><?xml version="1.0" encoding="utf-8"?>
-<p:sldLayout xmlns:a="http://schemas.openxmlformats.org/drawingml/2006/main" xmlns:r="http://schemas.openxmlformats.org/officeDocument/2006/relationships" xmlns:p="http://schemas.openxmlformats.org/presentationml/2006/main" xmlns:m="http://schemas.openxmlformats.org/officeDocument/2006/math" xmlns:a14="http://schemas.microsoft.com/office/drawing/2010/main" type="tx" showMasterSp="1" showMasterPhAnim="1">
+<p:sldLayout xmlns:a="http://schemas.openxmlformats.org/drawingml/2006/main" xmlns:r="http://schemas.openxmlformats.org/officeDocument/2006/relationships" xmlns:p="http://schemas.openxmlformats.org/presentationml/2006/main" type="tx">
   <p:cSld name="Title Only">
     <p:bg>
       <p:bgPr>
         <a:solidFill>
           <a:srgbClr val="FFFFFF"/>
         </a:solidFill>
+        <a:effectLst/>
       </p:bgPr>
     </p:bg>
     <p:spTree>
@@ -2924,7 +2966,9 @@
       <p:sp>
         <p:nvSpPr>
           <p:cNvPr id="84" name="Author and Date"/>
-          <p:cNvSpPr txBox="1"/>
+          <p:cNvSpPr txBox="1">
+            <a:spLocks noGrp="1"/>
+          </p:cNvSpPr>
           <p:nvPr>
             <p:ph type="body" sz="quarter" idx="21" hasCustomPrompt="1"/>
           </p:nvPr>
@@ -2945,7 +2989,7 @@
               <a:spcBef>
                 <a:spcPts val="3200"/>
               </a:spcBef>
-              <a:defRPr spc="-59" sz="2000">
+              <a:defRPr sz="2000" spc="-59">
                 <a:latin typeface="Graphik Medium"/>
                 <a:ea typeface="Graphik Medium"/>
                 <a:cs typeface="Graphik Medium"/>
@@ -2954,7 +2998,6 @@
             </a:lvl1pPr>
           </a:lstStyle>
           <a:p>
-            <a:pPr/>
             <a:r>
               <a:t>Author and Date</a:t>
             </a:r>
@@ -2964,7 +3007,9 @@
       <p:sp>
         <p:nvSpPr>
           <p:cNvPr id="85" name="Slide Subtitle"/>
-          <p:cNvSpPr txBox="1"/>
+          <p:cNvSpPr txBox="1">
+            <a:spLocks noGrp="1"/>
+          </p:cNvSpPr>
           <p:nvPr>
             <p:ph type="body" sz="quarter" idx="22" hasCustomPrompt="1"/>
           </p:nvPr>
@@ -2982,7 +3027,6 @@
           <a:bodyPr/>
           <a:lstStyle/>
           <a:p>
-            <a:pPr/>
             <a:r>
               <a:t>Slide Subtitle </a:t>
             </a:r>
@@ -3022,13 +3066,14 @@
                 <a:spcPts val="3300"/>
               </a:spcBef>
               <a:tabLst/>
-              <a:defRPr spc="-44" sz="2200">
+              <a:defRPr sz="2200" spc="-44">
                 <a:latin typeface="Graphik Semibold"/>
                 <a:ea typeface="Graphik Semibold"/>
                 <a:cs typeface="Graphik Semibold"/>
                 <a:sym typeface="Graphik Semibold"/>
               </a:defRPr>
             </a:pPr>
+            <a:endParaRPr/>
           </a:p>
         </p:txBody>
       </p:sp>
@@ -3065,20 +3110,23 @@
                 <a:spcPts val="3300"/>
               </a:spcBef>
               <a:tabLst/>
-              <a:defRPr spc="-44" sz="2200">
+              <a:defRPr sz="2200" spc="-44">
                 <a:latin typeface="Graphik Semibold"/>
                 <a:ea typeface="Graphik Semibold"/>
                 <a:cs typeface="Graphik Semibold"/>
                 <a:sym typeface="Graphik Semibold"/>
               </a:defRPr>
             </a:pPr>
+            <a:endParaRPr/>
           </a:p>
         </p:txBody>
       </p:sp>
       <p:sp>
         <p:nvSpPr>
           <p:cNvPr id="88" name="Slide Title"/>
-          <p:cNvSpPr txBox="1"/>
+          <p:cNvSpPr txBox="1">
+            <a:spLocks noGrp="1"/>
+          </p:cNvSpPr>
           <p:nvPr>
             <p:ph type="title" hasCustomPrompt="1"/>
           </p:nvPr>
@@ -3096,11 +3144,10 @@
           <a:bodyPr anchor="t"/>
           <a:lstStyle>
             <a:lvl1pPr defTabSz="584200">
-              <a:defRPr spc="-400" sz="10000"/>
+              <a:defRPr sz="10000" spc="-400"/>
             </a:lvl1pPr>
           </a:lstStyle>
           <a:p>
-            <a:pPr/>
             <a:r>
               <a:t>Slide Title</a:t>
             </a:r>
@@ -3110,7 +3157,9 @@
       <p:sp>
         <p:nvSpPr>
           <p:cNvPr id="89" name="Slide Number"/>
-          <p:cNvSpPr txBox="1"/>
+          <p:cNvSpPr txBox="1">
+            <a:spLocks noGrp="1"/>
+          </p:cNvSpPr>
           <p:nvPr>
             <p:ph type="sldNum" sz="quarter" idx="2"/>
           </p:nvPr>
@@ -3124,8 +3173,10 @@
           <a:bodyPr/>
           <a:lstStyle/>
           <a:p>
-            <a:pPr/>
-            <a:fld id="{86CB4B4D-7CA3-9044-876B-883B54F8677D}" type="slidenum"/>
+            <a:fld id="{86CB4B4D-7CA3-9044-876B-883B54F8677D}" type="slidenum">
+              <a:t>‹#›</a:t>
+            </a:fld>
+            <a:endParaRPr/>
           </a:p>
         </p:txBody>
       </p:sp>
@@ -3134,18 +3185,19 @@
   <p:clrMapOvr>
     <a:masterClrMapping/>
   </p:clrMapOvr>
-  <p:transition xmlns:p14="http://schemas.microsoft.com/office/powerpoint/2010/main" spd="med" advClick="1"/>
+  <p:transition spd="med"/>
 </p:sldLayout>
 </file>
 
 <file path=ppt/slideLayouts/slideLayout9.xml><?xml version="1.0" encoding="utf-8"?>
-<p:sldLayout xmlns:a="http://schemas.openxmlformats.org/drawingml/2006/main" xmlns:r="http://schemas.openxmlformats.org/officeDocument/2006/relationships" xmlns:p="http://schemas.openxmlformats.org/presentationml/2006/main" xmlns:m="http://schemas.openxmlformats.org/officeDocument/2006/math" xmlns:a14="http://schemas.microsoft.com/office/drawing/2010/main" type="tx" showMasterSp="1" showMasterPhAnim="1">
+<p:sldLayout xmlns:a="http://schemas.openxmlformats.org/drawingml/2006/main" xmlns:r="http://schemas.openxmlformats.org/officeDocument/2006/relationships" xmlns:p="http://schemas.openxmlformats.org/presentationml/2006/main" type="tx">
   <p:cSld name="Agenda">
     <p:bg>
       <p:bgPr>
         <a:solidFill>
           <a:srgbClr val="FFFFFF"/>
         </a:solidFill>
+        <a:effectLst/>
       </p:bgPr>
     </p:bg>
     <p:spTree>
@@ -3165,7 +3217,9 @@
       <p:sp>
         <p:nvSpPr>
           <p:cNvPr id="96" name="Author and Date"/>
-          <p:cNvSpPr txBox="1"/>
+          <p:cNvSpPr txBox="1">
+            <a:spLocks noGrp="1"/>
+          </p:cNvSpPr>
           <p:nvPr>
             <p:ph type="body" sz="quarter" idx="21" hasCustomPrompt="1"/>
           </p:nvPr>
@@ -3186,7 +3240,7 @@
               <a:spcBef>
                 <a:spcPts val="3200"/>
               </a:spcBef>
-              <a:defRPr spc="-59" sz="2000">
+              <a:defRPr sz="2000" spc="-59">
                 <a:latin typeface="Graphik Medium"/>
                 <a:ea typeface="Graphik Medium"/>
                 <a:cs typeface="Graphik Medium"/>
@@ -3195,7 +3249,6 @@
             </a:lvl1pPr>
           </a:lstStyle>
           <a:p>
-            <a:pPr/>
             <a:r>
               <a:t>Author and Date</a:t>
             </a:r>
@@ -3205,7 +3258,9 @@
       <p:sp>
         <p:nvSpPr>
           <p:cNvPr id="97" name="Agenda Subtitle"/>
-          <p:cNvSpPr txBox="1"/>
+          <p:cNvSpPr txBox="1">
+            <a:spLocks noGrp="1"/>
+          </p:cNvSpPr>
           <p:nvPr>
             <p:ph type="body" sz="quarter" idx="22" hasCustomPrompt="1"/>
           </p:nvPr>
@@ -3223,7 +3278,6 @@
           <a:bodyPr/>
           <a:lstStyle/>
           <a:p>
-            <a:pPr/>
             <a:r>
               <a:t>Agenda Subtitle</a:t>
             </a:r>
@@ -3233,7 +3287,9 @@
       <p:sp>
         <p:nvSpPr>
           <p:cNvPr id="98" name="Body Level One…"/>
-          <p:cNvSpPr txBox="1"/>
+          <p:cNvSpPr txBox="1">
+            <a:spLocks noGrp="1"/>
+          </p:cNvSpPr>
           <p:nvPr>
             <p:ph type="body" idx="1" hasCustomPrompt="1"/>
           </p:nvPr>
@@ -3254,7 +3310,7 @@
               <a:spcBef>
                 <a:spcPts val="3200"/>
               </a:spcBef>
-              <a:defRPr b="1" cap="none" spc="-53" sz="5400" u="sng">
+              <a:defRPr sz="5400" b="1" u="sng" cap="none" spc="-53">
                 <a:latin typeface="+mn-lt"/>
                 <a:ea typeface="+mn-ea"/>
                 <a:cs typeface="+mn-cs"/>
@@ -3265,7 +3321,7 @@
               <a:spcBef>
                 <a:spcPts val="3200"/>
               </a:spcBef>
-              <a:defRPr b="1" cap="none" spc="-53" sz="5400" u="sng">
+              <a:defRPr sz="5400" b="1" u="sng" cap="none" spc="-53">
                 <a:latin typeface="+mn-lt"/>
                 <a:ea typeface="+mn-ea"/>
                 <a:cs typeface="+mn-cs"/>
@@ -3276,7 +3332,7 @@
               <a:spcBef>
                 <a:spcPts val="3200"/>
               </a:spcBef>
-              <a:defRPr b="1" cap="none" spc="-53" sz="5400" u="sng">
+              <a:defRPr sz="5400" b="1" u="sng" cap="none" spc="-53">
                 <a:latin typeface="+mn-lt"/>
                 <a:ea typeface="+mn-ea"/>
                 <a:cs typeface="+mn-cs"/>
@@ -3287,7 +3343,7 @@
               <a:spcBef>
                 <a:spcPts val="3200"/>
               </a:spcBef>
-              <a:defRPr b="1" cap="none" spc="-53" sz="5400" u="sng">
+              <a:defRPr sz="5400" b="1" u="sng" cap="none" spc="-53">
                 <a:latin typeface="+mn-lt"/>
                 <a:ea typeface="+mn-ea"/>
                 <a:cs typeface="+mn-cs"/>
@@ -3298,7 +3354,7 @@
               <a:spcBef>
                 <a:spcPts val="3200"/>
               </a:spcBef>
-              <a:defRPr b="1" cap="none" spc="-53" sz="5400" u="sng">
+              <a:defRPr sz="5400" b="1" u="sng" cap="none" spc="-53">
                 <a:latin typeface="+mn-lt"/>
                 <a:ea typeface="+mn-ea"/>
                 <a:cs typeface="+mn-cs"/>
@@ -3307,34 +3363,25 @@
             </a:lvl5pPr>
           </a:lstStyle>
           <a:p>
-            <a:pPr/>
             <a:r>
               <a:t>Agenda Topics</a:t>
             </a:r>
           </a:p>
           <a:p>
             <a:pPr lvl="1"/>
-            <a:r>
-              <a:t/>
-            </a:r>
+            <a:endParaRPr/>
           </a:p>
           <a:p>
             <a:pPr lvl="2"/>
-            <a:r>
-              <a:t/>
-            </a:r>
+            <a:endParaRPr/>
           </a:p>
           <a:p>
             <a:pPr lvl="3"/>
-            <a:r>
-              <a:t/>
-            </a:r>
+            <a:endParaRPr/>
           </a:p>
           <a:p>
             <a:pPr lvl="4"/>
-            <a:r>
-              <a:t/>
-            </a:r>
+            <a:endParaRPr/>
           </a:p>
         </p:txBody>
       </p:sp>
@@ -3371,13 +3418,14 @@
                 <a:spcPts val="3300"/>
               </a:spcBef>
               <a:tabLst/>
-              <a:defRPr spc="-44" sz="2200">
+              <a:defRPr sz="2200" spc="-44">
                 <a:latin typeface="Graphik Semibold"/>
                 <a:ea typeface="Graphik Semibold"/>
                 <a:cs typeface="Graphik Semibold"/>
                 <a:sym typeface="Graphik Semibold"/>
               </a:defRPr>
             </a:pPr>
+            <a:endParaRPr/>
           </a:p>
         </p:txBody>
       </p:sp>
@@ -3414,20 +3462,23 @@
                 <a:spcPts val="3300"/>
               </a:spcBef>
               <a:tabLst/>
-              <a:defRPr spc="-44" sz="2200">
+              <a:defRPr sz="2200" spc="-44">
                 <a:latin typeface="Graphik Semibold"/>
                 <a:ea typeface="Graphik Semibold"/>
                 <a:cs typeface="Graphik Semibold"/>
                 <a:sym typeface="Graphik Semibold"/>
               </a:defRPr>
             </a:pPr>
+            <a:endParaRPr/>
           </a:p>
         </p:txBody>
       </p:sp>
       <p:sp>
         <p:nvSpPr>
           <p:cNvPr id="101" name="Agenda Title"/>
-          <p:cNvSpPr txBox="1"/>
+          <p:cNvSpPr txBox="1">
+            <a:spLocks noGrp="1"/>
+          </p:cNvSpPr>
           <p:nvPr>
             <p:ph type="title" hasCustomPrompt="1"/>
           </p:nvPr>
@@ -3445,11 +3496,10 @@
           <a:bodyPr anchor="t"/>
           <a:lstStyle>
             <a:lvl1pPr defTabSz="584200">
-              <a:defRPr spc="-400" sz="10000"/>
+              <a:defRPr sz="10000" spc="-400"/>
             </a:lvl1pPr>
           </a:lstStyle>
           <a:p>
-            <a:pPr/>
             <a:r>
               <a:t>Agenda Title</a:t>
             </a:r>
@@ -3459,7 +3509,9 @@
       <p:sp>
         <p:nvSpPr>
           <p:cNvPr id="102" name="Slide Number"/>
-          <p:cNvSpPr txBox="1"/>
+          <p:cNvSpPr txBox="1">
+            <a:spLocks noGrp="1"/>
+          </p:cNvSpPr>
           <p:nvPr>
             <p:ph type="sldNum" sz="quarter" idx="2"/>
           </p:nvPr>
@@ -3473,8 +3525,10 @@
           <a:bodyPr/>
           <a:lstStyle/>
           <a:p>
-            <a:pPr/>
-            <a:fld id="{86CB4B4D-7CA3-9044-876B-883B54F8677D}" type="slidenum"/>
+            <a:fld id="{86CB4B4D-7CA3-9044-876B-883B54F8677D}" type="slidenum">
+              <a:t>‹#›</a:t>
+            </a:fld>
+            <a:endParaRPr/>
           </a:p>
         </p:txBody>
       </p:sp>
@@ -3483,22 +3537,23 @@
   <p:clrMapOvr>
     <a:masterClrMapping/>
   </p:clrMapOvr>
-  <p:transition xmlns:p14="http://schemas.microsoft.com/office/powerpoint/2010/main" spd="med" advClick="1"/>
+  <p:transition spd="med"/>
 </p:sldLayout>
 </file>
 
 <file path=ppt/slideMasters/slideMaster1.xml><?xml version="1.0" encoding="utf-8"?>
-<p:sldMaster xmlns:a="http://schemas.openxmlformats.org/drawingml/2006/main" xmlns:r="http://schemas.openxmlformats.org/officeDocument/2006/relationships" xmlns:p="http://schemas.openxmlformats.org/presentationml/2006/main" xmlns:m="http://schemas.openxmlformats.org/officeDocument/2006/math" xmlns:a14="http://schemas.microsoft.com/office/drawing/2010/main">
+<p:sldMaster xmlns:a="http://schemas.openxmlformats.org/drawingml/2006/main" xmlns:r="http://schemas.openxmlformats.org/officeDocument/2006/relationships" xmlns:p="http://schemas.openxmlformats.org/presentationml/2006/main">
   <p:cSld>
     <p:bg>
       <p:bgPr>
         <a:blipFill rotWithShape="1">
-          <a:blip r:embed="rId2"/>
-          <a:srcRect l="0" t="0" r="0" b="0"/>
+          <a:blip r:embed="rId17"/>
+          <a:srcRect/>
           <a:stretch>
             <a:fillRect/>
           </a:stretch>
         </a:blipFill>
+        <a:effectLst/>
       </p:bgPr>
     </p:bg>
     <p:spTree>
@@ -3518,7 +3573,9 @@
       <p:sp>
         <p:nvSpPr>
           <p:cNvPr id="2" name="Presentation Title"/>
-          <p:cNvSpPr txBox="1"/>
+          <p:cNvSpPr txBox="1">
+            <a:spLocks noGrp="1"/>
+          </p:cNvSpPr>
           <p:nvPr>
             <p:ph type="title" hasCustomPrompt="1"/>
           </p:nvPr>
@@ -3536,17 +3593,16 @@
           </a:ln>
           <a:extLst>
             <a:ext uri="{C572A759-6A51-4108-AA02-DFA0A04FC94B}">
-              <ma14:wrappingTextBoxFlag xmlns:ma14="http://schemas.microsoft.com/office/mac/drawingml/2011/main" val="1"/>
+              <ma14:wrappingTextBoxFlag xmlns:ma14="http://schemas.microsoft.com/office/mac/drawingml/2011/main" xmlns:a14="http://schemas.microsoft.com/office/drawing/2010/main" xmlns:m="http://schemas.openxmlformats.org/officeDocument/2006/math" xmlns="" val="1"/>
             </a:ext>
           </a:extLst>
         </p:spPr>
         <p:txBody>
           <a:bodyPr lIns="50800" tIns="50800" rIns="50800" bIns="50800" anchor="b">
-            <a:normAutofit fontScale="100000" lnSpcReduction="0"/>
+            <a:normAutofit/>
           </a:bodyPr>
           <a:lstStyle/>
           <a:p>
-            <a:pPr/>
             <a:r>
               <a:t>Presentation Title</a:t>
             </a:r>
@@ -3556,7 +3612,9 @@
       <p:sp>
         <p:nvSpPr>
           <p:cNvPr id="3" name="Body Level One…"/>
-          <p:cNvSpPr txBox="1"/>
+          <p:cNvSpPr txBox="1">
+            <a:spLocks noGrp="1"/>
+          </p:cNvSpPr>
           <p:nvPr>
             <p:ph type="body" idx="1" hasCustomPrompt="1"/>
           </p:nvPr>
@@ -3574,51 +3632,44 @@
           </a:ln>
           <a:extLst>
             <a:ext uri="{C572A759-6A51-4108-AA02-DFA0A04FC94B}">
-              <ma14:wrappingTextBoxFlag xmlns:ma14="http://schemas.microsoft.com/office/mac/drawingml/2011/main" val="1"/>
+              <ma14:wrappingTextBoxFlag xmlns:ma14="http://schemas.microsoft.com/office/mac/drawingml/2011/main" xmlns:a14="http://schemas.microsoft.com/office/drawing/2010/main" xmlns:m="http://schemas.openxmlformats.org/officeDocument/2006/math" xmlns="" val="1"/>
             </a:ext>
           </a:extLst>
         </p:spPr>
         <p:txBody>
           <a:bodyPr lIns="50800" tIns="50800" rIns="50800" bIns="50800">
-            <a:normAutofit fontScale="100000" lnSpcReduction="0"/>
+            <a:normAutofit/>
           </a:bodyPr>
           <a:lstStyle/>
           <a:p>
-            <a:pPr/>
             <a:r>
               <a:t>Presentation Subtitle </a:t>
             </a:r>
           </a:p>
           <a:p>
             <a:pPr lvl="1"/>
-            <a:r>
-              <a:t/>
-            </a:r>
+            <a:endParaRPr/>
           </a:p>
           <a:p>
             <a:pPr lvl="2"/>
-            <a:r>
-              <a:t/>
-            </a:r>
+            <a:endParaRPr/>
           </a:p>
           <a:p>
             <a:pPr lvl="3"/>
-            <a:r>
-              <a:t/>
-            </a:r>
+            <a:endParaRPr/>
           </a:p>
           <a:p>
             <a:pPr lvl="4"/>
-            <a:r>
-              <a:t/>
-            </a:r>
+            <a:endParaRPr/>
           </a:p>
         </p:txBody>
       </p:sp>
       <p:sp>
         <p:nvSpPr>
           <p:cNvPr id="4" name="Slide Number"/>
-          <p:cNvSpPr txBox="1"/>
+          <p:cNvSpPr txBox="1">
+            <a:spLocks noGrp="1"/>
+          </p:cNvSpPr>
           <p:nvPr>
             <p:ph type="sldNum" sz="quarter" idx="2"/>
           </p:nvPr>
@@ -3648,7 +3699,7 @@
                 <a:spcPts val="0"/>
               </a:spcBef>
               <a:tabLst/>
-              <a:defRPr spc="0" sz="1800">
+              <a:defRPr sz="1800" spc="0">
                 <a:latin typeface="+mn-lt"/>
                 <a:ea typeface="+mn-ea"/>
                 <a:cs typeface="+mn-cs"/>
@@ -3657,8 +3708,10 @@
             </a:lvl1pPr>
           </a:lstStyle>
           <a:p>
-            <a:pPr/>
-            <a:fld id="{86CB4B4D-7CA3-9044-876B-883B54F8677D}" type="slidenum"/>
+            <a:fld id="{86CB4B4D-7CA3-9044-876B-883B54F8677D}" type="slidenum">
+              <a:t>‹#›</a:t>
+            </a:fld>
+            <a:endParaRPr/>
           </a:p>
         </p:txBody>
       </p:sp>
@@ -3666,23 +3719,23 @@
   </p:cSld>
   <p:clrMap bg1="lt1" tx1="dk1" bg2="lt2" tx2="dk2" accent1="accent1" accent2="accent2" accent3="accent3" accent4="accent4" accent5="accent5" accent6="accent6" hlink="hlink" folHlink="folHlink"/>
   <p:sldLayoutIdLst>
-    <p:sldLayoutId id="2147483649" r:id="rId3"/>
-    <p:sldLayoutId id="2147483650" r:id="rId4"/>
-    <p:sldLayoutId id="2147483651" r:id="rId5"/>
-    <p:sldLayoutId id="2147483652" r:id="rId6"/>
-    <p:sldLayoutId id="2147483653" r:id="rId7"/>
-    <p:sldLayoutId id="2147483654" r:id="rId8"/>
-    <p:sldLayoutId id="2147483655" r:id="rId9"/>
-    <p:sldLayoutId id="2147483656" r:id="rId10"/>
-    <p:sldLayoutId id="2147483657" r:id="rId11"/>
-    <p:sldLayoutId id="2147483658" r:id="rId12"/>
-    <p:sldLayoutId id="2147483659" r:id="rId13"/>
-    <p:sldLayoutId id="2147483660" r:id="rId14"/>
-    <p:sldLayoutId id="2147483661" r:id="rId15"/>
-    <p:sldLayoutId id="2147483662" r:id="rId16"/>
-    <p:sldLayoutId id="2147483663" r:id="rId17"/>
+    <p:sldLayoutId id="2147483649" r:id="rId1"/>
+    <p:sldLayoutId id="2147483650" r:id="rId2"/>
+    <p:sldLayoutId id="2147483651" r:id="rId3"/>
+    <p:sldLayoutId id="2147483652" r:id="rId4"/>
+    <p:sldLayoutId id="2147483653" r:id="rId5"/>
+    <p:sldLayoutId id="2147483654" r:id="rId6"/>
+    <p:sldLayoutId id="2147483655" r:id="rId7"/>
+    <p:sldLayoutId id="2147483656" r:id="rId8"/>
+    <p:sldLayoutId id="2147483657" r:id="rId9"/>
+    <p:sldLayoutId id="2147483658" r:id="rId10"/>
+    <p:sldLayoutId id="2147483659" r:id="rId11"/>
+    <p:sldLayoutId id="2147483660" r:id="rId12"/>
+    <p:sldLayoutId id="2147483661" r:id="rId13"/>
+    <p:sldLayoutId id="2147483662" r:id="rId14"/>
+    <p:sldLayoutId id="2147483663" r:id="rId15"/>
   </p:sldLayoutIdLst>
-  <p:transition xmlns:p14="http://schemas.microsoft.com/office/powerpoint/2010/main" spd="med" advClick="1"/>
+  <p:transition spd="med"/>
   <p:txStyles>
     <p:titleStyle>
       <a:lvl1pPr marL="0" marR="0" indent="0" algn="l" defTabSz="1160859" rtl="0" latinLnBrk="0">
@@ -3700,7 +3753,7 @@
         <a:buFontTx/>
         <a:buNone/>
         <a:tabLst/>
-        <a:defRPr b="1" baseline="0" cap="all" i="0" spc="-665" strike="noStrike" sz="13300" u="none">
+        <a:defRPr sz="13300" b="1" i="0" u="none" strike="noStrike" cap="all" spc="-665" baseline="0">
           <a:solidFill>
             <a:srgbClr val="000000"/>
           </a:solidFill>
@@ -3726,7 +3779,7 @@
         <a:buFontTx/>
         <a:buNone/>
         <a:tabLst/>
-        <a:defRPr b="1" baseline="0" cap="all" i="0" spc="-665" strike="noStrike" sz="13300" u="none">
+        <a:defRPr sz="13300" b="1" i="0" u="none" strike="noStrike" cap="all" spc="-665" baseline="0">
           <a:solidFill>
             <a:srgbClr val="000000"/>
           </a:solidFill>
@@ -3752,7 +3805,7 @@
         <a:buFontTx/>
         <a:buNone/>
         <a:tabLst/>
-        <a:defRPr b="1" baseline="0" cap="all" i="0" spc="-665" strike="noStrike" sz="13300" u="none">
+        <a:defRPr sz="13300" b="1" i="0" u="none" strike="noStrike" cap="all" spc="-665" baseline="0">
           <a:solidFill>
             <a:srgbClr val="000000"/>
           </a:solidFill>
@@ -3778,7 +3831,7 @@
         <a:buFontTx/>
         <a:buNone/>
         <a:tabLst/>
-        <a:defRPr b="1" baseline="0" cap="all" i="0" spc="-665" strike="noStrike" sz="13300" u="none">
+        <a:defRPr sz="13300" b="1" i="0" u="none" strike="noStrike" cap="all" spc="-665" baseline="0">
           <a:solidFill>
             <a:srgbClr val="000000"/>
           </a:solidFill>
@@ -3804,7 +3857,7 @@
         <a:buFontTx/>
         <a:buNone/>
         <a:tabLst/>
-        <a:defRPr b="1" baseline="0" cap="all" i="0" spc="-665" strike="noStrike" sz="13300" u="none">
+        <a:defRPr sz="13300" b="1" i="0" u="none" strike="noStrike" cap="all" spc="-665" baseline="0">
           <a:solidFill>
             <a:srgbClr val="000000"/>
           </a:solidFill>
@@ -3830,7 +3883,7 @@
         <a:buFontTx/>
         <a:buNone/>
         <a:tabLst/>
-        <a:defRPr b="1" baseline="0" cap="all" i="0" spc="-665" strike="noStrike" sz="13300" u="none">
+        <a:defRPr sz="13300" b="1" i="0" u="none" strike="noStrike" cap="all" spc="-665" baseline="0">
           <a:solidFill>
             <a:srgbClr val="000000"/>
           </a:solidFill>
@@ -3856,7 +3909,7 @@
         <a:buFontTx/>
         <a:buNone/>
         <a:tabLst/>
-        <a:defRPr b="1" baseline="0" cap="all" i="0" spc="-665" strike="noStrike" sz="13300" u="none">
+        <a:defRPr sz="13300" b="1" i="0" u="none" strike="noStrike" cap="all" spc="-665" baseline="0">
           <a:solidFill>
             <a:srgbClr val="000000"/>
           </a:solidFill>
@@ -3882,7 +3935,7 @@
         <a:buFontTx/>
         <a:buNone/>
         <a:tabLst/>
-        <a:defRPr b="1" baseline="0" cap="all" i="0" spc="-665" strike="noStrike" sz="13300" u="none">
+        <a:defRPr sz="13300" b="1" i="0" u="none" strike="noStrike" cap="all" spc="-665" baseline="0">
           <a:solidFill>
             <a:srgbClr val="000000"/>
           </a:solidFill>
@@ -3908,7 +3961,7 @@
         <a:buFontTx/>
         <a:buNone/>
         <a:tabLst/>
-        <a:defRPr b="1" baseline="0" cap="all" i="0" spc="-665" strike="noStrike" sz="13300" u="none">
+        <a:defRPr sz="13300" b="1" i="0" u="none" strike="noStrike" cap="all" spc="-665" baseline="0">
           <a:solidFill>
             <a:srgbClr val="000000"/>
           </a:solidFill>
@@ -3936,7 +3989,7 @@
         <a:buFontTx/>
         <a:buNone/>
         <a:tabLst/>
-        <a:defRPr b="0" baseline="0" cap="all" i="0" spc="-104" strike="noStrike" sz="3500" u="none">
+        <a:defRPr sz="3500" b="0" i="0" u="none" strike="noStrike" cap="all" spc="-104" baseline="0">
           <a:solidFill>
             <a:srgbClr val="000000"/>
           </a:solidFill>
@@ -3962,7 +4015,7 @@
         <a:buFontTx/>
         <a:buNone/>
         <a:tabLst/>
-        <a:defRPr b="0" baseline="0" cap="all" i="0" spc="-104" strike="noStrike" sz="3500" u="none">
+        <a:defRPr sz="3500" b="0" i="0" u="none" strike="noStrike" cap="all" spc="-104" baseline="0">
           <a:solidFill>
             <a:srgbClr val="000000"/>
           </a:solidFill>
@@ -3988,7 +4041,7 @@
         <a:buFontTx/>
         <a:buNone/>
         <a:tabLst/>
-        <a:defRPr b="0" baseline="0" cap="all" i="0" spc="-104" strike="noStrike" sz="3500" u="none">
+        <a:defRPr sz="3500" b="0" i="0" u="none" strike="noStrike" cap="all" spc="-104" baseline="0">
           <a:solidFill>
             <a:srgbClr val="000000"/>
           </a:solidFill>
@@ -4014,7 +4067,7 @@
         <a:buFontTx/>
         <a:buNone/>
         <a:tabLst/>
-        <a:defRPr b="0" baseline="0" cap="all" i="0" spc="-104" strike="noStrike" sz="3500" u="none">
+        <a:defRPr sz="3500" b="0" i="0" u="none" strike="noStrike" cap="all" spc="-104" baseline="0">
           <a:solidFill>
             <a:srgbClr val="000000"/>
           </a:solidFill>
@@ -4040,7 +4093,7 @@
         <a:buFontTx/>
         <a:buNone/>
         <a:tabLst/>
-        <a:defRPr b="0" baseline="0" cap="all" i="0" spc="-104" strike="noStrike" sz="3500" u="none">
+        <a:defRPr sz="3500" b="0" i="0" u="none" strike="noStrike" cap="all" spc="-104" baseline="0">
           <a:solidFill>
             <a:srgbClr val="000000"/>
           </a:solidFill>
@@ -4066,7 +4119,7 @@
         <a:buFontTx/>
         <a:buNone/>
         <a:tabLst/>
-        <a:defRPr b="0" baseline="0" cap="all" i="0" spc="-104" strike="noStrike" sz="3500" u="none">
+        <a:defRPr sz="3500" b="0" i="0" u="none" strike="noStrike" cap="all" spc="-104" baseline="0">
           <a:solidFill>
             <a:srgbClr val="000000"/>
           </a:solidFill>
@@ -4092,7 +4145,7 @@
         <a:buFontTx/>
         <a:buNone/>
         <a:tabLst/>
-        <a:defRPr b="0" baseline="0" cap="all" i="0" spc="-104" strike="noStrike" sz="3500" u="none">
+        <a:defRPr sz="3500" b="0" i="0" u="none" strike="noStrike" cap="all" spc="-104" baseline="0">
           <a:solidFill>
             <a:srgbClr val="000000"/>
           </a:solidFill>
@@ -4118,7 +4171,7 @@
         <a:buFontTx/>
         <a:buNone/>
         <a:tabLst/>
-        <a:defRPr b="0" baseline="0" cap="all" i="0" spc="-104" strike="noStrike" sz="3500" u="none">
+        <a:defRPr sz="3500" b="0" i="0" u="none" strike="noStrike" cap="all" spc="-104" baseline="0">
           <a:solidFill>
             <a:srgbClr val="000000"/>
           </a:solidFill>
@@ -4144,7 +4197,7 @@
         <a:buFontTx/>
         <a:buNone/>
         <a:tabLst/>
-        <a:defRPr b="0" baseline="0" cap="all" i="0" spc="-104" strike="noStrike" sz="3500" u="none">
+        <a:defRPr sz="3500" b="0" i="0" u="none" strike="noStrike" cap="all" spc="-104" baseline="0">
           <a:solidFill>
             <a:srgbClr val="000000"/>
           </a:solidFill>
@@ -4172,7 +4225,7 @@
         <a:buFontTx/>
         <a:buNone/>
         <a:tabLst/>
-        <a:defRPr b="0" baseline="0" cap="none" i="0" spc="0" strike="noStrike" sz="1800" u="none">
+        <a:defRPr sz="1800" b="0" i="0" u="none" strike="noStrike" cap="none" spc="0" baseline="0">
           <a:solidFill>
             <a:schemeClr val="tx1"/>
           </a:solidFill>
@@ -4198,7 +4251,7 @@
         <a:buFontTx/>
         <a:buNone/>
         <a:tabLst/>
-        <a:defRPr b="0" baseline="0" cap="none" i="0" spc="0" strike="noStrike" sz="1800" u="none">
+        <a:defRPr sz="1800" b="0" i="0" u="none" strike="noStrike" cap="none" spc="0" baseline="0">
           <a:solidFill>
             <a:schemeClr val="tx1"/>
           </a:solidFill>
@@ -4224,7 +4277,7 @@
         <a:buFontTx/>
         <a:buNone/>
         <a:tabLst/>
-        <a:defRPr b="0" baseline="0" cap="none" i="0" spc="0" strike="noStrike" sz="1800" u="none">
+        <a:defRPr sz="1800" b="0" i="0" u="none" strike="noStrike" cap="none" spc="0" baseline="0">
           <a:solidFill>
             <a:schemeClr val="tx1"/>
           </a:solidFill>
@@ -4250,7 +4303,7 @@
         <a:buFontTx/>
         <a:buNone/>
         <a:tabLst/>
-        <a:defRPr b="0" baseline="0" cap="none" i="0" spc="0" strike="noStrike" sz="1800" u="none">
+        <a:defRPr sz="1800" b="0" i="0" u="none" strike="noStrike" cap="none" spc="0" baseline="0">
           <a:solidFill>
             <a:schemeClr val="tx1"/>
           </a:solidFill>
@@ -4276,7 +4329,7 @@
         <a:buFontTx/>
         <a:buNone/>
         <a:tabLst/>
-        <a:defRPr b="0" baseline="0" cap="none" i="0" spc="0" strike="noStrike" sz="1800" u="none">
+        <a:defRPr sz="1800" b="0" i="0" u="none" strike="noStrike" cap="none" spc="0" baseline="0">
           <a:solidFill>
             <a:schemeClr val="tx1"/>
           </a:solidFill>
@@ -4302,7 +4355,7 @@
         <a:buFontTx/>
         <a:buNone/>
         <a:tabLst/>
-        <a:defRPr b="0" baseline="0" cap="none" i="0" spc="0" strike="noStrike" sz="1800" u="none">
+        <a:defRPr sz="1800" b="0" i="0" u="none" strike="noStrike" cap="none" spc="0" baseline="0">
           <a:solidFill>
             <a:schemeClr val="tx1"/>
           </a:solidFill>
@@ -4328,7 +4381,7 @@
         <a:buFontTx/>
         <a:buNone/>
         <a:tabLst/>
-        <a:defRPr b="0" baseline="0" cap="none" i="0" spc="0" strike="noStrike" sz="1800" u="none">
+        <a:defRPr sz="1800" b="0" i="0" u="none" strike="noStrike" cap="none" spc="0" baseline="0">
           <a:solidFill>
             <a:schemeClr val="tx1"/>
           </a:solidFill>
@@ -4354,7 +4407,7 @@
         <a:buFontTx/>
         <a:buNone/>
         <a:tabLst/>
-        <a:defRPr b="0" baseline="0" cap="none" i="0" spc="0" strike="noStrike" sz="1800" u="none">
+        <a:defRPr sz="1800" b="0" i="0" u="none" strike="noStrike" cap="none" spc="0" baseline="0">
           <a:solidFill>
             <a:schemeClr val="tx1"/>
           </a:solidFill>
@@ -4380,7 +4433,7 @@
         <a:buFontTx/>
         <a:buNone/>
         <a:tabLst/>
-        <a:defRPr b="0" baseline="0" cap="none" i="0" spc="0" strike="noStrike" sz="1800" u="none">
+        <a:defRPr sz="1800" b="0" i="0" u="none" strike="noStrike" cap="none" spc="0" baseline="0">
           <a:solidFill>
             <a:schemeClr val="tx1"/>
           </a:solidFill>
@@ -4397,7 +4450,7 @@
 </file>
 
 <file path=ppt/slides/slide1.xml><?xml version="1.0" encoding="utf-8"?>
-<p:sld xmlns:a="http://schemas.openxmlformats.org/drawingml/2006/main" xmlns:r="http://schemas.openxmlformats.org/officeDocument/2006/relationships" xmlns:p="http://schemas.openxmlformats.org/presentationml/2006/main" xmlns:m="http://schemas.openxmlformats.org/officeDocument/2006/math" xmlns:a14="http://schemas.microsoft.com/office/drawing/2010/main" showMasterSp="1" showMasterPhAnim="1">
+<p:sld xmlns:a="http://schemas.openxmlformats.org/drawingml/2006/main" xmlns:r="http://schemas.openxmlformats.org/officeDocument/2006/relationships" xmlns:p="http://schemas.openxmlformats.org/presentationml/2006/main">
   <p:cSld>
     <p:spTree>
       <p:nvGrpSpPr>
@@ -4416,7 +4469,9 @@
       <p:sp>
         <p:nvSpPr>
           <p:cNvPr id="166" name="Stay Fit with…"/>
-          <p:cNvSpPr txBox="1"/>
+          <p:cNvSpPr txBox="1">
+            <a:spLocks noGrp="1"/>
+          </p:cNvSpPr>
           <p:nvPr>
             <p:ph type="ctrTitle"/>
           </p:nvPr>
@@ -4431,14 +4486,13 @@
           <a:lstStyle/>
           <a:p>
             <a:pPr>
-              <a:defRPr spc="-495" sz="9900"/>
+              <a:defRPr sz="9900" spc="-495"/>
             </a:pPr>
             <a:r>
               <a:t>Stay Fit with</a:t>
             </a:r>
           </a:p>
           <a:p>
-            <a:pPr/>
             <a:r>
               <a:t>FiTcalculator</a:t>
             </a:r>
@@ -4448,7 +4502,9 @@
       <p:sp>
         <p:nvSpPr>
           <p:cNvPr id="167" name="Group 02 Valmiera eit 2020"/>
-          <p:cNvSpPr txBox="1"/>
+          <p:cNvSpPr txBox="1">
+            <a:spLocks noGrp="1"/>
+          </p:cNvSpPr>
           <p:nvPr>
             <p:ph type="subTitle" sz="quarter" idx="1"/>
           </p:nvPr>
@@ -4462,7 +4518,6 @@
           <a:bodyPr/>
           <a:lstStyle/>
           <a:p>
-            <a:pPr/>
             <a:r>
               <a:t>Group 02 Valmiera eit 2020</a:t>
             </a:r>
@@ -4474,12 +4529,12 @@
   <p:clrMapOvr>
     <a:masterClrMapping/>
   </p:clrMapOvr>
-  <p:transition xmlns:p14="http://schemas.microsoft.com/office/powerpoint/2010/main" spd="med" advClick="1"/>
+  <p:transition spd="med"/>
 </p:sld>
 </file>
 
 <file path=ppt/slides/slide2.xml><?xml version="1.0" encoding="utf-8"?>
-<p:sld xmlns:a="http://schemas.openxmlformats.org/drawingml/2006/main" xmlns:r="http://schemas.openxmlformats.org/officeDocument/2006/relationships" xmlns:p="http://schemas.openxmlformats.org/presentationml/2006/main" xmlns:m="http://schemas.openxmlformats.org/officeDocument/2006/math" xmlns:a14="http://schemas.microsoft.com/office/drawing/2010/main" showMasterSp="1" showMasterPhAnim="1">
+<p:sld xmlns:a="http://schemas.openxmlformats.org/drawingml/2006/main" xmlns:r="http://schemas.openxmlformats.org/officeDocument/2006/relationships" xmlns:p="http://schemas.openxmlformats.org/presentationml/2006/main">
   <p:cSld>
     <p:spTree>
       <p:nvGrpSpPr>
@@ -4498,7 +4553,9 @@
       <p:sp>
         <p:nvSpPr>
           <p:cNvPr id="169" name="wan’t stay…"/>
-          <p:cNvSpPr txBox="1"/>
+          <p:cNvSpPr txBox="1">
+            <a:spLocks noGrp="1"/>
+          </p:cNvSpPr>
           <p:nvPr>
             <p:ph type="title"/>
           </p:nvPr>
@@ -4512,23 +4569,39 @@
           <a:bodyPr/>
           <a:lstStyle/>
           <a:p>
-            <a:pPr/>
             <a:r>
-              <a:t>wan’t stay</a:t>
+              <a:rPr dirty="0"/>
+              <a:t>want </a:t>
+            </a:r>
+            <a:r>
+              <a:rPr lang="lv-LV" dirty="0"/>
+              <a:t>to </a:t>
+            </a:r>
+            <a:r>
+              <a:rPr dirty="0"/>
+              <a:t>stay</a:t>
             </a:r>
           </a:p>
           <a:p>
             <a:pPr algn="ctr"/>
             <a:r>
+              <a:rPr dirty="0"/>
               <a:t>FIT..</a:t>
             </a:r>
+            <a:r>
+              <a:rPr lang="lv-LV" dirty="0"/>
+              <a:t>?</a:t>
+            </a:r>
+            <a:endParaRPr dirty="0"/>
           </a:p>
         </p:txBody>
       </p:sp>
       <p:sp>
         <p:nvSpPr>
           <p:cNvPr id="170" name="Just DO it!!"/>
-          <p:cNvSpPr txBox="1"/>
+          <p:cNvSpPr txBox="1">
+            <a:spLocks noGrp="1"/>
+          </p:cNvSpPr>
           <p:nvPr>
             <p:ph type="body" sz="quarter" idx="1"/>
           </p:nvPr>
@@ -4546,7 +4619,6 @@
           <a:bodyPr/>
           <a:lstStyle/>
           <a:p>
-            <a:pPr/>
             <a:r>
               <a:t>Just DO it!!</a:t>
             </a:r>
@@ -4562,9 +4634,7 @@
           <p:nvPr/>
         </p:nvPicPr>
         <p:blipFill>
-          <a:blip r:embed="rId2">
-            <a:extLst/>
-          </a:blip>
+          <a:blip r:embed="rId2"/>
           <a:stretch>
             <a:fillRect/>
           </a:stretch>
@@ -4601,13 +4671,13 @@
           </a:ln>
           <a:extLst>
             <a:ext uri="{C572A759-6A51-4108-AA02-DFA0A04FC94B}">
-              <ma14:wrappingTextBoxFlag xmlns:ma14="http://schemas.microsoft.com/office/mac/drawingml/2011/main" val="1"/>
+              <ma14:wrappingTextBoxFlag xmlns:ma14="http://schemas.microsoft.com/office/mac/drawingml/2011/main" xmlns:a14="http://schemas.microsoft.com/office/drawing/2010/main" xmlns:m="http://schemas.openxmlformats.org/officeDocument/2006/math" xmlns="" val="1"/>
             </a:ext>
           </a:extLst>
         </p:spPr>
         <p:txBody>
           <a:bodyPr lIns="50800" tIns="50800" rIns="50800" bIns="50800">
-            <a:normAutofit fontScale="100000" lnSpcReduction="0"/>
+            <a:normAutofit/>
           </a:bodyPr>
           <a:lstStyle>
             <a:lvl1pPr algn="l" defTabSz="584200">
@@ -4618,7 +4688,7 @@
                 <a:spcPts val="0"/>
               </a:spcBef>
               <a:tabLst/>
-              <a:defRPr cap="all" spc="-104" sz="3500">
+              <a:defRPr sz="3500" cap="all" spc="-104">
                 <a:latin typeface="Graphik Semibold"/>
                 <a:ea typeface="Graphik Semibold"/>
                 <a:cs typeface="Graphik Semibold"/>
@@ -4627,7 +4697,6 @@
             </a:lvl1pPr>
           </a:lstStyle>
           <a:p>
-            <a:pPr/>
             <a:r>
               <a:t> but better with our APP</a:t>
             </a:r>
@@ -4639,14 +4708,14 @@
   <p:clrMapOvr>
     <a:masterClrMapping/>
   </p:clrMapOvr>
-  <p:transition xmlns:p14="http://schemas.microsoft.com/office/powerpoint/2010/main" spd="med" advClick="1"/>
+  <p:transition spd="med"/>
   <p:timing>
     <p:tnLst>
       <p:par>
-        <p:cTn id="1" nodeType="tmRoot" restart="never" dur="indefinite" fill="hold">
+        <p:cTn id="1" dur="indefinite" restart="never" fill="hold" nodeType="tmRoot">
           <p:childTnLst>
             <p:seq concurrent="1" prevAc="none" nextAc="seek">
-              <p:cTn id="2" nodeType="mainSeq" dur="indefinite" fill="hold">
+              <p:cTn id="2" dur="indefinite" fill="hold" nodeType="mainSeq">
                 <p:childTnLst>
                   <p:par>
                     <p:cTn id="3" fill="hold">
@@ -4661,11 +4730,11 @@
                             </p:stCondLst>
                             <p:childTnLst>
                               <p:par>
-                                <p:cTn id="5" presetClass="entr" nodeType="clickEffect" presetSubtype="0" presetID="1" grpId="1" fill="hold">
+                                <p:cTn id="5" presetID="1" presetClass="entr" presetSubtype="0" fill="hold" grpId="1" nodeType="clickEffect">
                                   <p:stCondLst>
                                     <p:cond delay="0"/>
                                   </p:stCondLst>
-                                  <p:iterate type="el" backwards="0">
+                                  <p:iterate>
                                     <p:tmAbs val="0"/>
                                   </p:iterate>
                                   <p:childTnLst>
@@ -4705,11 +4774,11 @@
                             </p:stCondLst>
                             <p:childTnLst>
                               <p:par>
-                                <p:cTn id="9" presetClass="entr" nodeType="clickEffect" presetSubtype="0" presetID="1" grpId="2" fill="hold">
+                                <p:cTn id="9" presetID="1" presetClass="entr" presetSubtype="0" fill="hold" grpId="2" nodeType="clickEffect">
                                   <p:stCondLst>
                                     <p:cond delay="0"/>
                                   </p:stCondLst>
-                                  <p:iterate type="el" backwards="0">
+                                  <p:iterate>
                                     <p:tmAbs val="0"/>
                                   </p:iterate>
                                   <p:childTnLst>
@@ -4739,14 +4808,14 @@
                 </p:childTnLst>
               </p:cTn>
               <p:prevCondLst>
-                <p:cond evt="onPrev">
+                <p:cond evt="onPrev" delay="0">
                   <p:tgtEl>
                     <p:sldTgt/>
                   </p:tgtEl>
                 </p:cond>
               </p:prevCondLst>
               <p:nextCondLst>
-                <p:cond evt="onNext">
+                <p:cond evt="onNext" delay="0">
                   <p:tgtEl>
                     <p:sldTgt/>
                   </p:tgtEl>
@@ -4758,15 +4827,15 @@
       </p:par>
     </p:tnLst>
     <p:bldLst>
-      <p:bldP build="whole" bldLvl="1" animBg="1" rev="0" advAuto="0" spid="170" grpId="1"/>
-      <p:bldP build="whole" bldLvl="1" animBg="1" rev="0" advAuto="0" spid="172" grpId="2"/>
+      <p:bldP spid="170" grpId="1" animBg="1" advAuto="0"/>
+      <p:bldP spid="172" grpId="2" animBg="1" advAuto="0"/>
     </p:bldLst>
   </p:timing>
 </p:sld>
 </file>
 
 <file path=ppt/slides/slide3.xml><?xml version="1.0" encoding="utf-8"?>
-<p:sld xmlns:a="http://schemas.openxmlformats.org/drawingml/2006/main" xmlns:r="http://schemas.openxmlformats.org/officeDocument/2006/relationships" xmlns:p="http://schemas.openxmlformats.org/presentationml/2006/main" xmlns:m="http://schemas.openxmlformats.org/officeDocument/2006/math" xmlns:a14="http://schemas.microsoft.com/office/drawing/2010/main" showMasterSp="1" showMasterPhAnim="1">
+<p:sld xmlns:a="http://schemas.openxmlformats.org/drawingml/2006/main" xmlns:r="http://schemas.openxmlformats.org/officeDocument/2006/relationships" xmlns:p="http://schemas.openxmlformats.org/presentationml/2006/main">
   <p:cSld>
     <p:spTree>
       <p:nvGrpSpPr>
@@ -4785,7 +4854,9 @@
       <p:sp>
         <p:nvSpPr>
           <p:cNvPr id="174" name="HEIGHT…"/>
-          <p:cNvSpPr txBox="1"/>
+          <p:cNvSpPr txBox="1">
+            <a:spLocks noGrp="1"/>
+          </p:cNvSpPr>
           <p:nvPr>
             <p:ph type="body" sz="half" idx="1"/>
           </p:nvPr>
@@ -4831,7 +4902,7 @@
               <a:spcBef>
                 <a:spcPts val="3300"/>
               </a:spcBef>
-              <a:defRPr cap="none" spc="0" sz="4000"/>
+              <a:defRPr sz="4000" cap="none" spc="0"/>
             </a:pPr>
             <a:r>
               <a:t>RHR ♥️</a:t>
@@ -4842,7 +4913,9 @@
       <p:sp>
         <p:nvSpPr>
           <p:cNvPr id="175" name="IMT Group 02 Eit 2020 valmiera"/>
-          <p:cNvSpPr txBox="1"/>
+          <p:cNvSpPr txBox="1">
+            <a:spLocks noGrp="1"/>
+          </p:cNvSpPr>
           <p:nvPr>
             <p:ph type="body" idx="22"/>
           </p:nvPr>
@@ -4853,7 +4926,7 @@
           </a:prstGeom>
           <a:extLst>
             <a:ext uri="{C572A759-6A51-4108-AA02-DFA0A04FC94B}">
-              <ma14:wrappingTextBoxFlag xmlns:ma14="http://schemas.microsoft.com/office/mac/drawingml/2011/main" val="1"/>
+              <ma14:wrappingTextBoxFlag xmlns:ma14="http://schemas.microsoft.com/office/mac/drawingml/2011/main" xmlns:a14="http://schemas.microsoft.com/office/drawing/2010/main" xmlns:m="http://schemas.openxmlformats.org/officeDocument/2006/math" xmlns="" val="1"/>
             </a:ext>
           </a:extLst>
         </p:spPr>
@@ -4861,7 +4934,6 @@
           <a:bodyPr/>
           <a:lstStyle/>
           <a:p>
-            <a:pPr/>
             <a:r>
               <a:t>IMT Group 02 Eit 2020 valmiera</a:t>
             </a:r>
@@ -4871,7 +4943,9 @@
       <p:sp>
         <p:nvSpPr>
           <p:cNvPr id="176" name="Just   5  info…"/>
-          <p:cNvSpPr txBox="1"/>
+          <p:cNvSpPr txBox="1">
+            <a:spLocks noGrp="1"/>
+          </p:cNvSpPr>
           <p:nvPr>
             <p:ph type="title"/>
           </p:nvPr>
@@ -4886,7 +4960,7 @@
           <a:lstStyle/>
           <a:p>
             <a:pPr algn="ctr" defTabSz="309625">
-              <a:defRPr spc="-211" sz="5299">
+              <a:defRPr sz="5299" spc="-211">
                 <a:solidFill>
                   <a:schemeClr val="accent1"/>
                 </a:solidFill>
@@ -4898,7 +4972,7 @@
           </a:p>
           <a:p>
             <a:pPr algn="ctr" defTabSz="309625">
-              <a:defRPr spc="-211" sz="5299">
+              <a:defRPr sz="5299" spc="-211">
                 <a:solidFill>
                   <a:schemeClr val="accent1"/>
                 </a:solidFill>
@@ -4910,7 +4984,7 @@
           </a:p>
           <a:p>
             <a:pPr algn="ctr" defTabSz="309625">
-              <a:defRPr spc="-211" sz="5299">
+              <a:defRPr sz="5299" spc="-211">
                 <a:solidFill>
                   <a:schemeClr val="accent1"/>
                 </a:solidFill>
@@ -4925,7 +4999,9 @@
       <p:sp>
         <p:nvSpPr>
           <p:cNvPr id="177" name="DATA what we need!"/>
-          <p:cNvSpPr txBox="1"/>
+          <p:cNvSpPr txBox="1">
+            <a:spLocks noGrp="1"/>
+          </p:cNvSpPr>
           <p:nvPr>
             <p:ph type="body" idx="23"/>
           </p:nvPr>
@@ -4940,7 +5016,7 @@
           </a:prstGeom>
           <a:extLst>
             <a:ext uri="{C572A759-6A51-4108-AA02-DFA0A04FC94B}">
-              <ma14:wrappingTextBoxFlag xmlns:ma14="http://schemas.microsoft.com/office/mac/drawingml/2011/main" val="1"/>
+              <ma14:wrappingTextBoxFlag xmlns:ma14="http://schemas.microsoft.com/office/mac/drawingml/2011/main" xmlns:a14="http://schemas.microsoft.com/office/drawing/2010/main" xmlns:m="http://schemas.openxmlformats.org/officeDocument/2006/math" xmlns="" val="1"/>
             </a:ext>
           </a:extLst>
         </p:spPr>
@@ -4948,7 +5024,6 @@
           <a:bodyPr/>
           <a:lstStyle/>
           <a:p>
-            <a:pPr/>
             <a:r>
               <a:t>DATA what we need!</a:t>
             </a:r>
@@ -4964,9 +5039,7 @@
           <p:nvPr/>
         </p:nvPicPr>
         <p:blipFill>
-          <a:blip r:embed="rId2">
-            <a:extLst/>
-          </a:blip>
+          <a:blip r:embed="rId2"/>
           <a:stretch>
             <a:fillRect/>
           </a:stretch>
@@ -4989,14 +5062,14 @@
   <p:clrMapOvr>
     <a:masterClrMapping/>
   </p:clrMapOvr>
-  <p:transition xmlns:p14="http://schemas.microsoft.com/office/powerpoint/2010/main" spd="med" advClick="1"/>
+  <p:transition spd="med"/>
   <p:timing>
     <p:tnLst>
       <p:par>
-        <p:cTn id="1" nodeType="tmRoot" restart="never" dur="indefinite" fill="hold">
+        <p:cTn id="1" dur="indefinite" restart="never" fill="hold" nodeType="tmRoot">
           <p:childTnLst>
             <p:seq concurrent="1" prevAc="none" nextAc="seek">
-              <p:cTn id="2" nodeType="mainSeq" dur="indefinite" fill="hold">
+              <p:cTn id="2" dur="indefinite" fill="hold" nodeType="mainSeq">
                 <p:childTnLst>
                   <p:par>
                     <p:cTn id="3" fill="hold">
@@ -5011,11 +5084,11 @@
                             </p:stCondLst>
                             <p:childTnLst>
                               <p:par>
-                                <p:cTn id="5" presetClass="entr" nodeType="clickEffect" presetSubtype="0" presetID="1" grpId="1" fill="hold">
+                                <p:cTn id="5" presetID="1" presetClass="entr" presetSubtype="0" fill="hold" grpId="1" nodeType="clickEffect">
                                   <p:stCondLst>
                                     <p:cond delay="0"/>
                                   </p:stCondLst>
-                                  <p:iterate type="wd" backwards="0">
+                                  <p:iterate type="wd">
                                     <p:tmAbs val="0"/>
                                   </p:iterate>
                                   <p:childTnLst>
@@ -5039,11 +5112,11 @@
                                 </p:cTn>
                               </p:par>
                               <p:par>
-                                <p:cTn id="7" presetClass="entr" nodeType="withEffect" presetSubtype="0" presetID="1" grpId="1" fill="hold">
+                                <p:cTn id="7" presetID="1" presetClass="entr" presetSubtype="0" fill="hold" grpId="1" nodeType="withEffect">
                                   <p:stCondLst>
                                     <p:cond delay="0"/>
                                   </p:stCondLst>
-                                  <p:iterate type="wd" backwards="0">
+                                  <p:iterate type="wd">
                                     <p:tmAbs val="0"/>
                                   </p:iterate>
                                   <p:childTnLst>
@@ -5087,11 +5160,11 @@
                             </p:stCondLst>
                             <p:childTnLst>
                               <p:par>
-                                <p:cTn id="11" presetClass="entr" nodeType="clickEffect" presetSubtype="0" presetID="1" grpId="1" fill="hold">
+                                <p:cTn id="11" presetID="1" presetClass="entr" presetSubtype="0" fill="hold" grpId="1" nodeType="clickEffect">
                                   <p:stCondLst>
                                     <p:cond delay="0"/>
                                   </p:stCondLst>
-                                  <p:iterate type="wd" backwards="0">
+                                  <p:iterate type="wd">
                                     <p:tmAbs val="0"/>
                                   </p:iterate>
                                   <p:childTnLst>
@@ -5135,11 +5208,11 @@
                             </p:stCondLst>
                             <p:childTnLst>
                               <p:par>
-                                <p:cTn id="15" presetClass="entr" nodeType="clickEffect" presetSubtype="0" presetID="1" grpId="1" fill="hold">
+                                <p:cTn id="15" presetID="1" presetClass="entr" presetSubtype="0" fill="hold" grpId="1" nodeType="clickEffect">
                                   <p:stCondLst>
                                     <p:cond delay="0"/>
                                   </p:stCondLst>
-                                  <p:iterate type="wd" backwards="0">
+                                  <p:iterate type="wd">
                                     <p:tmAbs val="0"/>
                                   </p:iterate>
                                   <p:childTnLst>
@@ -5183,11 +5256,11 @@
                             </p:stCondLst>
                             <p:childTnLst>
                               <p:par>
-                                <p:cTn id="19" presetClass="entr" nodeType="clickEffect" presetSubtype="0" presetID="1" grpId="1" fill="hold">
+                                <p:cTn id="19" presetID="1" presetClass="entr" presetSubtype="0" fill="hold" grpId="1" nodeType="clickEffect">
                                   <p:stCondLst>
                                     <p:cond delay="0"/>
                                   </p:stCondLst>
-                                  <p:iterate type="wd" backwards="0">
+                                  <p:iterate type="wd">
                                     <p:tmAbs val="0"/>
                                   </p:iterate>
                                   <p:childTnLst>
@@ -5231,11 +5304,11 @@
                             </p:stCondLst>
                             <p:childTnLst>
                               <p:par>
-                                <p:cTn id="23" presetClass="entr" nodeType="clickEffect" presetSubtype="0" presetID="1" grpId="1" fill="hold">
+                                <p:cTn id="23" presetID="1" presetClass="entr" presetSubtype="0" fill="hold" grpId="1" nodeType="clickEffect">
                                   <p:stCondLst>
                                     <p:cond delay="0"/>
                                   </p:stCondLst>
-                                  <p:iterate type="wd" backwards="0">
+                                  <p:iterate type="wd">
                                     <p:tmAbs val="0"/>
                                   </p:iterate>
                                   <p:childTnLst>
@@ -5269,14 +5342,14 @@
                 </p:childTnLst>
               </p:cTn>
               <p:prevCondLst>
-                <p:cond evt="onPrev">
+                <p:cond evt="onPrev" delay="0">
                   <p:tgtEl>
                     <p:sldTgt/>
                   </p:tgtEl>
                 </p:cond>
               </p:prevCondLst>
               <p:nextCondLst>
-                <p:cond evt="onNext">
+                <p:cond evt="onNext" delay="0">
                   <p:tgtEl>
                     <p:sldTgt/>
                   </p:tgtEl>
@@ -5288,14 +5361,14 @@
       </p:par>
     </p:tnLst>
     <p:bldLst>
-      <p:bldP build="p" bldLvl="5" animBg="1" rev="0" advAuto="0" spid="174" grpId="1"/>
+      <p:bldP spid="174" grpId="1" build="p" bldLvl="5" animBg="1" advAuto="0"/>
     </p:bldLst>
   </p:timing>
 </p:sld>
 </file>
 
 <file path=ppt/slides/slide4.xml><?xml version="1.0" encoding="utf-8"?>
-<p:sld xmlns:a="http://schemas.openxmlformats.org/drawingml/2006/main" xmlns:r="http://schemas.openxmlformats.org/officeDocument/2006/relationships" xmlns:p="http://schemas.openxmlformats.org/presentationml/2006/main" xmlns:m="http://schemas.openxmlformats.org/officeDocument/2006/math" xmlns:a14="http://schemas.microsoft.com/office/drawing/2010/main" showMasterSp="1" showMasterPhAnim="1">
+<p:sld xmlns:a="http://schemas.openxmlformats.org/drawingml/2006/main" xmlns:r="http://schemas.openxmlformats.org/officeDocument/2006/relationships" xmlns:p="http://schemas.openxmlformats.org/presentationml/2006/main">
   <p:cSld>
     <p:spTree>
       <p:nvGrpSpPr>
@@ -5314,7 +5387,9 @@
       <p:sp>
         <p:nvSpPr>
           <p:cNvPr id="180" name="BMR (kCal)…"/>
-          <p:cNvSpPr txBox="1"/>
+          <p:cNvSpPr txBox="1">
+            <a:spLocks noGrp="1"/>
+          </p:cNvSpPr>
           <p:nvPr>
             <p:ph type="body" sz="half" idx="1"/>
           </p:nvPr>
@@ -5331,11 +5406,10 @@
               <a:spcBef>
                 <a:spcPts val="3300"/>
               </a:spcBef>
-              <a:defRPr cap="none" spc="0" sz="4000"/>
+              <a:defRPr sz="4000" cap="none" spc="0"/>
             </a:lvl6pPr>
           </a:lstStyle>
           <a:p>
-            <a:pPr/>
             <a:r>
               <a:t>BMR (kCal)</a:t>
             </a:r>
@@ -5375,7 +5449,9 @@
       <p:sp>
         <p:nvSpPr>
           <p:cNvPr id="181" name="IMT Group 02 Eit 2020 valmiera"/>
-          <p:cNvSpPr txBox="1"/>
+          <p:cNvSpPr txBox="1">
+            <a:spLocks noGrp="1"/>
+          </p:cNvSpPr>
           <p:nvPr>
             <p:ph type="body" idx="22"/>
           </p:nvPr>
@@ -5386,7 +5462,7 @@
           </a:prstGeom>
           <a:extLst>
             <a:ext uri="{C572A759-6A51-4108-AA02-DFA0A04FC94B}">
-              <ma14:wrappingTextBoxFlag xmlns:ma14="http://schemas.microsoft.com/office/mac/drawingml/2011/main" val="1"/>
+              <ma14:wrappingTextBoxFlag xmlns:ma14="http://schemas.microsoft.com/office/mac/drawingml/2011/main" xmlns:a14="http://schemas.microsoft.com/office/drawing/2010/main" xmlns:m="http://schemas.openxmlformats.org/officeDocument/2006/math" xmlns="" val="1"/>
             </a:ext>
           </a:extLst>
         </p:spPr>
@@ -5394,7 +5470,6 @@
           <a:bodyPr/>
           <a:lstStyle/>
           <a:p>
-            <a:pPr/>
             <a:r>
               <a:t>IMT Group 02 Eit 2020 valmiera</a:t>
             </a:r>
@@ -5404,7 +5479,9 @@
       <p:sp>
         <p:nvSpPr>
           <p:cNvPr id="182" name="NOW YOU KNOW!"/>
-          <p:cNvSpPr txBox="1"/>
+          <p:cNvSpPr txBox="1">
+            <a:spLocks noGrp="1"/>
+          </p:cNvSpPr>
           <p:nvPr>
             <p:ph type="title"/>
           </p:nvPr>
@@ -5430,7 +5507,6 @@
             </a:lvl1pPr>
           </a:lstStyle>
           <a:p>
-            <a:pPr/>
             <a:r>
               <a:t>NOW YOU KNOW!</a:t>
             </a:r>
@@ -5440,7 +5516,9 @@
       <p:sp>
         <p:nvSpPr>
           <p:cNvPr id="183" name="Data what we give to you!"/>
-          <p:cNvSpPr txBox="1"/>
+          <p:cNvSpPr txBox="1">
+            <a:spLocks noGrp="1"/>
+          </p:cNvSpPr>
           <p:nvPr>
             <p:ph type="body" idx="23"/>
           </p:nvPr>
@@ -5451,7 +5529,7 @@
           </a:prstGeom>
           <a:extLst>
             <a:ext uri="{C572A759-6A51-4108-AA02-DFA0A04FC94B}">
-              <ma14:wrappingTextBoxFlag xmlns:ma14="http://schemas.microsoft.com/office/mac/drawingml/2011/main" val="1"/>
+              <ma14:wrappingTextBoxFlag xmlns:ma14="http://schemas.microsoft.com/office/mac/drawingml/2011/main" xmlns:a14="http://schemas.microsoft.com/office/drawing/2010/main" xmlns:m="http://schemas.openxmlformats.org/officeDocument/2006/math" xmlns="" val="1"/>
             </a:ext>
           </a:extLst>
         </p:spPr>
@@ -5459,9 +5537,8 @@
           <a:bodyPr/>
           <a:lstStyle/>
           <a:p>
-            <a:pPr/>
             <a:r>
-              <a:rPr spc="-72" sz="2425"/>
+              <a:rPr sz="2425" spc="-72"/>
               <a:t>Data what we give to </a:t>
             </a:r>
             <a:r>
@@ -5479,9 +5556,7 @@
           <p:nvPr/>
         </p:nvPicPr>
         <p:blipFill>
-          <a:blip r:embed="rId2">
-            <a:extLst/>
-          </a:blip>
+          <a:blip r:embed="rId2"/>
           <a:stretch>
             <a:fillRect/>
           </a:stretch>
@@ -5504,14 +5579,14 @@
   <p:clrMapOvr>
     <a:masterClrMapping/>
   </p:clrMapOvr>
-  <p:transition xmlns:p14="http://schemas.microsoft.com/office/powerpoint/2010/main" spd="med" advClick="1"/>
+  <p:transition spd="med"/>
   <p:timing>
     <p:tnLst>
       <p:par>
-        <p:cTn id="1" nodeType="tmRoot" restart="never" dur="indefinite" fill="hold">
+        <p:cTn id="1" dur="indefinite" restart="never" fill="hold" nodeType="tmRoot">
           <p:childTnLst>
             <p:seq concurrent="1" prevAc="none" nextAc="seek">
-              <p:cTn id="2" nodeType="mainSeq" dur="indefinite" fill="hold">
+              <p:cTn id="2" dur="indefinite" fill="hold" nodeType="mainSeq">
                 <p:childTnLst>
                   <p:par>
                     <p:cTn id="3" fill="hold">
@@ -5526,11 +5601,11 @@
                             </p:stCondLst>
                             <p:childTnLst>
                               <p:par>
-                                <p:cTn id="5" presetClass="entr" nodeType="clickEffect" presetSubtype="0" presetID="1" grpId="1" fill="hold">
+                                <p:cTn id="5" presetID="1" presetClass="entr" presetSubtype="0" fill="hold" grpId="1" nodeType="clickEffect">
                                   <p:stCondLst>
                                     <p:cond delay="0"/>
                                   </p:stCondLst>
-                                  <p:iterate type="wd" backwards="0">
+                                  <p:iterate type="wd">
                                     <p:tmAbs val="0"/>
                                   </p:iterate>
                                   <p:childTnLst>
@@ -5554,11 +5629,11 @@
                                 </p:cTn>
                               </p:par>
                               <p:par>
-                                <p:cTn id="7" presetClass="entr" nodeType="withEffect" presetSubtype="0" presetID="1" grpId="1" fill="hold">
+                                <p:cTn id="7" presetID="1" presetClass="entr" presetSubtype="0" fill="hold" grpId="1" nodeType="withEffect">
                                   <p:stCondLst>
                                     <p:cond delay="0"/>
                                   </p:stCondLst>
-                                  <p:iterate type="wd" backwards="0">
+                                  <p:iterate type="wd">
                                     <p:tmAbs val="0"/>
                                   </p:iterate>
                                   <p:childTnLst>
@@ -5602,11 +5677,11 @@
                             </p:stCondLst>
                             <p:childTnLst>
                               <p:par>
-                                <p:cTn id="11" presetClass="entr" nodeType="clickEffect" presetSubtype="0" presetID="1" grpId="1" fill="hold">
+                                <p:cTn id="11" presetID="1" presetClass="entr" presetSubtype="0" fill="hold" grpId="1" nodeType="clickEffect">
                                   <p:stCondLst>
                                     <p:cond delay="0"/>
                                   </p:stCondLst>
-                                  <p:iterate type="wd" backwards="0">
+                                  <p:iterate type="wd">
                                     <p:tmAbs val="0"/>
                                   </p:iterate>
                                   <p:childTnLst>
@@ -5650,11 +5725,11 @@
                             </p:stCondLst>
                             <p:childTnLst>
                               <p:par>
-                                <p:cTn id="15" presetClass="entr" nodeType="clickEffect" presetSubtype="0" presetID="1" grpId="1" fill="hold">
+                                <p:cTn id="15" presetID="1" presetClass="entr" presetSubtype="0" fill="hold" grpId="1" nodeType="clickEffect">
                                   <p:stCondLst>
                                     <p:cond delay="0"/>
                                   </p:stCondLst>
-                                  <p:iterate type="wd" backwards="0">
+                                  <p:iterate type="wd">
                                     <p:tmAbs val="0"/>
                                   </p:iterate>
                                   <p:childTnLst>
@@ -5698,11 +5773,11 @@
                             </p:stCondLst>
                             <p:childTnLst>
                               <p:par>
-                                <p:cTn id="19" presetClass="entr" nodeType="clickEffect" presetSubtype="0" presetID="1" grpId="1" fill="hold">
+                                <p:cTn id="19" presetID="1" presetClass="entr" presetSubtype="0" fill="hold" grpId="1" nodeType="clickEffect">
                                   <p:stCondLst>
                                     <p:cond delay="0"/>
                                   </p:stCondLst>
-                                  <p:iterate type="wd" backwards="0">
+                                  <p:iterate type="wd">
                                     <p:tmAbs val="0"/>
                                   </p:iterate>
                                   <p:childTnLst>
@@ -5746,11 +5821,11 @@
                             </p:stCondLst>
                             <p:childTnLst>
                               <p:par>
-                                <p:cTn id="23" presetClass="entr" nodeType="clickEffect" presetSubtype="0" presetID="1" grpId="1" fill="hold">
+                                <p:cTn id="23" presetID="1" presetClass="entr" presetSubtype="0" fill="hold" grpId="1" nodeType="clickEffect">
                                   <p:stCondLst>
                                     <p:cond delay="0"/>
                                   </p:stCondLst>
-                                  <p:iterate type="wd" backwards="0">
+                                  <p:iterate type="wd">
                                     <p:tmAbs val="0"/>
                                   </p:iterate>
                                   <p:childTnLst>
@@ -5794,11 +5869,11 @@
                             </p:stCondLst>
                             <p:childTnLst>
                               <p:par>
-                                <p:cTn id="27" presetClass="entr" nodeType="clickEffect" presetSubtype="0" presetID="1" grpId="1" fill="hold">
+                                <p:cTn id="27" presetID="1" presetClass="entr" presetSubtype="0" fill="hold" grpId="1" nodeType="clickEffect">
                                   <p:stCondLst>
                                     <p:cond delay="0"/>
                                   </p:stCondLst>
-                                  <p:iterate type="wd" backwards="0">
+                                  <p:iterate type="wd">
                                     <p:tmAbs val="0"/>
                                   </p:iterate>
                                   <p:childTnLst>
@@ -5832,14 +5907,14 @@
                 </p:childTnLst>
               </p:cTn>
               <p:prevCondLst>
-                <p:cond evt="onPrev">
+                <p:cond evt="onPrev" delay="0">
                   <p:tgtEl>
                     <p:sldTgt/>
                   </p:tgtEl>
                 </p:cond>
               </p:prevCondLst>
               <p:nextCondLst>
-                <p:cond evt="onNext">
+                <p:cond evt="onNext" delay="0">
                   <p:tgtEl>
                     <p:sldTgt/>
                   </p:tgtEl>
@@ -5851,14 +5926,14 @@
       </p:par>
     </p:tnLst>
     <p:bldLst>
-      <p:bldP build="p" bldLvl="5" animBg="1" rev="0" advAuto="0" spid="180" grpId="1"/>
+      <p:bldP spid="180" grpId="1" build="p" bldLvl="5" animBg="1" advAuto="0"/>
     </p:bldLst>
   </p:timing>
 </p:sld>
 </file>
 
 <file path=ppt/slides/slide5.xml><?xml version="1.0" encoding="utf-8"?>
-<p:sld xmlns:a="http://schemas.openxmlformats.org/drawingml/2006/main" xmlns:r="http://schemas.openxmlformats.org/officeDocument/2006/relationships" xmlns:p="http://schemas.openxmlformats.org/presentationml/2006/main" xmlns:m="http://schemas.openxmlformats.org/officeDocument/2006/math" xmlns:a14="http://schemas.microsoft.com/office/drawing/2010/main" showMasterSp="1" showMasterPhAnim="1">
+<p:sld xmlns:a="http://schemas.openxmlformats.org/drawingml/2006/main" xmlns:r="http://schemas.openxmlformats.org/officeDocument/2006/relationships" xmlns:p="http://schemas.openxmlformats.org/presentationml/2006/main">
   <p:cSld>
     <p:spTree>
       <p:nvGrpSpPr>
@@ -5877,7 +5952,9 @@
       <p:sp>
         <p:nvSpPr>
           <p:cNvPr id="186" name="BUT THAT’S NOT ALL"/>
-          <p:cNvSpPr txBox="1"/>
+          <p:cNvSpPr txBox="1">
+            <a:spLocks noGrp="1"/>
+          </p:cNvSpPr>
           <p:nvPr>
             <p:ph type="body" sz="half" idx="1"/>
           </p:nvPr>
@@ -5899,7 +5976,6 @@
             </a:lvl1pPr>
           </a:lstStyle>
           <a:p>
-            <a:pPr/>
             <a:r>
               <a:t>BUT THAT’S NOT ALL</a:t>
             </a:r>
@@ -5911,14 +5987,14 @@
   <p:clrMapOvr>
     <a:masterClrMapping/>
   </p:clrMapOvr>
-  <p:transition xmlns:p14="http://schemas.microsoft.com/office/powerpoint/2010/main" spd="med" advClick="1"/>
+  <p:transition spd="med"/>
   <p:timing>
     <p:tnLst>
       <p:par>
-        <p:cTn id="1" nodeType="tmRoot" restart="never" dur="indefinite" fill="hold">
+        <p:cTn id="1" dur="indefinite" restart="never" fill="hold" nodeType="tmRoot">
           <p:childTnLst>
             <p:seq concurrent="1" prevAc="none" nextAc="seek">
-              <p:cTn id="2" nodeType="mainSeq" dur="indefinite" fill="hold">
+              <p:cTn id="2" dur="indefinite" fill="hold" nodeType="mainSeq">
                 <p:childTnLst>
                   <p:par>
                     <p:cTn id="3" fill="hold">
@@ -5933,11 +6009,11 @@
                             </p:stCondLst>
                             <p:childTnLst>
                               <p:par>
-                                <p:cTn id="5" presetClass="entr" nodeType="clickEffect" presetSubtype="9" presetID="15" grpId="1" fill="hold">
+                                <p:cTn id="5" presetID="15" presetClass="entr" presetSubtype="9" fill="hold" grpId="1" nodeType="clickEffect">
                                   <p:stCondLst>
                                     <p:cond delay="0"/>
                                   </p:stCondLst>
-                                  <p:iterate type="el" backwards="0">
+                                  <p:iterate>
                                     <p:tmAbs val="0"/>
                                   </p:iterate>
                                   <p:childTnLst>
@@ -6059,14 +6135,14 @@
                 </p:childTnLst>
               </p:cTn>
               <p:prevCondLst>
-                <p:cond evt="onPrev">
+                <p:cond evt="onPrev" delay="0">
                   <p:tgtEl>
                     <p:sldTgt/>
                   </p:tgtEl>
                 </p:cond>
               </p:prevCondLst>
               <p:nextCondLst>
-                <p:cond evt="onNext">
+                <p:cond evt="onNext" delay="0">
                   <p:tgtEl>
                     <p:sldTgt/>
                   </p:tgtEl>
@@ -6078,14 +6154,14 @@
       </p:par>
     </p:tnLst>
     <p:bldLst>
-      <p:bldP build="whole" bldLvl="1" animBg="1" rev="0" advAuto="0" spid="186" grpId="1"/>
+      <p:bldP spid="186" grpId="1" animBg="1" advAuto="0"/>
     </p:bldLst>
   </p:timing>
 </p:sld>
 </file>
 
 <file path=ppt/slides/slide6.xml><?xml version="1.0" encoding="utf-8"?>
-<p:sld xmlns:a="http://schemas.openxmlformats.org/drawingml/2006/main" xmlns:r="http://schemas.openxmlformats.org/officeDocument/2006/relationships" xmlns:p="http://schemas.openxmlformats.org/presentationml/2006/main" xmlns:m="http://schemas.openxmlformats.org/officeDocument/2006/math" xmlns:a14="http://schemas.microsoft.com/office/drawing/2010/main" showMasterSp="1" showMasterPhAnim="1">
+<p:sld xmlns:a="http://schemas.openxmlformats.org/drawingml/2006/main" xmlns:r="http://schemas.openxmlformats.org/officeDocument/2006/relationships" xmlns:p="http://schemas.openxmlformats.org/presentationml/2006/main">
   <p:cSld>
     <p:spTree>
       <p:nvGrpSpPr>
@@ -6104,7 +6180,9 @@
       <p:sp>
         <p:nvSpPr>
           <p:cNvPr id="188" name="Health…"/>
-          <p:cNvSpPr txBox="1"/>
+          <p:cNvSpPr txBox="1">
+            <a:spLocks noGrp="1"/>
+          </p:cNvSpPr>
           <p:nvPr>
             <p:ph type="body" sz="half" idx="1"/>
           </p:nvPr>
@@ -6118,7 +6196,6 @@
           <a:bodyPr/>
           <a:lstStyle/>
           <a:p>
-            <a:pPr/>
             <a:r>
               <a:t>Health </a:t>
             </a:r>
@@ -6146,7 +6223,9 @@
       <p:sp>
         <p:nvSpPr>
           <p:cNvPr id="189" name="IMT Group 02 Eit 2020 valmiera"/>
-          <p:cNvSpPr txBox="1"/>
+          <p:cNvSpPr txBox="1">
+            <a:spLocks noGrp="1"/>
+          </p:cNvSpPr>
           <p:nvPr>
             <p:ph type="body" idx="22"/>
           </p:nvPr>
@@ -6157,7 +6236,7 @@
           </a:prstGeom>
           <a:extLst>
             <a:ext uri="{C572A759-6A51-4108-AA02-DFA0A04FC94B}">
-              <ma14:wrappingTextBoxFlag xmlns:ma14="http://schemas.microsoft.com/office/mac/drawingml/2011/main" val="1"/>
+              <ma14:wrappingTextBoxFlag xmlns:ma14="http://schemas.microsoft.com/office/mac/drawingml/2011/main" xmlns:a14="http://schemas.microsoft.com/office/drawing/2010/main" xmlns:m="http://schemas.openxmlformats.org/officeDocument/2006/math" xmlns="" val="1"/>
             </a:ext>
           </a:extLst>
         </p:spPr>
@@ -6165,7 +6244,6 @@
           <a:bodyPr/>
           <a:lstStyle/>
           <a:p>
-            <a:pPr/>
             <a:r>
               <a:t>IMT Group 02 Eit 2020 valmiera</a:t>
             </a:r>
@@ -6175,7 +6253,9 @@
       <p:sp>
         <p:nvSpPr>
           <p:cNvPr id="190" name="LaTEst news!"/>
-          <p:cNvSpPr txBox="1"/>
+          <p:cNvSpPr txBox="1">
+            <a:spLocks noGrp="1"/>
+          </p:cNvSpPr>
           <p:nvPr>
             <p:ph type="title"/>
           </p:nvPr>
@@ -6197,7 +6277,6 @@
             </a:lvl1pPr>
           </a:lstStyle>
           <a:p>
-            <a:pPr/>
             <a:r>
               <a:t>LaTEst news!</a:t>
             </a:r>
@@ -6207,7 +6286,9 @@
       <p:sp>
         <p:nvSpPr>
           <p:cNvPr id="191" name="With integrated API service"/>
-          <p:cNvSpPr txBox="1"/>
+          <p:cNvSpPr txBox="1">
+            <a:spLocks noGrp="1"/>
+          </p:cNvSpPr>
           <p:nvPr>
             <p:ph type="body" idx="23"/>
           </p:nvPr>
@@ -6218,7 +6299,7 @@
           </a:prstGeom>
           <a:extLst>
             <a:ext uri="{C572A759-6A51-4108-AA02-DFA0A04FC94B}">
-              <ma14:wrappingTextBoxFlag xmlns:ma14="http://schemas.microsoft.com/office/mac/drawingml/2011/main" val="1"/>
+              <ma14:wrappingTextBoxFlag xmlns:ma14="http://schemas.microsoft.com/office/mac/drawingml/2011/main" xmlns:a14="http://schemas.microsoft.com/office/drawing/2010/main" xmlns:m="http://schemas.openxmlformats.org/officeDocument/2006/math" xmlns="" val="1"/>
             </a:ext>
           </a:extLst>
         </p:spPr>
@@ -6226,7 +6307,6 @@
           <a:bodyPr/>
           <a:lstStyle/>
           <a:p>
-            <a:pPr/>
             <a:r>
               <a:t>With integrated API service</a:t>
             </a:r>
@@ -6242,9 +6322,7 @@
           <p:nvPr/>
         </p:nvPicPr>
         <p:blipFill>
-          <a:blip r:embed="rId2">
-            <a:extLst/>
-          </a:blip>
+          <a:blip r:embed="rId2"/>
           <a:stretch>
             <a:fillRect/>
           </a:stretch>
@@ -6267,14 +6345,14 @@
   <p:clrMapOvr>
     <a:masterClrMapping/>
   </p:clrMapOvr>
-  <p:transition xmlns:p14="http://schemas.microsoft.com/office/powerpoint/2010/main" spd="med" advClick="1"/>
+  <p:transition spd="med"/>
   <p:timing>
     <p:tnLst>
       <p:par>
-        <p:cTn id="1" nodeType="tmRoot" restart="never" dur="indefinite" fill="hold">
+        <p:cTn id="1" dur="indefinite" restart="never" fill="hold" nodeType="tmRoot">
           <p:childTnLst>
             <p:seq concurrent="1" prevAc="none" nextAc="seek">
-              <p:cTn id="2" nodeType="mainSeq" dur="indefinite" fill="hold">
+              <p:cTn id="2" dur="indefinite" fill="hold" nodeType="mainSeq">
                 <p:childTnLst>
                   <p:par>
                     <p:cTn id="3" fill="hold">
@@ -6289,11 +6367,11 @@
                             </p:stCondLst>
                             <p:childTnLst>
                               <p:par>
-                                <p:cTn id="5" presetClass="entr" nodeType="clickEffect" presetSubtype="0" presetID="1" grpId="1" fill="hold">
+                                <p:cTn id="5" presetID="1" presetClass="entr" presetSubtype="0" fill="hold" grpId="1" nodeType="clickEffect">
                                   <p:stCondLst>
                                     <p:cond delay="0"/>
                                   </p:stCondLst>
-                                  <p:iterate type="wd" backwards="0">
+                                  <p:iterate type="wd">
                                     <p:tmAbs val="0"/>
                                   </p:iterate>
                                   <p:childTnLst>
@@ -6317,11 +6395,11 @@
                                 </p:cTn>
                               </p:par>
                               <p:par>
-                                <p:cTn id="7" presetClass="entr" nodeType="withEffect" presetSubtype="0" presetID="1" grpId="1" fill="hold">
+                                <p:cTn id="7" presetID="1" presetClass="entr" presetSubtype="0" fill="hold" grpId="1" nodeType="withEffect">
                                   <p:stCondLst>
                                     <p:cond delay="0"/>
                                   </p:stCondLst>
-                                  <p:iterate type="wd" backwards="0">
+                                  <p:iterate type="wd">
                                     <p:tmAbs val="0"/>
                                   </p:iterate>
                                   <p:childTnLst>
@@ -6365,11 +6443,11 @@
                             </p:stCondLst>
                             <p:childTnLst>
                               <p:par>
-                                <p:cTn id="11" presetClass="entr" nodeType="clickEffect" presetSubtype="0" presetID="1" grpId="1" fill="hold">
+                                <p:cTn id="11" presetID="1" presetClass="entr" presetSubtype="0" fill="hold" grpId="1" nodeType="clickEffect">
                                   <p:stCondLst>
                                     <p:cond delay="0"/>
                                   </p:stCondLst>
-                                  <p:iterate type="wd" backwards="0">
+                                  <p:iterate type="wd">
                                     <p:tmAbs val="0"/>
                                   </p:iterate>
                                   <p:childTnLst>
@@ -6413,11 +6491,11 @@
                             </p:stCondLst>
                             <p:childTnLst>
                               <p:par>
-                                <p:cTn id="15" presetClass="entr" nodeType="clickEffect" presetSubtype="0" presetID="1" grpId="1" fill="hold">
+                                <p:cTn id="15" presetID="1" presetClass="entr" presetSubtype="0" fill="hold" grpId="1" nodeType="clickEffect">
                                   <p:stCondLst>
                                     <p:cond delay="0"/>
                                   </p:stCondLst>
-                                  <p:iterate type="wd" backwards="0">
+                                  <p:iterate type="wd">
                                     <p:tmAbs val="0"/>
                                   </p:iterate>
                                   <p:childTnLst>
@@ -6461,11 +6539,11 @@
                             </p:stCondLst>
                             <p:childTnLst>
                               <p:par>
-                                <p:cTn id="19" presetClass="entr" nodeType="clickEffect" presetSubtype="0" presetID="1" grpId="1" fill="hold">
+                                <p:cTn id="19" presetID="1" presetClass="entr" presetSubtype="0" fill="hold" grpId="1" nodeType="clickEffect">
                                   <p:stCondLst>
                                     <p:cond delay="0"/>
                                   </p:stCondLst>
-                                  <p:iterate type="wd" backwards="0">
+                                  <p:iterate type="wd">
                                     <p:tmAbs val="0"/>
                                   </p:iterate>
                                   <p:childTnLst>
@@ -6499,14 +6577,14 @@
                 </p:childTnLst>
               </p:cTn>
               <p:prevCondLst>
-                <p:cond evt="onPrev">
+                <p:cond evt="onPrev" delay="0">
                   <p:tgtEl>
                     <p:sldTgt/>
                   </p:tgtEl>
                 </p:cond>
               </p:prevCondLst>
               <p:nextCondLst>
-                <p:cond evt="onNext">
+                <p:cond evt="onNext" delay="0">
                   <p:tgtEl>
                     <p:sldTgt/>
                   </p:tgtEl>
@@ -6518,14 +6596,14 @@
       </p:par>
     </p:tnLst>
     <p:bldLst>
-      <p:bldP build="p" bldLvl="5" animBg="1" rev="0" advAuto="0" spid="188" grpId="1"/>
+      <p:bldP spid="188" grpId="1" build="p" bldLvl="5" animBg="1" advAuto="0"/>
     </p:bldLst>
   </p:timing>
 </p:sld>
 </file>
 
 <file path=ppt/slides/slide7.xml><?xml version="1.0" encoding="utf-8"?>
-<p:sld xmlns:a="http://schemas.openxmlformats.org/drawingml/2006/main" xmlns:r="http://schemas.openxmlformats.org/officeDocument/2006/relationships" xmlns:p="http://schemas.openxmlformats.org/presentationml/2006/main" xmlns:m="http://schemas.openxmlformats.org/officeDocument/2006/math" xmlns:a14="http://schemas.microsoft.com/office/drawing/2010/main" showMasterSp="1" showMasterPhAnim="1">
+<p:sld xmlns:a="http://schemas.openxmlformats.org/drawingml/2006/main" xmlns:r="http://schemas.openxmlformats.org/officeDocument/2006/relationships" xmlns:p="http://schemas.openxmlformats.org/presentationml/2006/main">
   <p:cSld>
     <p:spTree>
       <p:nvGrpSpPr>
@@ -6544,7 +6622,9 @@
       <p:sp>
         <p:nvSpPr>
           <p:cNvPr id="194" name="Download TODAY!"/>
-          <p:cNvSpPr txBox="1"/>
+          <p:cNvSpPr txBox="1">
+            <a:spLocks noGrp="1"/>
+          </p:cNvSpPr>
           <p:nvPr>
             <p:ph type="title"/>
           </p:nvPr>
@@ -6562,7 +6642,7 @@
           <a:bodyPr/>
           <a:lstStyle>
             <a:lvl1pPr defTabSz="775969">
-              <a:defRPr spc="-383" sz="9588">
+              <a:defRPr sz="9588" spc="-383">
                 <a:solidFill>
                   <a:schemeClr val="accent1"/>
                 </a:solidFill>
@@ -6570,7 +6650,6 @@
             </a:lvl1pPr>
           </a:lstStyle>
           <a:p>
-            <a:pPr/>
             <a:r>
               <a:t>Download TODAY! </a:t>
             </a:r>
@@ -6596,13 +6675,13 @@
           </a:ln>
           <a:extLst>
             <a:ext uri="{C572A759-6A51-4108-AA02-DFA0A04FC94B}">
-              <ma14:wrappingTextBoxFlag xmlns:ma14="http://schemas.microsoft.com/office/mac/drawingml/2011/main" val="1"/>
+              <ma14:wrappingTextBoxFlag xmlns:ma14="http://schemas.microsoft.com/office/mac/drawingml/2011/main" xmlns:a14="http://schemas.microsoft.com/office/drawing/2010/main" xmlns:m="http://schemas.openxmlformats.org/officeDocument/2006/math" xmlns="" val="1"/>
             </a:ext>
           </a:extLst>
         </p:spPr>
         <p:txBody>
           <a:bodyPr lIns="50800" tIns="50800" rIns="50800" bIns="50800" anchor="ctr">
-            <a:normAutofit fontScale="100000" lnSpcReduction="0"/>
+            <a:normAutofit/>
           </a:bodyPr>
           <a:lstStyle/>
           <a:p>
@@ -6611,7 +6690,7 @@
                 <a:spcPts val="0"/>
               </a:spcBef>
               <a:tabLst/>
-              <a:defRPr b="1" cap="all" spc="-408" sz="10200">
+              <a:defRPr sz="10200" b="1" cap="all" spc="-408">
                 <a:latin typeface="+mn-lt"/>
                 <a:ea typeface="+mn-ea"/>
                 <a:cs typeface="+mn-cs"/>
@@ -6651,13 +6730,13 @@
           </a:ln>
           <a:extLst>
             <a:ext uri="{C572A759-6A51-4108-AA02-DFA0A04FC94B}">
-              <ma14:wrappingTextBoxFlag xmlns:ma14="http://schemas.microsoft.com/office/mac/drawingml/2011/main" val="1"/>
+              <ma14:wrappingTextBoxFlag xmlns:ma14="http://schemas.microsoft.com/office/mac/drawingml/2011/main" xmlns:a14="http://schemas.microsoft.com/office/drawing/2010/main" xmlns:m="http://schemas.openxmlformats.org/officeDocument/2006/math" xmlns="" val="1"/>
             </a:ext>
           </a:extLst>
         </p:spPr>
         <p:txBody>
           <a:bodyPr lIns="50800" tIns="50800" rIns="50800" bIns="50800" anchor="ctr">
-            <a:normAutofit fontScale="100000" lnSpcReduction="0"/>
+            <a:normAutofit/>
           </a:bodyPr>
           <a:lstStyle>
             <a:lvl1pPr algn="l" defTabSz="825500">
@@ -6665,7 +6744,7 @@
                 <a:spcPts val="0"/>
               </a:spcBef>
               <a:tabLst/>
-              <a:defRPr b="1" cap="all" spc="-408" sz="10200">
+              <a:defRPr sz="10200" b="1" cap="all" spc="-408">
                 <a:latin typeface="+mn-lt"/>
                 <a:ea typeface="+mn-ea"/>
                 <a:cs typeface="+mn-cs"/>
@@ -6674,7 +6753,6 @@
             </a:lvl1pPr>
           </a:lstStyle>
           <a:p>
-            <a:pPr/>
             <a:r>
               <a:t> ♥️</a:t>
             </a:r>
@@ -6700,13 +6778,13 @@
           </a:ln>
           <a:extLst>
             <a:ext uri="{C572A759-6A51-4108-AA02-DFA0A04FC94B}">
-              <ma14:wrappingTextBoxFlag xmlns:ma14="http://schemas.microsoft.com/office/mac/drawingml/2011/main" val="1"/>
+              <ma14:wrappingTextBoxFlag xmlns:ma14="http://schemas.microsoft.com/office/mac/drawingml/2011/main" xmlns:a14="http://schemas.microsoft.com/office/drawing/2010/main" xmlns:m="http://schemas.openxmlformats.org/officeDocument/2006/math" xmlns="" val="1"/>
             </a:ext>
           </a:extLst>
         </p:spPr>
         <p:txBody>
           <a:bodyPr lIns="50800" tIns="50800" rIns="50800" bIns="50800">
-            <a:normAutofit fontScale="100000" lnSpcReduction="0"/>
+            <a:normAutofit/>
           </a:bodyPr>
           <a:lstStyle>
             <a:lvl1pPr algn="l" defTabSz="584200">
@@ -6717,7 +6795,7 @@
                 <a:spcPts val="3200"/>
               </a:spcBef>
               <a:tabLst/>
-              <a:defRPr cap="all" spc="-59" sz="2000">
+              <a:defRPr sz="2000" cap="all" spc="-59">
                 <a:latin typeface="Graphik Medium"/>
                 <a:ea typeface="Graphik Medium"/>
                 <a:cs typeface="Graphik Medium"/>
@@ -6726,7 +6804,6 @@
             </a:lvl1pPr>
           </a:lstStyle>
           <a:p>
-            <a:pPr/>
             <a:r>
               <a:t>IMT Group 02 Eit 2020 valmiera</a:t>
             </a:r>
@@ -6738,14 +6815,14 @@
   <p:clrMapOvr>
     <a:masterClrMapping/>
   </p:clrMapOvr>
-  <p:transition xmlns:p14="http://schemas.microsoft.com/office/powerpoint/2010/main" spd="med" advClick="0" advTm="0"/>
+  <p:transition spd="med" advClick="0" advTm="0"/>
   <p:timing>
     <p:tnLst>
       <p:par>
-        <p:cTn id="1" nodeType="tmRoot" restart="never" dur="indefinite" fill="hold">
+        <p:cTn id="1" dur="indefinite" restart="never" fill="hold" nodeType="tmRoot">
           <p:childTnLst>
             <p:seq concurrent="1" prevAc="none" nextAc="seek">
-              <p:cTn id="2" nodeType="mainSeq" dur="indefinite" fill="hold">
+              <p:cTn id="2" dur="indefinite" fill="hold" nodeType="mainSeq">
                 <p:childTnLst>
                   <p:par>
                     <p:cTn id="3" fill="hold">
@@ -6760,12 +6837,12 @@
                             </p:stCondLst>
                             <p:childTnLst>
                               <p:par>
-                                <p:cTn id="5" presetClass="emph" nodeType="clickEffect" presetSubtype="0" presetID="26" grpId="1" fill="hold">
+                                <p:cTn id="5" presetID="26" presetClass="emph" presetSubtype="0" fill="hold" grpId="1" nodeType="clickEffect">
                                   <p:stCondLst>
                                     <p:cond delay="0"/>
                                   </p:stCondLst>
                                   <p:childTnLst>
-                                    <p:animEffect filter="fade" transition="out">
+                                    <p:animEffect transition="out" filter="fade">
                                       <p:cBhvr>
                                         <p:cTn id="6" dur="3000" fill="hold" tmFilter="0, 0; .2, .5; .8, .5; 1, 0"/>
                                         <p:tgtEl>
@@ -6775,7 +6852,7 @@
                                     </p:animEffect>
                                     <p:animScale>
                                       <p:cBhvr>
-                                        <p:cTn id="7" dur="1500" fill="hold" autoRev="1"/>
+                                        <p:cTn id="7" dur="1500" autoRev="1" fill="hold"/>
                                         <p:tgtEl>
                                           <p:spTgt spid="196"/>
                                         </p:tgtEl>
@@ -6794,14 +6871,14 @@
                 </p:childTnLst>
               </p:cTn>
               <p:prevCondLst>
-                <p:cond evt="onPrev">
+                <p:cond evt="onPrev" delay="0">
                   <p:tgtEl>
                     <p:sldTgt/>
                   </p:tgtEl>
                 </p:cond>
               </p:prevCondLst>
               <p:nextCondLst>
-                <p:cond evt="onNext">
+                <p:cond evt="onNext" delay="0">
                   <p:tgtEl>
                     <p:sldTgt/>
                   </p:tgtEl>
@@ -6813,14 +6890,14 @@
       </p:par>
     </p:tnLst>
     <p:bldLst>
-      <p:bldP build="whole" bldLvl="1" animBg="1" rev="0" advAuto="0" spid="196" grpId="1"/>
+      <p:bldP spid="196" grpId="1" animBg="1" advAuto="0"/>
     </p:bldLst>
   </p:timing>
 </p:sld>
 </file>
 
 <file path=ppt/theme/theme1.xml><?xml version="1.0" encoding="utf-8"?>
-<a:theme xmlns:a="http://schemas.openxmlformats.org/drawingml/2006/main" xmlns:r="http://schemas.openxmlformats.org/officeDocument/2006/relationships" name="27_Showcase">
+<a:theme xmlns:a="http://schemas.openxmlformats.org/drawingml/2006/main" name="27_Showcase">
   <a:themeElements>
     <a:clrScheme name="27_Showcase">
       <a:dk1>
@@ -7019,7 +7096,7 @@
         <a:effectLst/>
         <a:sp3d/>
       </a:spPr>
-      <a:bodyPr rot="0" spcFirstLastPara="1" vertOverflow="overflow" horzOverflow="overflow" vert="horz" wrap="square" lIns="50800" tIns="50800" rIns="50800" bIns="50800" numCol="1" spcCol="38100" rtlCol="0" anchor="ctr" upright="0">
+      <a:bodyPr rot="0" spcFirstLastPara="1" vertOverflow="overflow" horzOverflow="overflow" vert="horz" wrap="square" lIns="50800" tIns="50800" rIns="50800" bIns="50800" numCol="1" spcCol="38100" rtlCol="0" anchor="ctr">
         <a:spAutoFit/>
       </a:bodyPr>
       <a:lstStyle>
@@ -7038,7 +7115,7 @@
           <a:buFontTx/>
           <a:buNone/>
           <a:tabLst/>
-          <a:defRPr b="0" baseline="0" cap="none" i="0" spc="-44" strike="noStrike" sz="2200" u="none" kumimoji="0" normalizeH="0">
+          <a:defRPr kumimoji="0" sz="2200" b="0" i="0" u="none" strike="noStrike" cap="none" spc="-44" normalizeH="0" baseline="0">
             <a:ln>
               <a:noFill/>
             </a:ln>
@@ -7068,7 +7145,7 @@
           <a:buFontTx/>
           <a:buNone/>
           <a:tabLst/>
-          <a:defRPr b="0" baseline="0" cap="none" i="0" spc="0" strike="noStrike" sz="1800" u="none" kumimoji="0" normalizeH="0">
+          <a:defRPr kumimoji="0" sz="1800" b="0" i="0" u="none" strike="noStrike" cap="none" spc="0" normalizeH="0" baseline="0">
             <a:ln>
               <a:noFill/>
             </a:ln>
@@ -7094,7 +7171,7 @@
           <a:buFontTx/>
           <a:buNone/>
           <a:tabLst/>
-          <a:defRPr b="0" baseline="0" cap="none" i="0" spc="0" strike="noStrike" sz="1800" u="none" kumimoji="0" normalizeH="0">
+          <a:defRPr kumimoji="0" sz="1800" b="0" i="0" u="none" strike="noStrike" cap="none" spc="0" normalizeH="0" baseline="0">
             <a:ln>
               <a:noFill/>
             </a:ln>
@@ -7120,7 +7197,7 @@
           <a:buFontTx/>
           <a:buNone/>
           <a:tabLst/>
-          <a:defRPr b="0" baseline="0" cap="none" i="0" spc="0" strike="noStrike" sz="1800" u="none" kumimoji="0" normalizeH="0">
+          <a:defRPr kumimoji="0" sz="1800" b="0" i="0" u="none" strike="noStrike" cap="none" spc="0" normalizeH="0" baseline="0">
             <a:ln>
               <a:noFill/>
             </a:ln>
@@ -7146,7 +7223,7 @@
           <a:buFontTx/>
           <a:buNone/>
           <a:tabLst/>
-          <a:defRPr b="0" baseline="0" cap="none" i="0" spc="0" strike="noStrike" sz="1800" u="none" kumimoji="0" normalizeH="0">
+          <a:defRPr kumimoji="0" sz="1800" b="0" i="0" u="none" strike="noStrike" cap="none" spc="0" normalizeH="0" baseline="0">
             <a:ln>
               <a:noFill/>
             </a:ln>
@@ -7172,7 +7249,7 @@
           <a:buFontTx/>
           <a:buNone/>
           <a:tabLst/>
-          <a:defRPr b="0" baseline="0" cap="none" i="0" spc="0" strike="noStrike" sz="1800" u="none" kumimoji="0" normalizeH="0">
+          <a:defRPr kumimoji="0" sz="1800" b="0" i="0" u="none" strike="noStrike" cap="none" spc="0" normalizeH="0" baseline="0">
             <a:ln>
               <a:noFill/>
             </a:ln>
@@ -7198,7 +7275,7 @@
           <a:buFontTx/>
           <a:buNone/>
           <a:tabLst/>
-          <a:defRPr b="0" baseline="0" cap="none" i="0" spc="0" strike="noStrike" sz="1800" u="none" kumimoji="0" normalizeH="0">
+          <a:defRPr kumimoji="0" sz="1800" b="0" i="0" u="none" strike="noStrike" cap="none" spc="0" normalizeH="0" baseline="0">
             <a:ln>
               <a:noFill/>
             </a:ln>
@@ -7224,7 +7301,7 @@
           <a:buFontTx/>
           <a:buNone/>
           <a:tabLst/>
-          <a:defRPr b="0" baseline="0" cap="none" i="0" spc="0" strike="noStrike" sz="1800" u="none" kumimoji="0" normalizeH="0">
+          <a:defRPr kumimoji="0" sz="1800" b="0" i="0" u="none" strike="noStrike" cap="none" spc="0" normalizeH="0" baseline="0">
             <a:ln>
               <a:noFill/>
             </a:ln>
@@ -7250,7 +7327,7 @@
           <a:buFontTx/>
           <a:buNone/>
           <a:tabLst/>
-          <a:defRPr b="0" baseline="0" cap="none" i="0" spc="0" strike="noStrike" sz="1800" u="none" kumimoji="0" normalizeH="0">
+          <a:defRPr kumimoji="0" sz="1800" b="0" i="0" u="none" strike="noStrike" cap="none" spc="0" normalizeH="0" baseline="0">
             <a:ln>
               <a:noFill/>
             </a:ln>
@@ -7276,7 +7353,7 @@
           <a:buFontTx/>
           <a:buNone/>
           <a:tabLst/>
-          <a:defRPr b="0" baseline="0" cap="none" i="0" spc="0" strike="noStrike" sz="1800" u="none" kumimoji="0" normalizeH="0">
+          <a:defRPr kumimoji="0" sz="1800" b="0" i="0" u="none" strike="noStrike" cap="none" spc="0" normalizeH="0" baseline="0">
             <a:ln>
               <a:noFill/>
             </a:ln>
@@ -7289,9 +7366,15 @@
         </a:lvl9pPr>
       </a:lstStyle>
       <a:style>
-        <a:lnRef idx="0"/>
-        <a:fillRef idx="0"/>
-        <a:effectRef idx="0"/>
+        <a:lnRef idx="0">
+          <a:scrgbClr r="0" g="0" b="0"/>
+        </a:lnRef>
+        <a:fillRef idx="0">
+          <a:scrgbClr r="0" g="0" b="0"/>
+        </a:fillRef>
+        <a:effectRef idx="0">
+          <a:scrgbClr r="0" g="0" b="0"/>
+        </a:effectRef>
         <a:fontRef idx="none"/>
       </a:style>
     </a:spDef>
@@ -7308,7 +7391,7 @@
         <a:effectLst/>
         <a:sp3d/>
       </a:spPr>
-      <a:bodyPr rot="0" spcFirstLastPara="1" vertOverflow="overflow" horzOverflow="overflow" vert="horz" wrap="square" lIns="91439" tIns="45719" rIns="91439" bIns="45719" numCol="1" spcCol="38100" rtlCol="0" anchor="t" upright="0">
+      <a:bodyPr rot="0" spcFirstLastPara="1" vertOverflow="overflow" horzOverflow="overflow" vert="horz" wrap="square" lIns="91439" tIns="45719" rIns="91439" bIns="45719" numCol="1" spcCol="38100" rtlCol="0" anchor="t">
         <a:noAutofit/>
       </a:bodyPr>
       <a:lstStyle>
@@ -7327,7 +7410,7 @@
           <a:buFontTx/>
           <a:buNone/>
           <a:tabLst/>
-          <a:defRPr b="0" baseline="0" cap="none" i="0" spc="0" strike="noStrike" sz="1800" u="none" kumimoji="0" normalizeH="0">
+          <a:defRPr kumimoji="0" sz="1800" b="0" i="0" u="none" strike="noStrike" cap="none" spc="0" normalizeH="0" baseline="0">
             <a:ln>
               <a:noFill/>
             </a:ln>
@@ -7353,7 +7436,7 @@
           <a:buFontTx/>
           <a:buNone/>
           <a:tabLst/>
-          <a:defRPr b="0" baseline="0" cap="none" i="0" spc="0" strike="noStrike" sz="1800" u="none" kumimoji="0" normalizeH="0">
+          <a:defRPr kumimoji="0" sz="1800" b="0" i="0" u="none" strike="noStrike" cap="none" spc="0" normalizeH="0" baseline="0">
             <a:ln>
               <a:noFill/>
             </a:ln>
@@ -7379,7 +7462,7 @@
           <a:buFontTx/>
           <a:buNone/>
           <a:tabLst/>
-          <a:defRPr b="0" baseline="0" cap="none" i="0" spc="0" strike="noStrike" sz="1800" u="none" kumimoji="0" normalizeH="0">
+          <a:defRPr kumimoji="0" sz="1800" b="0" i="0" u="none" strike="noStrike" cap="none" spc="0" normalizeH="0" baseline="0">
             <a:ln>
               <a:noFill/>
             </a:ln>
@@ -7405,7 +7488,7 @@
           <a:buFontTx/>
           <a:buNone/>
           <a:tabLst/>
-          <a:defRPr b="0" baseline="0" cap="none" i="0" spc="0" strike="noStrike" sz="1800" u="none" kumimoji="0" normalizeH="0">
+          <a:defRPr kumimoji="0" sz="1800" b="0" i="0" u="none" strike="noStrike" cap="none" spc="0" normalizeH="0" baseline="0">
             <a:ln>
               <a:noFill/>
             </a:ln>
@@ -7431,7 +7514,7 @@
           <a:buFontTx/>
           <a:buNone/>
           <a:tabLst/>
-          <a:defRPr b="0" baseline="0" cap="none" i="0" spc="0" strike="noStrike" sz="1800" u="none" kumimoji="0" normalizeH="0">
+          <a:defRPr kumimoji="0" sz="1800" b="0" i="0" u="none" strike="noStrike" cap="none" spc="0" normalizeH="0" baseline="0">
             <a:ln>
               <a:noFill/>
             </a:ln>
@@ -7457,7 +7540,7 @@
           <a:buFontTx/>
           <a:buNone/>
           <a:tabLst/>
-          <a:defRPr b="0" baseline="0" cap="none" i="0" spc="0" strike="noStrike" sz="1800" u="none" kumimoji="0" normalizeH="0">
+          <a:defRPr kumimoji="0" sz="1800" b="0" i="0" u="none" strike="noStrike" cap="none" spc="0" normalizeH="0" baseline="0">
             <a:ln>
               <a:noFill/>
             </a:ln>
@@ -7483,7 +7566,7 @@
           <a:buFontTx/>
           <a:buNone/>
           <a:tabLst/>
-          <a:defRPr b="0" baseline="0" cap="none" i="0" spc="0" strike="noStrike" sz="1800" u="none" kumimoji="0" normalizeH="0">
+          <a:defRPr kumimoji="0" sz="1800" b="0" i="0" u="none" strike="noStrike" cap="none" spc="0" normalizeH="0" baseline="0">
             <a:ln>
               <a:noFill/>
             </a:ln>
@@ -7509,7 +7592,7 @@
           <a:buFontTx/>
           <a:buNone/>
           <a:tabLst/>
-          <a:defRPr b="0" baseline="0" cap="none" i="0" spc="0" strike="noStrike" sz="1800" u="none" kumimoji="0" normalizeH="0">
+          <a:defRPr kumimoji="0" sz="1800" b="0" i="0" u="none" strike="noStrike" cap="none" spc="0" normalizeH="0" baseline="0">
             <a:ln>
               <a:noFill/>
             </a:ln>
@@ -7535,7 +7618,7 @@
           <a:buFontTx/>
           <a:buNone/>
           <a:tabLst/>
-          <a:defRPr b="0" baseline="0" cap="none" i="0" spc="0" strike="noStrike" sz="1800" u="none" kumimoji="0" normalizeH="0">
+          <a:defRPr kumimoji="0" sz="1800" b="0" i="0" u="none" strike="noStrike" cap="none" spc="0" normalizeH="0" baseline="0">
             <a:ln>
               <a:noFill/>
             </a:ln>
@@ -7561,7 +7644,7 @@
           <a:buFontTx/>
           <a:buNone/>
           <a:tabLst/>
-          <a:defRPr b="0" baseline="0" cap="none" i="0" spc="0" strike="noStrike" sz="1800" u="none" kumimoji="0" normalizeH="0">
+          <a:defRPr kumimoji="0" sz="1800" b="0" i="0" u="none" strike="noStrike" cap="none" spc="0" normalizeH="0" baseline="0">
             <a:ln>
               <a:noFill/>
             </a:ln>
@@ -7574,9 +7657,15 @@
         </a:lvl9pPr>
       </a:lstStyle>
       <a:style>
-        <a:lnRef idx="0"/>
-        <a:fillRef idx="0"/>
-        <a:effectRef idx="0"/>
+        <a:lnRef idx="0">
+          <a:scrgbClr r="0" g="0" b="0"/>
+        </a:lnRef>
+        <a:fillRef idx="0">
+          <a:scrgbClr r="0" g="0" b="0"/>
+        </a:fillRef>
+        <a:effectRef idx="0">
+          <a:scrgbClr r="0" g="0" b="0"/>
+        </a:effectRef>
         <a:fontRef idx="none"/>
       </a:style>
     </a:lnDef>
@@ -7590,7 +7679,7 @@
         <a:effectLst/>
         <a:sp3d/>
       </a:spPr>
-      <a:bodyPr rot="0" spcFirstLastPara="1" vertOverflow="overflow" horzOverflow="overflow" vert="horz" wrap="square" lIns="50800" tIns="50800" rIns="50800" bIns="50800" numCol="1" spcCol="38100" rtlCol="0" anchor="ctr" upright="0">
+      <a:bodyPr rot="0" spcFirstLastPara="1" vertOverflow="overflow" horzOverflow="overflow" vert="horz" wrap="square" lIns="50800" tIns="50800" rIns="50800" bIns="50800" numCol="1" spcCol="38100" rtlCol="0" anchor="ctr">
         <a:spAutoFit/>
       </a:bodyPr>
       <a:lstStyle>
@@ -7611,7 +7700,7 @@
           <a:tabLst>
             <a:tab pos="812800" algn="l"/>
           </a:tabLst>
-          <a:defRPr b="0" baseline="0" cap="none" i="0" spc="-26" strike="noStrike" sz="2600" u="none" kumimoji="0" normalizeH="0">
+          <a:defRPr kumimoji="0" sz="2600" b="0" i="0" u="none" strike="noStrike" cap="none" spc="-26" normalizeH="0" baseline="0">
             <a:ln>
               <a:noFill/>
             </a:ln>
@@ -7641,7 +7730,7 @@
           <a:buFontTx/>
           <a:buNone/>
           <a:tabLst/>
-          <a:defRPr b="0" baseline="0" cap="none" i="0" spc="0" strike="noStrike" sz="1800" u="none" kumimoji="0" normalizeH="0">
+          <a:defRPr kumimoji="0" sz="1800" b="0" i="0" u="none" strike="noStrike" cap="none" spc="0" normalizeH="0" baseline="0">
             <a:ln>
               <a:noFill/>
             </a:ln>
@@ -7667,7 +7756,7 @@
           <a:buFontTx/>
           <a:buNone/>
           <a:tabLst/>
-          <a:defRPr b="0" baseline="0" cap="none" i="0" spc="0" strike="noStrike" sz="1800" u="none" kumimoji="0" normalizeH="0">
+          <a:defRPr kumimoji="0" sz="1800" b="0" i="0" u="none" strike="noStrike" cap="none" spc="0" normalizeH="0" baseline="0">
             <a:ln>
               <a:noFill/>
             </a:ln>
@@ -7693,7 +7782,7 @@
           <a:buFontTx/>
           <a:buNone/>
           <a:tabLst/>
-          <a:defRPr b="0" baseline="0" cap="none" i="0" spc="0" strike="noStrike" sz="1800" u="none" kumimoji="0" normalizeH="0">
+          <a:defRPr kumimoji="0" sz="1800" b="0" i="0" u="none" strike="noStrike" cap="none" spc="0" normalizeH="0" baseline="0">
             <a:ln>
               <a:noFill/>
             </a:ln>
@@ -7719,7 +7808,7 @@
           <a:buFontTx/>
           <a:buNone/>
           <a:tabLst/>
-          <a:defRPr b="0" baseline="0" cap="none" i="0" spc="0" strike="noStrike" sz="1800" u="none" kumimoji="0" normalizeH="0">
+          <a:defRPr kumimoji="0" sz="1800" b="0" i="0" u="none" strike="noStrike" cap="none" spc="0" normalizeH="0" baseline="0">
             <a:ln>
               <a:noFill/>
             </a:ln>
@@ -7745,7 +7834,7 @@
           <a:buFontTx/>
           <a:buNone/>
           <a:tabLst/>
-          <a:defRPr b="0" baseline="0" cap="none" i="0" spc="0" strike="noStrike" sz="1800" u="none" kumimoji="0" normalizeH="0">
+          <a:defRPr kumimoji="0" sz="1800" b="0" i="0" u="none" strike="noStrike" cap="none" spc="0" normalizeH="0" baseline="0">
             <a:ln>
               <a:noFill/>
             </a:ln>
@@ -7771,7 +7860,7 @@
           <a:buFontTx/>
           <a:buNone/>
           <a:tabLst/>
-          <a:defRPr b="0" baseline="0" cap="none" i="0" spc="0" strike="noStrike" sz="1800" u="none" kumimoji="0" normalizeH="0">
+          <a:defRPr kumimoji="0" sz="1800" b="0" i="0" u="none" strike="noStrike" cap="none" spc="0" normalizeH="0" baseline="0">
             <a:ln>
               <a:noFill/>
             </a:ln>
@@ -7797,7 +7886,7 @@
           <a:buFontTx/>
           <a:buNone/>
           <a:tabLst/>
-          <a:defRPr b="0" baseline="0" cap="none" i="0" spc="0" strike="noStrike" sz="1800" u="none" kumimoji="0" normalizeH="0">
+          <a:defRPr kumimoji="0" sz="1800" b="0" i="0" u="none" strike="noStrike" cap="none" spc="0" normalizeH="0" baseline="0">
             <a:ln>
               <a:noFill/>
             </a:ln>
@@ -7823,7 +7912,7 @@
           <a:buFontTx/>
           <a:buNone/>
           <a:tabLst/>
-          <a:defRPr b="0" baseline="0" cap="none" i="0" spc="0" strike="noStrike" sz="1800" u="none" kumimoji="0" normalizeH="0">
+          <a:defRPr kumimoji="0" sz="1800" b="0" i="0" u="none" strike="noStrike" cap="none" spc="0" normalizeH="0" baseline="0">
             <a:ln>
               <a:noFill/>
             </a:ln>
@@ -7849,7 +7938,7 @@
           <a:buFontTx/>
           <a:buNone/>
           <a:tabLst/>
-          <a:defRPr b="0" baseline="0" cap="none" i="0" spc="0" strike="noStrike" sz="1800" u="none" kumimoji="0" normalizeH="0">
+          <a:defRPr kumimoji="0" sz="1800" b="0" i="0" u="none" strike="noStrike" cap="none" spc="0" normalizeH="0" baseline="0">
             <a:ln>
               <a:noFill/>
             </a:ln>
@@ -7862,18 +7951,25 @@
         </a:lvl9pPr>
       </a:lstStyle>
       <a:style>
-        <a:lnRef idx="0"/>
-        <a:fillRef idx="0"/>
-        <a:effectRef idx="0"/>
+        <a:lnRef idx="0">
+          <a:scrgbClr r="0" g="0" b="0"/>
+        </a:lnRef>
+        <a:fillRef idx="0">
+          <a:scrgbClr r="0" g="0" b="0"/>
+        </a:fillRef>
+        <a:effectRef idx="0">
+          <a:scrgbClr r="0" g="0" b="0"/>
+        </a:effectRef>
         <a:fontRef idx="none"/>
       </a:style>
     </a:txDef>
   </a:objectDefaults>
+  <a:extraClrSchemeLst/>
 </a:theme>
 </file>
 
 <file path=ppt/theme/theme2.xml><?xml version="1.0" encoding="utf-8"?>
-<a:theme xmlns:a="http://schemas.openxmlformats.org/drawingml/2006/main" xmlns:r="http://schemas.openxmlformats.org/officeDocument/2006/relationships" name="27_Showcase">
+<a:theme xmlns:a="http://schemas.openxmlformats.org/drawingml/2006/main" name="27_Showcase">
   <a:themeElements>
     <a:clrScheme name="27_Showcase">
       <a:dk1>
@@ -8072,7 +8168,7 @@
         <a:effectLst/>
         <a:sp3d/>
       </a:spPr>
-      <a:bodyPr rot="0" spcFirstLastPara="1" vertOverflow="overflow" horzOverflow="overflow" vert="horz" wrap="square" lIns="50800" tIns="50800" rIns="50800" bIns="50800" numCol="1" spcCol="38100" rtlCol="0" anchor="ctr" upright="0">
+      <a:bodyPr rot="0" spcFirstLastPara="1" vertOverflow="overflow" horzOverflow="overflow" vert="horz" wrap="square" lIns="50800" tIns="50800" rIns="50800" bIns="50800" numCol="1" spcCol="38100" rtlCol="0" anchor="ctr">
         <a:spAutoFit/>
       </a:bodyPr>
       <a:lstStyle>
@@ -8091,7 +8187,7 @@
           <a:buFontTx/>
           <a:buNone/>
           <a:tabLst/>
-          <a:defRPr b="0" baseline="0" cap="none" i="0" spc="-44" strike="noStrike" sz="2200" u="none" kumimoji="0" normalizeH="0">
+          <a:defRPr kumimoji="0" sz="2200" b="0" i="0" u="none" strike="noStrike" cap="none" spc="-44" normalizeH="0" baseline="0">
             <a:ln>
               <a:noFill/>
             </a:ln>
@@ -8121,7 +8217,7 @@
           <a:buFontTx/>
           <a:buNone/>
           <a:tabLst/>
-          <a:defRPr b="0" baseline="0" cap="none" i="0" spc="0" strike="noStrike" sz="1800" u="none" kumimoji="0" normalizeH="0">
+          <a:defRPr kumimoji="0" sz="1800" b="0" i="0" u="none" strike="noStrike" cap="none" spc="0" normalizeH="0" baseline="0">
             <a:ln>
               <a:noFill/>
             </a:ln>
@@ -8147,7 +8243,7 @@
           <a:buFontTx/>
           <a:buNone/>
           <a:tabLst/>
-          <a:defRPr b="0" baseline="0" cap="none" i="0" spc="0" strike="noStrike" sz="1800" u="none" kumimoji="0" normalizeH="0">
+          <a:defRPr kumimoji="0" sz="1800" b="0" i="0" u="none" strike="noStrike" cap="none" spc="0" normalizeH="0" baseline="0">
             <a:ln>
               <a:noFill/>
             </a:ln>
@@ -8173,7 +8269,7 @@
           <a:buFontTx/>
           <a:buNone/>
           <a:tabLst/>
-          <a:defRPr b="0" baseline="0" cap="none" i="0" spc="0" strike="noStrike" sz="1800" u="none" kumimoji="0" normalizeH="0">
+          <a:defRPr kumimoji="0" sz="1800" b="0" i="0" u="none" strike="noStrike" cap="none" spc="0" normalizeH="0" baseline="0">
             <a:ln>
               <a:noFill/>
             </a:ln>
@@ -8199,7 +8295,7 @@
           <a:buFontTx/>
           <a:buNone/>
           <a:tabLst/>
-          <a:defRPr b="0" baseline="0" cap="none" i="0" spc="0" strike="noStrike" sz="1800" u="none" kumimoji="0" normalizeH="0">
+          <a:defRPr kumimoji="0" sz="1800" b="0" i="0" u="none" strike="noStrike" cap="none" spc="0" normalizeH="0" baseline="0">
             <a:ln>
               <a:noFill/>
             </a:ln>
@@ -8225,7 +8321,7 @@
           <a:buFontTx/>
           <a:buNone/>
           <a:tabLst/>
-          <a:defRPr b="0" baseline="0" cap="none" i="0" spc="0" strike="noStrike" sz="1800" u="none" kumimoji="0" normalizeH="0">
+          <a:defRPr kumimoji="0" sz="1800" b="0" i="0" u="none" strike="noStrike" cap="none" spc="0" normalizeH="0" baseline="0">
             <a:ln>
               <a:noFill/>
             </a:ln>
@@ -8251,7 +8347,7 @@
           <a:buFontTx/>
           <a:buNone/>
           <a:tabLst/>
-          <a:defRPr b="0" baseline="0" cap="none" i="0" spc="0" strike="noStrike" sz="1800" u="none" kumimoji="0" normalizeH="0">
+          <a:defRPr kumimoji="0" sz="1800" b="0" i="0" u="none" strike="noStrike" cap="none" spc="0" normalizeH="0" baseline="0">
             <a:ln>
               <a:noFill/>
             </a:ln>
@@ -8277,7 +8373,7 @@
           <a:buFontTx/>
           <a:buNone/>
           <a:tabLst/>
-          <a:defRPr b="0" baseline="0" cap="none" i="0" spc="0" strike="noStrike" sz="1800" u="none" kumimoji="0" normalizeH="0">
+          <a:defRPr kumimoji="0" sz="1800" b="0" i="0" u="none" strike="noStrike" cap="none" spc="0" normalizeH="0" baseline="0">
             <a:ln>
               <a:noFill/>
             </a:ln>
@@ -8303,7 +8399,7 @@
           <a:buFontTx/>
           <a:buNone/>
           <a:tabLst/>
-          <a:defRPr b="0" baseline="0" cap="none" i="0" spc="0" strike="noStrike" sz="1800" u="none" kumimoji="0" normalizeH="0">
+          <a:defRPr kumimoji="0" sz="1800" b="0" i="0" u="none" strike="noStrike" cap="none" spc="0" normalizeH="0" baseline="0">
             <a:ln>
               <a:noFill/>
             </a:ln>
@@ -8329,7 +8425,7 @@
           <a:buFontTx/>
           <a:buNone/>
           <a:tabLst/>
-          <a:defRPr b="0" baseline="0" cap="none" i="0" spc="0" strike="noStrike" sz="1800" u="none" kumimoji="0" normalizeH="0">
+          <a:defRPr kumimoji="0" sz="1800" b="0" i="0" u="none" strike="noStrike" cap="none" spc="0" normalizeH="0" baseline="0">
             <a:ln>
               <a:noFill/>
             </a:ln>
@@ -8342,9 +8438,15 @@
         </a:lvl9pPr>
       </a:lstStyle>
       <a:style>
-        <a:lnRef idx="0"/>
-        <a:fillRef idx="0"/>
-        <a:effectRef idx="0"/>
+        <a:lnRef idx="0">
+          <a:scrgbClr r="0" g="0" b="0"/>
+        </a:lnRef>
+        <a:fillRef idx="0">
+          <a:scrgbClr r="0" g="0" b="0"/>
+        </a:fillRef>
+        <a:effectRef idx="0">
+          <a:scrgbClr r="0" g="0" b="0"/>
+        </a:effectRef>
         <a:fontRef idx="none"/>
       </a:style>
     </a:spDef>
@@ -8361,7 +8463,7 @@
         <a:effectLst/>
         <a:sp3d/>
       </a:spPr>
-      <a:bodyPr rot="0" spcFirstLastPara="1" vertOverflow="overflow" horzOverflow="overflow" vert="horz" wrap="square" lIns="91439" tIns="45719" rIns="91439" bIns="45719" numCol="1" spcCol="38100" rtlCol="0" anchor="t" upright="0">
+      <a:bodyPr rot="0" spcFirstLastPara="1" vertOverflow="overflow" horzOverflow="overflow" vert="horz" wrap="square" lIns="91439" tIns="45719" rIns="91439" bIns="45719" numCol="1" spcCol="38100" rtlCol="0" anchor="t">
         <a:noAutofit/>
       </a:bodyPr>
       <a:lstStyle>
@@ -8380,7 +8482,7 @@
           <a:buFontTx/>
           <a:buNone/>
           <a:tabLst/>
-          <a:defRPr b="0" baseline="0" cap="none" i="0" spc="0" strike="noStrike" sz="1800" u="none" kumimoji="0" normalizeH="0">
+          <a:defRPr kumimoji="0" sz="1800" b="0" i="0" u="none" strike="noStrike" cap="none" spc="0" normalizeH="0" baseline="0">
             <a:ln>
               <a:noFill/>
             </a:ln>
@@ -8406,7 +8508,7 @@
           <a:buFontTx/>
           <a:buNone/>
           <a:tabLst/>
-          <a:defRPr b="0" baseline="0" cap="none" i="0" spc="0" strike="noStrike" sz="1800" u="none" kumimoji="0" normalizeH="0">
+          <a:defRPr kumimoji="0" sz="1800" b="0" i="0" u="none" strike="noStrike" cap="none" spc="0" normalizeH="0" baseline="0">
             <a:ln>
               <a:noFill/>
             </a:ln>
@@ -8432,7 +8534,7 @@
           <a:buFontTx/>
           <a:buNone/>
           <a:tabLst/>
-          <a:defRPr b="0" baseline="0" cap="none" i="0" spc="0" strike="noStrike" sz="1800" u="none" kumimoji="0" normalizeH="0">
+          <a:defRPr kumimoji="0" sz="1800" b="0" i="0" u="none" strike="noStrike" cap="none" spc="0" normalizeH="0" baseline="0">
             <a:ln>
               <a:noFill/>
             </a:ln>
@@ -8458,7 +8560,7 @@
           <a:buFontTx/>
           <a:buNone/>
           <a:tabLst/>
-          <a:defRPr b="0" baseline="0" cap="none" i="0" spc="0" strike="noStrike" sz="1800" u="none" kumimoji="0" normalizeH="0">
+          <a:defRPr kumimoji="0" sz="1800" b="0" i="0" u="none" strike="noStrike" cap="none" spc="0" normalizeH="0" baseline="0">
             <a:ln>
               <a:noFill/>
             </a:ln>
@@ -8484,7 +8586,7 @@
           <a:buFontTx/>
           <a:buNone/>
           <a:tabLst/>
-          <a:defRPr b="0" baseline="0" cap="none" i="0" spc="0" strike="noStrike" sz="1800" u="none" kumimoji="0" normalizeH="0">
+          <a:defRPr kumimoji="0" sz="1800" b="0" i="0" u="none" strike="noStrike" cap="none" spc="0" normalizeH="0" baseline="0">
             <a:ln>
               <a:noFill/>
             </a:ln>
@@ -8510,7 +8612,7 @@
           <a:buFontTx/>
           <a:buNone/>
           <a:tabLst/>
-          <a:defRPr b="0" baseline="0" cap="none" i="0" spc="0" strike="noStrike" sz="1800" u="none" kumimoji="0" normalizeH="0">
+          <a:defRPr kumimoji="0" sz="1800" b="0" i="0" u="none" strike="noStrike" cap="none" spc="0" normalizeH="0" baseline="0">
             <a:ln>
               <a:noFill/>
             </a:ln>
@@ -8536,7 +8638,7 @@
           <a:buFontTx/>
           <a:buNone/>
           <a:tabLst/>
-          <a:defRPr b="0" baseline="0" cap="none" i="0" spc="0" strike="noStrike" sz="1800" u="none" kumimoji="0" normalizeH="0">
+          <a:defRPr kumimoji="0" sz="1800" b="0" i="0" u="none" strike="noStrike" cap="none" spc="0" normalizeH="0" baseline="0">
             <a:ln>
               <a:noFill/>
             </a:ln>
@@ -8562,7 +8664,7 @@
           <a:buFontTx/>
           <a:buNone/>
           <a:tabLst/>
-          <a:defRPr b="0" baseline="0" cap="none" i="0" spc="0" strike="noStrike" sz="1800" u="none" kumimoji="0" normalizeH="0">
+          <a:defRPr kumimoji="0" sz="1800" b="0" i="0" u="none" strike="noStrike" cap="none" spc="0" normalizeH="0" baseline="0">
             <a:ln>
               <a:noFill/>
             </a:ln>
@@ -8588,7 +8690,7 @@
           <a:buFontTx/>
           <a:buNone/>
           <a:tabLst/>
-          <a:defRPr b="0" baseline="0" cap="none" i="0" spc="0" strike="noStrike" sz="1800" u="none" kumimoji="0" normalizeH="0">
+          <a:defRPr kumimoji="0" sz="1800" b="0" i="0" u="none" strike="noStrike" cap="none" spc="0" normalizeH="0" baseline="0">
             <a:ln>
               <a:noFill/>
             </a:ln>
@@ -8614,7 +8716,7 @@
           <a:buFontTx/>
           <a:buNone/>
           <a:tabLst/>
-          <a:defRPr b="0" baseline="0" cap="none" i="0" spc="0" strike="noStrike" sz="1800" u="none" kumimoji="0" normalizeH="0">
+          <a:defRPr kumimoji="0" sz="1800" b="0" i="0" u="none" strike="noStrike" cap="none" spc="0" normalizeH="0" baseline="0">
             <a:ln>
               <a:noFill/>
             </a:ln>
@@ -8627,9 +8729,15 @@
         </a:lvl9pPr>
       </a:lstStyle>
       <a:style>
-        <a:lnRef idx="0"/>
-        <a:fillRef idx="0"/>
-        <a:effectRef idx="0"/>
+        <a:lnRef idx="0">
+          <a:scrgbClr r="0" g="0" b="0"/>
+        </a:lnRef>
+        <a:fillRef idx="0">
+          <a:scrgbClr r="0" g="0" b="0"/>
+        </a:fillRef>
+        <a:effectRef idx="0">
+          <a:scrgbClr r="0" g="0" b="0"/>
+        </a:effectRef>
         <a:fontRef idx="none"/>
       </a:style>
     </a:lnDef>
@@ -8643,7 +8751,7 @@
         <a:effectLst/>
         <a:sp3d/>
       </a:spPr>
-      <a:bodyPr rot="0" spcFirstLastPara="1" vertOverflow="overflow" horzOverflow="overflow" vert="horz" wrap="square" lIns="50800" tIns="50800" rIns="50800" bIns="50800" numCol="1" spcCol="38100" rtlCol="0" anchor="ctr" upright="0">
+      <a:bodyPr rot="0" spcFirstLastPara="1" vertOverflow="overflow" horzOverflow="overflow" vert="horz" wrap="square" lIns="50800" tIns="50800" rIns="50800" bIns="50800" numCol="1" spcCol="38100" rtlCol="0" anchor="ctr">
         <a:spAutoFit/>
       </a:bodyPr>
       <a:lstStyle>
@@ -8664,7 +8772,7 @@
           <a:tabLst>
             <a:tab pos="812800" algn="l"/>
           </a:tabLst>
-          <a:defRPr b="0" baseline="0" cap="none" i="0" spc="-26" strike="noStrike" sz="2600" u="none" kumimoji="0" normalizeH="0">
+          <a:defRPr kumimoji="0" sz="2600" b="0" i="0" u="none" strike="noStrike" cap="none" spc="-26" normalizeH="0" baseline="0">
             <a:ln>
               <a:noFill/>
             </a:ln>
@@ -8694,7 +8802,7 @@
           <a:buFontTx/>
           <a:buNone/>
           <a:tabLst/>
-          <a:defRPr b="0" baseline="0" cap="none" i="0" spc="0" strike="noStrike" sz="1800" u="none" kumimoji="0" normalizeH="0">
+          <a:defRPr kumimoji="0" sz="1800" b="0" i="0" u="none" strike="noStrike" cap="none" spc="0" normalizeH="0" baseline="0">
             <a:ln>
               <a:noFill/>
             </a:ln>
@@ -8720,7 +8828,7 @@
           <a:buFontTx/>
           <a:buNone/>
           <a:tabLst/>
-          <a:defRPr b="0" baseline="0" cap="none" i="0" spc="0" strike="noStrike" sz="1800" u="none" kumimoji="0" normalizeH="0">
+          <a:defRPr kumimoji="0" sz="1800" b="0" i="0" u="none" strike="noStrike" cap="none" spc="0" normalizeH="0" baseline="0">
             <a:ln>
               <a:noFill/>
             </a:ln>
@@ -8746,7 +8854,7 @@
           <a:buFontTx/>
           <a:buNone/>
           <a:tabLst/>
-          <a:defRPr b="0" baseline="0" cap="none" i="0" spc="0" strike="noStrike" sz="1800" u="none" kumimoji="0" normalizeH="0">
+          <a:defRPr kumimoji="0" sz="1800" b="0" i="0" u="none" strike="noStrike" cap="none" spc="0" normalizeH="0" baseline="0">
             <a:ln>
               <a:noFill/>
             </a:ln>
@@ -8772,7 +8880,7 @@
           <a:buFontTx/>
           <a:buNone/>
           <a:tabLst/>
-          <a:defRPr b="0" baseline="0" cap="none" i="0" spc="0" strike="noStrike" sz="1800" u="none" kumimoji="0" normalizeH="0">
+          <a:defRPr kumimoji="0" sz="1800" b="0" i="0" u="none" strike="noStrike" cap="none" spc="0" normalizeH="0" baseline="0">
             <a:ln>
               <a:noFill/>
             </a:ln>
@@ -8798,7 +8906,7 @@
           <a:buFontTx/>
           <a:buNone/>
           <a:tabLst/>
-          <a:defRPr b="0" baseline="0" cap="none" i="0" spc="0" strike="noStrike" sz="1800" u="none" kumimoji="0" normalizeH="0">
+          <a:defRPr kumimoji="0" sz="1800" b="0" i="0" u="none" strike="noStrike" cap="none" spc="0" normalizeH="0" baseline="0">
             <a:ln>
               <a:noFill/>
             </a:ln>
@@ -8824,7 +8932,7 @@
           <a:buFontTx/>
           <a:buNone/>
           <a:tabLst/>
-          <a:defRPr b="0" baseline="0" cap="none" i="0" spc="0" strike="noStrike" sz="1800" u="none" kumimoji="0" normalizeH="0">
+          <a:defRPr kumimoji="0" sz="1800" b="0" i="0" u="none" strike="noStrike" cap="none" spc="0" normalizeH="0" baseline="0">
             <a:ln>
               <a:noFill/>
             </a:ln>
@@ -8850,7 +8958,7 @@
           <a:buFontTx/>
           <a:buNone/>
           <a:tabLst/>
-          <a:defRPr b="0" baseline="0" cap="none" i="0" spc="0" strike="noStrike" sz="1800" u="none" kumimoji="0" normalizeH="0">
+          <a:defRPr kumimoji="0" sz="1800" b="0" i="0" u="none" strike="noStrike" cap="none" spc="0" normalizeH="0" baseline="0">
             <a:ln>
               <a:noFill/>
             </a:ln>
@@ -8876,7 +8984,7 @@
           <a:buFontTx/>
           <a:buNone/>
           <a:tabLst/>
-          <a:defRPr b="0" baseline="0" cap="none" i="0" spc="0" strike="noStrike" sz="1800" u="none" kumimoji="0" normalizeH="0">
+          <a:defRPr kumimoji="0" sz="1800" b="0" i="0" u="none" strike="noStrike" cap="none" spc="0" normalizeH="0" baseline="0">
             <a:ln>
               <a:noFill/>
             </a:ln>
@@ -8902,7 +9010,7 @@
           <a:buFontTx/>
           <a:buNone/>
           <a:tabLst/>
-          <a:defRPr b="0" baseline="0" cap="none" i="0" spc="0" strike="noStrike" sz="1800" u="none" kumimoji="0" normalizeH="0">
+          <a:defRPr kumimoji="0" sz="1800" b="0" i="0" u="none" strike="noStrike" cap="none" spc="0" normalizeH="0" baseline="0">
             <a:ln>
               <a:noFill/>
             </a:ln>
@@ -8915,12 +9023,19 @@
         </a:lvl9pPr>
       </a:lstStyle>
       <a:style>
-        <a:lnRef idx="0"/>
-        <a:fillRef idx="0"/>
-        <a:effectRef idx="0"/>
+        <a:lnRef idx="0">
+          <a:scrgbClr r="0" g="0" b="0"/>
+        </a:lnRef>
+        <a:fillRef idx="0">
+          <a:scrgbClr r="0" g="0" b="0"/>
+        </a:fillRef>
+        <a:effectRef idx="0">
+          <a:scrgbClr r="0" g="0" b="0"/>
+        </a:effectRef>
         <a:fontRef idx="none"/>
       </a:style>
     </a:txDef>
   </a:objectDefaults>
+  <a:extraClrSchemeLst/>
 </a:theme>
 </file>